--- a/2020/7月/23-7-2020.pptx
+++ b/2020/7月/23-7-2020.pptx
@@ -127,7 +127,7 @@
   </p:defaultTextStyle>
   <p:extLst>
     <p:ext uri="{EFAFB233-063F-42B5-8137-9DF3F51BA10A}">
-      <p15:sldGuideLst xmlns:p15="http://schemas.microsoft.com/office/powerpoint/2012/main" xmlns="">
+      <p15:sldGuideLst xmlns="" xmlns:p15="http://schemas.microsoft.com/office/powerpoint/2012/main">
         <p15:guide id="1" orient="horz" pos="1620">
           <p15:clr>
             <a:srgbClr val="A4A3A4"/>
@@ -326,7 +326,7 @@
             <a:fld id="{AA5D9FA9-CE5A-48A6-B3BE-EC410BA02A91}" type="datetimeFigureOut">
               <a:rPr lang="zh-TW" altLang="en-US" smtClean="0"/>
               <a:pPr/>
-              <a:t>2020/7/14</a:t>
+              <a:t>2020/7/19</a:t>
             </a:fld>
             <a:endParaRPr lang="zh-TW" altLang="en-US"/>
           </a:p>
@@ -493,7 +493,7 @@
             <a:fld id="{AA5D9FA9-CE5A-48A6-B3BE-EC410BA02A91}" type="datetimeFigureOut">
               <a:rPr lang="zh-TW" altLang="en-US" smtClean="0"/>
               <a:pPr/>
-              <a:t>2020/7/14</a:t>
+              <a:t>2020/7/19</a:t>
             </a:fld>
             <a:endParaRPr lang="zh-TW" altLang="en-US"/>
           </a:p>
@@ -670,7 +670,7 @@
             <a:fld id="{AA5D9FA9-CE5A-48A6-B3BE-EC410BA02A91}" type="datetimeFigureOut">
               <a:rPr lang="zh-TW" altLang="en-US" smtClean="0"/>
               <a:pPr/>
-              <a:t>2020/7/14</a:t>
+              <a:t>2020/7/19</a:t>
             </a:fld>
             <a:endParaRPr lang="zh-TW" altLang="en-US"/>
           </a:p>
@@ -837,7 +837,7 @@
             <a:fld id="{AA5D9FA9-CE5A-48A6-B3BE-EC410BA02A91}" type="datetimeFigureOut">
               <a:rPr lang="zh-TW" altLang="en-US" smtClean="0"/>
               <a:pPr/>
-              <a:t>2020/7/14</a:t>
+              <a:t>2020/7/19</a:t>
             </a:fld>
             <a:endParaRPr lang="zh-TW" altLang="en-US"/>
           </a:p>
@@ -1080,7 +1080,7 @@
             <a:fld id="{AA5D9FA9-CE5A-48A6-B3BE-EC410BA02A91}" type="datetimeFigureOut">
               <a:rPr lang="zh-TW" altLang="en-US" smtClean="0"/>
               <a:pPr/>
-              <a:t>2020/7/14</a:t>
+              <a:t>2020/7/19</a:t>
             </a:fld>
             <a:endParaRPr lang="zh-TW" altLang="en-US"/>
           </a:p>
@@ -1365,7 +1365,7 @@
             <a:fld id="{AA5D9FA9-CE5A-48A6-B3BE-EC410BA02A91}" type="datetimeFigureOut">
               <a:rPr lang="zh-TW" altLang="en-US" smtClean="0"/>
               <a:pPr/>
-              <a:t>2020/7/14</a:t>
+              <a:t>2020/7/19</a:t>
             </a:fld>
             <a:endParaRPr lang="zh-TW" altLang="en-US"/>
           </a:p>
@@ -1784,7 +1784,7 @@
             <a:fld id="{AA5D9FA9-CE5A-48A6-B3BE-EC410BA02A91}" type="datetimeFigureOut">
               <a:rPr lang="zh-TW" altLang="en-US" smtClean="0"/>
               <a:pPr/>
-              <a:t>2020/7/14</a:t>
+              <a:t>2020/7/19</a:t>
             </a:fld>
             <a:endParaRPr lang="zh-TW" altLang="en-US"/>
           </a:p>
@@ -1899,7 +1899,7 @@
             <a:fld id="{AA5D9FA9-CE5A-48A6-B3BE-EC410BA02A91}" type="datetimeFigureOut">
               <a:rPr lang="zh-TW" altLang="en-US" smtClean="0"/>
               <a:pPr/>
-              <a:t>2020/7/14</a:t>
+              <a:t>2020/7/19</a:t>
             </a:fld>
             <a:endParaRPr lang="zh-TW" altLang="en-US"/>
           </a:p>
@@ -1991,7 +1991,7 @@
             <a:fld id="{AA5D9FA9-CE5A-48A6-B3BE-EC410BA02A91}" type="datetimeFigureOut">
               <a:rPr lang="zh-TW" altLang="en-US" smtClean="0"/>
               <a:pPr/>
-              <a:t>2020/7/14</a:t>
+              <a:t>2020/7/19</a:t>
             </a:fld>
             <a:endParaRPr lang="zh-TW" altLang="en-US"/>
           </a:p>
@@ -2265,7 +2265,7 @@
             <a:fld id="{AA5D9FA9-CE5A-48A6-B3BE-EC410BA02A91}" type="datetimeFigureOut">
               <a:rPr lang="zh-TW" altLang="en-US" smtClean="0"/>
               <a:pPr/>
-              <a:t>2020/7/14</a:t>
+              <a:t>2020/7/19</a:t>
             </a:fld>
             <a:endParaRPr lang="zh-TW" altLang="en-US"/>
           </a:p>
@@ -2519,7 +2519,7 @@
             <a:fld id="{AA5D9FA9-CE5A-48A6-B3BE-EC410BA02A91}" type="datetimeFigureOut">
               <a:rPr lang="zh-TW" altLang="en-US" smtClean="0"/>
               <a:pPr/>
-              <a:t>2020/7/14</a:t>
+              <a:t>2020/7/19</a:t>
             </a:fld>
             <a:endParaRPr lang="zh-TW" altLang="en-US"/>
           </a:p>
@@ -2734,7 +2734,7 @@
             <a:fld id="{AA5D9FA9-CE5A-48A6-B3BE-EC410BA02A91}" type="datetimeFigureOut">
               <a:rPr lang="zh-TW" altLang="en-US" smtClean="0"/>
               <a:pPr/>
-              <a:t>2020/7/14</a:t>
+              <a:t>2020/7/19</a:t>
             </a:fld>
             <a:endParaRPr lang="zh-TW" altLang="en-US"/>
           </a:p>
@@ -3124,6 +3124,9 @@
           <a:p>
             <a:r>
               <a:rPr lang="zh-CN" altLang="en-US" b="1" dirty="0">
+                <a:solidFill>
+                  <a:srgbClr val="002060"/>
+                </a:solidFill>
                 <a:latin typeface="微軟正黑體" pitchFamily="34" charset="-120"/>
                 <a:ea typeface="微軟正黑體" pitchFamily="34" charset="-120"/>
               </a:rPr>
@@ -3131,6 +3134,9 @@
             </a:r>
             <a:r>
               <a:rPr lang="zh-TW" altLang="en-US" b="1" dirty="0" smtClean="0">
+                <a:solidFill>
+                  <a:srgbClr val="002060"/>
+                </a:solidFill>
                 <a:latin typeface="微軟正黑體" pitchFamily="34" charset="-120"/>
                 <a:ea typeface="微軟正黑體" pitchFamily="34" charset="-120"/>
               </a:rPr>
@@ -3138,6 +3144,9 @@
             </a:r>
             <a:r>
               <a:rPr lang="zh-TW" altLang="en-US" b="1" dirty="0">
+                <a:solidFill>
+                  <a:srgbClr val="002060"/>
+                </a:solidFill>
                 <a:latin typeface="微軟正黑體" pitchFamily="34" charset="-120"/>
                 <a:ea typeface="微軟正黑體" pitchFamily="34" charset="-120"/>
               </a:rPr>
@@ -3168,6 +3177,9 @@
             </a:pPr>
             <a:r>
               <a:rPr lang="zh-CN" altLang="en-US" sz="4800" b="1" dirty="0">
+                <a:solidFill>
+                  <a:srgbClr val="002060"/>
+                </a:solidFill>
                 <a:latin typeface="微軟正黑體" pitchFamily="34" charset="-120"/>
                 <a:ea typeface="微軟正黑體" pitchFamily="34" charset="-120"/>
               </a:rPr>
@@ -3175,6 +3187,9 @@
             </a:r>
             <a:r>
               <a:rPr lang="zh-TW" altLang="en-US" sz="4800" b="1" dirty="0" smtClean="0">
+                <a:solidFill>
+                  <a:srgbClr val="002060"/>
+                </a:solidFill>
                 <a:latin typeface="微軟正黑體" pitchFamily="34" charset="-120"/>
                 <a:ea typeface="微軟正黑體" pitchFamily="34" charset="-120"/>
               </a:rPr>
@@ -3182,6 +3197,9 @@
             </a:r>
             <a:r>
               <a:rPr lang="zh-TW" altLang="en-US" sz="4800" b="1" dirty="0">
+                <a:solidFill>
+                  <a:srgbClr val="002060"/>
+                </a:solidFill>
                 <a:latin typeface="微軟正黑體" pitchFamily="34" charset="-120"/>
                 <a:ea typeface="微軟正黑體" pitchFamily="34" charset="-120"/>
               </a:rPr>
@@ -3189,12 +3207,18 @@
             </a:r>
             <a:r>
               <a:rPr lang="zh-TW" altLang="en-US" sz="4800" b="1" dirty="0" smtClean="0">
+                <a:solidFill>
+                  <a:srgbClr val="002060"/>
+                </a:solidFill>
                 <a:latin typeface="微軟正黑體" pitchFamily="34" charset="-120"/>
                 <a:ea typeface="微軟正黑體" pitchFamily="34" charset="-120"/>
               </a:rPr>
               <a:t>萬物</a:t>
             </a:r>
             <a:endParaRPr lang="en-US" altLang="zh-TW" sz="4800" b="1" dirty="0" smtClean="0">
+              <a:solidFill>
+                <a:srgbClr val="002060"/>
+              </a:solidFill>
               <a:latin typeface="微軟正黑體" pitchFamily="34" charset="-120"/>
               <a:ea typeface="微軟正黑體" pitchFamily="34" charset="-120"/>
             </a:endParaRPr>
@@ -3205,6 +3229,9 @@
             </a:pPr>
             <a:r>
               <a:rPr lang="zh-TW" altLang="en-US" sz="4800" b="1" dirty="0" smtClean="0">
+                <a:solidFill>
+                  <a:srgbClr val="002060"/>
+                </a:solidFill>
                 <a:latin typeface="微軟正黑體" pitchFamily="34" charset="-120"/>
                 <a:ea typeface="微軟正黑體" pitchFamily="34" charset="-120"/>
               </a:rPr>
@@ -3212,6 +3239,9 @@
             </a:r>
             <a:r>
               <a:rPr lang="zh-TW" altLang="en-US" sz="4800" b="1" dirty="0">
+                <a:solidFill>
+                  <a:srgbClr val="002060"/>
+                </a:solidFill>
                 <a:latin typeface="微軟正黑體" pitchFamily="34" charset="-120"/>
                 <a:ea typeface="微軟正黑體" pitchFamily="34" charset="-120"/>
               </a:rPr>
@@ -3219,12 +3249,18 @@
             </a:r>
             <a:r>
               <a:rPr lang="zh-TW" altLang="en-US" sz="4800" b="1" dirty="0" smtClean="0">
+                <a:solidFill>
+                  <a:srgbClr val="002060"/>
+                </a:solidFill>
                 <a:latin typeface="微軟正黑體" pitchFamily="34" charset="-120"/>
                 <a:ea typeface="微軟正黑體" pitchFamily="34" charset="-120"/>
               </a:rPr>
               <a:t>所有</a:t>
             </a:r>
             <a:endParaRPr lang="en-US" altLang="zh-TW" sz="4800" b="1" dirty="0">
+              <a:solidFill>
+                <a:srgbClr val="002060"/>
+              </a:solidFill>
               <a:latin typeface="微軟正黑體" pitchFamily="34" charset="-120"/>
               <a:ea typeface="微軟正黑體" pitchFamily="34" charset="-120"/>
             </a:endParaRPr>
@@ -3235,6 +3271,9 @@
             </a:pPr>
             <a:r>
               <a:rPr lang="zh-TW" altLang="en-US" sz="4800" b="1" dirty="0" smtClean="0">
+                <a:solidFill>
+                  <a:srgbClr val="002060"/>
+                </a:solidFill>
                 <a:latin typeface="微軟正黑體" pitchFamily="34" charset="-120"/>
                 <a:ea typeface="微軟正黑體" pitchFamily="34" charset="-120"/>
               </a:rPr>
@@ -3242,6 +3281,9 @@
             </a:r>
             <a:r>
               <a:rPr lang="zh-CN" altLang="en-US" sz="4800" b="1" dirty="0">
+                <a:solidFill>
+                  <a:srgbClr val="002060"/>
+                </a:solidFill>
                 <a:latin typeface="微軟正黑體" pitchFamily="34" charset="-120"/>
                 <a:ea typeface="微軟正黑體" pitchFamily="34" charset="-120"/>
               </a:rPr>
@@ -3249,6 +3291,9 @@
             </a:r>
             <a:r>
               <a:rPr lang="zh-TW" altLang="en-US" sz="4800" b="1" dirty="0" smtClean="0">
+                <a:solidFill>
+                  <a:srgbClr val="002060"/>
+                </a:solidFill>
                 <a:latin typeface="微軟正黑體" pitchFamily="34" charset="-120"/>
                 <a:ea typeface="微軟正黑體" pitchFamily="34" charset="-120"/>
               </a:rPr>
@@ -3256,6 +3301,9 @@
             </a:r>
             <a:r>
               <a:rPr lang="zh-TW" altLang="en-US" sz="4800" b="1" dirty="0">
+                <a:solidFill>
+                  <a:srgbClr val="002060"/>
+                </a:solidFill>
                 <a:latin typeface="微軟正黑體" pitchFamily="34" charset="-120"/>
                 <a:ea typeface="微軟正黑體" pitchFamily="34" charset="-120"/>
               </a:rPr>
@@ -3263,12 +3311,18 @@
             </a:r>
             <a:r>
               <a:rPr lang="zh-TW" altLang="en-US" sz="4800" b="1" dirty="0" smtClean="0">
+                <a:solidFill>
+                  <a:srgbClr val="002060"/>
+                </a:solidFill>
                 <a:latin typeface="微軟正黑體" pitchFamily="34" charset="-120"/>
                 <a:ea typeface="微軟正黑體" pitchFamily="34" charset="-120"/>
               </a:rPr>
               <a:t>需要</a:t>
             </a:r>
             <a:endParaRPr lang="en-US" altLang="zh-TW" sz="4800" b="1" dirty="0" smtClean="0">
+              <a:solidFill>
+                <a:srgbClr val="002060"/>
+              </a:solidFill>
               <a:latin typeface="微軟正黑體" pitchFamily="34" charset="-120"/>
               <a:ea typeface="微軟正黑體" pitchFamily="34" charset="-120"/>
             </a:endParaRPr>
@@ -3279,6 +3333,9 @@
             </a:pPr>
             <a:r>
               <a:rPr lang="zh-TW" altLang="en-US" sz="4800" b="1" dirty="0" smtClean="0">
+                <a:solidFill>
+                  <a:srgbClr val="002060"/>
+                </a:solidFill>
                 <a:latin typeface="微軟正黑體" pitchFamily="34" charset="-120"/>
                 <a:ea typeface="微軟正黑體" pitchFamily="34" charset="-120"/>
               </a:rPr>
@@ -3286,6 +3343,9 @@
             </a:r>
             <a:r>
               <a:rPr lang="zh-TW" altLang="en-US" sz="4800" b="1" dirty="0">
+                <a:solidFill>
+                  <a:srgbClr val="002060"/>
+                </a:solidFill>
                 <a:latin typeface="微軟正黑體" pitchFamily="34" charset="-120"/>
                 <a:ea typeface="微軟正黑體" pitchFamily="34" charset="-120"/>
               </a:rPr>
@@ -3338,6 +3398,9 @@
           <a:p>
             <a:r>
               <a:rPr lang="zh-CN" altLang="en-US" b="1" dirty="0">
+                <a:solidFill>
+                  <a:srgbClr val="002060"/>
+                </a:solidFill>
                 <a:latin typeface="微軟正黑體" pitchFamily="34" charset="-120"/>
                 <a:ea typeface="微軟正黑體" pitchFamily="34" charset="-120"/>
               </a:rPr>
@@ -3345,6 +3408,9 @@
             </a:r>
             <a:r>
               <a:rPr lang="zh-TW" altLang="en-US" b="1" dirty="0" smtClean="0">
+                <a:solidFill>
+                  <a:srgbClr val="002060"/>
+                </a:solidFill>
                 <a:latin typeface="微軟正黑體" pitchFamily="34" charset="-120"/>
                 <a:ea typeface="微軟正黑體" pitchFamily="34" charset="-120"/>
               </a:rPr>
@@ -3352,6 +3418,9 @@
             </a:r>
             <a:r>
               <a:rPr lang="zh-TW" altLang="en-US" b="1" dirty="0">
+                <a:solidFill>
+                  <a:srgbClr val="002060"/>
+                </a:solidFill>
                 <a:latin typeface="微軟正黑體" pitchFamily="34" charset="-120"/>
                 <a:ea typeface="微軟正黑體" pitchFamily="34" charset="-120"/>
               </a:rPr>
@@ -3387,6 +3456,9 @@
             </a:pPr>
             <a:r>
               <a:rPr lang="zh-CN" altLang="en-US" sz="4800" b="1" dirty="0">
+                <a:solidFill>
+                  <a:srgbClr val="002060"/>
+                </a:solidFill>
                 <a:latin typeface="微軟正黑體" pitchFamily="34" charset="-120"/>
                 <a:ea typeface="微軟正黑體" pitchFamily="34" charset="-120"/>
               </a:rPr>
@@ -3394,6 +3466,9 @@
             </a:r>
             <a:r>
               <a:rPr lang="zh-TW" altLang="en-US" sz="4800" b="1" dirty="0" smtClean="0">
+                <a:solidFill>
+                  <a:srgbClr val="002060"/>
+                </a:solidFill>
                 <a:latin typeface="微軟正黑體" pitchFamily="34" charset="-120"/>
                 <a:ea typeface="微軟正黑體" pitchFamily="34" charset="-120"/>
               </a:rPr>
@@ -3401,12 +3476,18 @@
             </a:r>
             <a:r>
               <a:rPr lang="zh-TW" altLang="en-US" sz="4800" b="1" dirty="0">
+                <a:solidFill>
+                  <a:srgbClr val="002060"/>
+                </a:solidFill>
                 <a:latin typeface="微軟正黑體" pitchFamily="34" charset="-120"/>
                 <a:ea typeface="微軟正黑體" pitchFamily="34" charset="-120"/>
               </a:rPr>
               <a:t>愛如此溫柔</a:t>
             </a:r>
             <a:endParaRPr lang="en-US" altLang="zh-TW" sz="4800" b="1" dirty="0">
+              <a:solidFill>
+                <a:srgbClr val="002060"/>
+              </a:solidFill>
               <a:latin typeface="微軟正黑體" pitchFamily="34" charset="-120"/>
               <a:ea typeface="微軟正黑體" pitchFamily="34" charset="-120"/>
             </a:endParaRPr>
@@ -3417,12 +3498,18 @@
             </a:pPr>
             <a:r>
               <a:rPr lang="zh-TW" altLang="en-US" sz="4800" b="1" dirty="0">
+                <a:solidFill>
+                  <a:srgbClr val="002060"/>
+                </a:solidFill>
                 <a:latin typeface="微軟正黑體" pitchFamily="34" charset="-120"/>
                 <a:ea typeface="微軟正黑體" pitchFamily="34" charset="-120"/>
               </a:rPr>
               <a:t>超乎我心所想</a:t>
             </a:r>
             <a:endParaRPr lang="en-US" altLang="zh-TW" sz="4800" b="1" dirty="0">
+              <a:solidFill>
+                <a:srgbClr val="002060"/>
+              </a:solidFill>
               <a:latin typeface="微軟正黑體" pitchFamily="34" charset="-120"/>
               <a:ea typeface="微軟正黑體" pitchFamily="34" charset="-120"/>
             </a:endParaRPr>
@@ -3433,12 +3520,18 @@
             </a:pPr>
             <a:r>
               <a:rPr lang="zh-TW" altLang="en-US" sz="4800" b="1" dirty="0">
+                <a:solidFill>
+                  <a:srgbClr val="002060"/>
+                </a:solidFill>
                 <a:latin typeface="微軟正黑體" pitchFamily="34" charset="-120"/>
                 <a:ea typeface="微軟正黑體" pitchFamily="34" charset="-120"/>
               </a:rPr>
               <a:t>這樣大有能力的主</a:t>
             </a:r>
             <a:endParaRPr lang="en-US" altLang="zh-TW" sz="4800" b="1" dirty="0">
+              <a:solidFill>
+                <a:srgbClr val="002060"/>
+              </a:solidFill>
               <a:latin typeface="微軟正黑體" pitchFamily="34" charset="-120"/>
               <a:ea typeface="微軟正黑體" pitchFamily="34" charset="-120"/>
             </a:endParaRPr>
@@ -3449,6 +3542,9 @@
             </a:pPr>
             <a:r>
               <a:rPr lang="zh-TW" altLang="en-US" sz="4800" b="1" dirty="0">
+                <a:solidFill>
+                  <a:srgbClr val="002060"/>
+                </a:solidFill>
                 <a:latin typeface="微軟正黑體" pitchFamily="34" charset="-120"/>
                 <a:ea typeface="微軟正黑體" pitchFamily="34" charset="-120"/>
               </a:rPr>
@@ -3456,6 +3552,9 @@
             </a:r>
             <a:r>
               <a:rPr lang="zh-TW" altLang="en-US" sz="4800" b="1" dirty="0" smtClean="0">
+                <a:solidFill>
+                  <a:srgbClr val="002060"/>
+                </a:solidFill>
                 <a:latin typeface="微軟正黑體" pitchFamily="34" charset="-120"/>
                 <a:ea typeface="微軟正黑體" pitchFamily="34" charset="-120"/>
               </a:rPr>
@@ -3463,6 +3562,9 @@
             </a:r>
             <a:r>
               <a:rPr lang="zh-CN" altLang="en-US" sz="4800" b="1" dirty="0" smtClean="0">
+                <a:solidFill>
+                  <a:srgbClr val="002060"/>
+                </a:solidFill>
                 <a:latin typeface="微軟正黑體" pitchFamily="34" charset="-120"/>
                 <a:ea typeface="微軟正黑體" pitchFamily="34" charset="-120"/>
               </a:rPr>
@@ -3470,6 +3572,9 @@
             </a:r>
             <a:r>
               <a:rPr lang="zh-TW" altLang="en-US" sz="4800" b="1" dirty="0" smtClean="0">
+                <a:solidFill>
+                  <a:srgbClr val="002060"/>
+                </a:solidFill>
                 <a:latin typeface="微軟正黑體" pitchFamily="34" charset="-120"/>
                 <a:ea typeface="微軟正黑體" pitchFamily="34" charset="-120"/>
               </a:rPr>
@@ -3477,6 +3582,9 @@
             </a:r>
             <a:r>
               <a:rPr lang="zh-TW" altLang="en-US" sz="4800" b="1" dirty="0">
+                <a:solidFill>
+                  <a:srgbClr val="002060"/>
+                </a:solidFill>
                 <a:latin typeface="微軟正黑體" pitchFamily="34" charset="-120"/>
                 <a:ea typeface="微軟正黑體" pitchFamily="34" charset="-120"/>
               </a:rPr>
@@ -3529,6 +3637,9 @@
           <a:p>
             <a:r>
               <a:rPr lang="zh-CN" altLang="en-US" b="1" dirty="0">
+                <a:solidFill>
+                  <a:srgbClr val="002060"/>
+                </a:solidFill>
                 <a:latin typeface="微軟正黑體" pitchFamily="34" charset="-120"/>
                 <a:ea typeface="微軟正黑體" pitchFamily="34" charset="-120"/>
               </a:rPr>
@@ -3536,6 +3647,9 @@
             </a:r>
             <a:r>
               <a:rPr lang="zh-TW" altLang="en-US" b="1" dirty="0" smtClean="0">
+                <a:solidFill>
+                  <a:srgbClr val="002060"/>
+                </a:solidFill>
                 <a:latin typeface="微軟正黑體" pitchFamily="34" charset="-120"/>
                 <a:ea typeface="微軟正黑體" pitchFamily="34" charset="-120"/>
               </a:rPr>
@@ -3543,6 +3657,9 @@
             </a:r>
             <a:r>
               <a:rPr lang="zh-TW" altLang="en-US" b="1" dirty="0">
+                <a:solidFill>
+                  <a:srgbClr val="002060"/>
+                </a:solidFill>
                 <a:latin typeface="微軟正黑體" pitchFamily="34" charset="-120"/>
                 <a:ea typeface="微軟正黑體" pitchFamily="34" charset="-120"/>
               </a:rPr>
@@ -3578,6 +3695,9 @@
             </a:pPr>
             <a:r>
               <a:rPr lang="zh-CN" altLang="en-US" sz="4800" b="1" dirty="0">
+                <a:solidFill>
+                  <a:srgbClr val="002060"/>
+                </a:solidFill>
                 <a:latin typeface="微軟正黑體" pitchFamily="34" charset="-120"/>
                 <a:ea typeface="微軟正黑體" pitchFamily="34" charset="-120"/>
               </a:rPr>
@@ -3585,6 +3705,9 @@
             </a:r>
             <a:r>
               <a:rPr lang="zh-TW" altLang="en-US" sz="4800" b="1" dirty="0" smtClean="0">
+                <a:solidFill>
+                  <a:srgbClr val="002060"/>
+                </a:solidFill>
                 <a:latin typeface="微軟正黑體" pitchFamily="34" charset="-120"/>
                 <a:ea typeface="微軟正黑體" pitchFamily="34" charset="-120"/>
               </a:rPr>
@@ -3592,6 +3715,9 @@
             </a:r>
             <a:r>
               <a:rPr lang="zh-TW" altLang="en-US" sz="4800" b="1" dirty="0">
+                <a:solidFill>
+                  <a:srgbClr val="002060"/>
+                </a:solidFill>
                 <a:latin typeface="微軟正黑體" pitchFamily="34" charset="-120"/>
                 <a:ea typeface="微軟正黑體" pitchFamily="34" charset="-120"/>
               </a:rPr>
@@ -3599,6 +3725,9 @@
             </a:r>
             <a:r>
               <a:rPr lang="zh-TW" altLang="en-US" sz="4800" b="1" dirty="0" smtClean="0">
+                <a:solidFill>
+                  <a:srgbClr val="002060"/>
+                </a:solidFill>
                 <a:latin typeface="微軟正黑體" pitchFamily="34" charset="-120"/>
                 <a:ea typeface="微軟正黑體" pitchFamily="34" charset="-120"/>
               </a:rPr>
@@ -3606,6 +3735,9 @@
             </a:r>
             <a:r>
               <a:rPr lang="en-US" altLang="zh-TW" sz="4800" b="1" dirty="0">
+                <a:solidFill>
+                  <a:srgbClr val="002060"/>
+                </a:solidFill>
                 <a:latin typeface="微軟正黑體" pitchFamily="34" charset="-120"/>
                 <a:ea typeface="微軟正黑體" pitchFamily="34" charset="-120"/>
               </a:rPr>
@@ -3613,6 +3745,9 @@
             </a:r>
             <a:r>
               <a:rPr lang="en-US" altLang="zh-TW" sz="4800" b="1" dirty="0" smtClean="0">
+                <a:solidFill>
+                  <a:srgbClr val="002060"/>
+                </a:solidFill>
                 <a:latin typeface="微軟正黑體" pitchFamily="34" charset="-120"/>
                 <a:ea typeface="微軟正黑體" pitchFamily="34" charset="-120"/>
               </a:rPr>
@@ -3625,6 +3760,9 @@
             </a:pPr>
             <a:r>
               <a:rPr lang="zh-TW" altLang="en-US" sz="4800" b="1" dirty="0" smtClean="0">
+                <a:solidFill>
+                  <a:srgbClr val="002060"/>
+                </a:solidFill>
                 <a:latin typeface="微軟正黑體" pitchFamily="34" charset="-120"/>
                 <a:ea typeface="微軟正黑體" pitchFamily="34" charset="-120"/>
               </a:rPr>
@@ -3632,12 +3770,18 @@
             </a:r>
             <a:r>
               <a:rPr lang="zh-TW" altLang="en-US" sz="4800" b="1" dirty="0">
+                <a:solidFill>
+                  <a:srgbClr val="002060"/>
+                </a:solidFill>
                 <a:latin typeface="微軟正黑體" pitchFamily="34" charset="-120"/>
                 <a:ea typeface="微軟正黑體" pitchFamily="34" charset="-120"/>
               </a:rPr>
               <a:t>知我無以報答</a:t>
             </a:r>
             <a:endParaRPr lang="en-US" altLang="zh-TW" sz="4800" b="1" dirty="0">
+              <a:solidFill>
+                <a:srgbClr val="002060"/>
+              </a:solidFill>
               <a:latin typeface="微軟正黑體" pitchFamily="34" charset="-120"/>
               <a:ea typeface="微軟正黑體" pitchFamily="34" charset="-120"/>
             </a:endParaRPr>
@@ -3648,6 +3792,9 @@
             </a:pPr>
             <a:r>
               <a:rPr lang="zh-TW" altLang="en-US" sz="4800" b="1" dirty="0">
+                <a:solidFill>
+                  <a:srgbClr val="002060"/>
+                </a:solidFill>
                 <a:latin typeface="微軟正黑體" pitchFamily="34" charset="-120"/>
                 <a:ea typeface="微軟正黑體" pitchFamily="34" charset="-120"/>
               </a:rPr>
@@ -3655,12 +3802,18 @@
             </a:r>
             <a:r>
               <a:rPr lang="zh-TW" altLang="en-US" sz="4800" b="1" dirty="0" smtClean="0">
+                <a:solidFill>
+                  <a:srgbClr val="002060"/>
+                </a:solidFill>
                 <a:latin typeface="微軟正黑體" pitchFamily="34" charset="-120"/>
                 <a:ea typeface="微軟正黑體" pitchFamily="34" charset="-120"/>
               </a:rPr>
               <a:t>命</a:t>
             </a:r>
             <a:endParaRPr lang="en-US" altLang="zh-TW" sz="4800" b="1" dirty="0">
+              <a:solidFill>
+                <a:srgbClr val="002060"/>
+              </a:solidFill>
               <a:latin typeface="微軟正黑體" pitchFamily="34" charset="-120"/>
               <a:ea typeface="微軟正黑體" pitchFamily="34" charset="-120"/>
             </a:endParaRPr>
@@ -3711,6 +3864,9 @@
           <a:p>
             <a:r>
               <a:rPr lang="zh-CN" altLang="en-US" b="1" dirty="0">
+                <a:solidFill>
+                  <a:srgbClr val="002060"/>
+                </a:solidFill>
                 <a:latin typeface="微軟正黑體" pitchFamily="34" charset="-120"/>
                 <a:ea typeface="微軟正黑體" pitchFamily="34" charset="-120"/>
               </a:rPr>
@@ -3718,6 +3874,9 @@
             </a:r>
             <a:r>
               <a:rPr lang="zh-TW" altLang="en-US" b="1" dirty="0" smtClean="0">
+                <a:solidFill>
+                  <a:srgbClr val="002060"/>
+                </a:solidFill>
                 <a:latin typeface="微軟正黑體" pitchFamily="34" charset="-120"/>
                 <a:ea typeface="微軟正黑體" pitchFamily="34" charset="-120"/>
               </a:rPr>
@@ -3725,6 +3884,9 @@
             </a:r>
             <a:r>
               <a:rPr lang="zh-TW" altLang="en-US" b="1" dirty="0">
+                <a:solidFill>
+                  <a:srgbClr val="002060"/>
+                </a:solidFill>
                 <a:latin typeface="微軟正黑體" pitchFamily="34" charset="-120"/>
                 <a:ea typeface="微軟正黑體" pitchFamily="34" charset="-120"/>
               </a:rPr>
@@ -3760,6 +3922,9 @@
             </a:pPr>
             <a:r>
               <a:rPr lang="zh-TW" altLang="en-US" sz="4800" b="1" dirty="0" smtClean="0">
+                <a:solidFill>
+                  <a:srgbClr val="002060"/>
+                </a:solidFill>
                 <a:latin typeface="微軟正黑體" pitchFamily="34" charset="-120"/>
                 <a:ea typeface="微軟正黑體" pitchFamily="34" charset="-120"/>
               </a:rPr>
@@ -3767,6 +3932,9 @@
             </a:r>
             <a:r>
               <a:rPr lang="zh-CN" altLang="en-US" sz="4800" b="1" dirty="0">
+                <a:solidFill>
+                  <a:srgbClr val="002060"/>
+                </a:solidFill>
                 <a:latin typeface="微軟正黑體" pitchFamily="34" charset="-120"/>
                 <a:ea typeface="微軟正黑體" pitchFamily="34" charset="-120"/>
               </a:rPr>
@@ -3774,6 +3942,9 @@
             </a:r>
             <a:r>
               <a:rPr lang="zh-TW" altLang="en-US" sz="4800" b="1" dirty="0" smtClean="0">
+                <a:solidFill>
+                  <a:srgbClr val="002060"/>
+                </a:solidFill>
                 <a:latin typeface="微軟正黑體" pitchFamily="34" charset="-120"/>
                 <a:ea typeface="微軟正黑體" pitchFamily="34" charset="-120"/>
               </a:rPr>
@@ -3781,12 +3952,18 @@
             </a:r>
             <a:r>
               <a:rPr lang="zh-TW" altLang="en-US" sz="4800" b="1" dirty="0">
+                <a:solidFill>
+                  <a:srgbClr val="002060"/>
+                </a:solidFill>
                 <a:latin typeface="微軟正黑體" pitchFamily="34" charset="-120"/>
                 <a:ea typeface="微軟正黑體" pitchFamily="34" charset="-120"/>
               </a:rPr>
               <a:t>卑的樣式</a:t>
             </a:r>
             <a:endParaRPr lang="en-US" altLang="zh-TW" sz="4800" b="1" dirty="0">
+              <a:solidFill>
+                <a:srgbClr val="002060"/>
+              </a:solidFill>
               <a:latin typeface="微軟正黑體" pitchFamily="34" charset="-120"/>
               <a:ea typeface="微軟正黑體" pitchFamily="34" charset="-120"/>
             </a:endParaRPr>
@@ -3797,6 +3974,9 @@
             </a:pPr>
             <a:r>
               <a:rPr lang="zh-TW" altLang="en-US" sz="4800" b="1" dirty="0">
+                <a:solidFill>
+                  <a:srgbClr val="002060"/>
+                </a:solidFill>
                 <a:latin typeface="微軟正黑體" pitchFamily="34" charset="-120"/>
                 <a:ea typeface="微軟正黑體" pitchFamily="34" charset="-120"/>
               </a:rPr>
@@ -3808,7 +3988,7 @@
     </p:spTree>
     <p:extLst>
       <p:ext uri="{BB962C8B-B14F-4D97-AF65-F5344CB8AC3E}">
-        <p14:creationId xmlns:p14="http://schemas.microsoft.com/office/powerpoint/2010/main" xmlns="" val="3767142376"/>
+        <p14:creationId xmlns="" xmlns:p14="http://schemas.microsoft.com/office/powerpoint/2010/main" val="3767142376"/>
       </p:ext>
     </p:extLst>
   </p:cSld>
@@ -3854,6 +4034,9 @@
           <a:p>
             <a:r>
               <a:rPr lang="zh-CN" altLang="en-US" b="1" dirty="0">
+                <a:solidFill>
+                  <a:srgbClr val="002060"/>
+                </a:solidFill>
                 <a:latin typeface="微軟正黑體" pitchFamily="34" charset="-120"/>
                 <a:ea typeface="微軟正黑體" pitchFamily="34" charset="-120"/>
               </a:rPr>
@@ -3861,6 +4044,9 @@
             </a:r>
             <a:r>
               <a:rPr lang="zh-TW" altLang="en-US" b="1" dirty="0" smtClean="0">
+                <a:solidFill>
+                  <a:srgbClr val="002060"/>
+                </a:solidFill>
                 <a:latin typeface="微軟正黑體" pitchFamily="34" charset="-120"/>
                 <a:ea typeface="微軟正黑體" pitchFamily="34" charset="-120"/>
               </a:rPr>
@@ -3868,6 +4054,9 @@
             </a:r>
             <a:r>
               <a:rPr lang="zh-TW" altLang="en-US" b="1" dirty="0">
+                <a:solidFill>
+                  <a:srgbClr val="002060"/>
+                </a:solidFill>
                 <a:latin typeface="微軟正黑體" pitchFamily="34" charset="-120"/>
                 <a:ea typeface="微軟正黑體" pitchFamily="34" charset="-120"/>
               </a:rPr>
@@ -3903,6 +4092,9 @@
             </a:pPr>
             <a:r>
               <a:rPr lang="zh-CN" altLang="en-US" sz="4800" b="1" dirty="0">
+                <a:solidFill>
+                  <a:srgbClr val="002060"/>
+                </a:solidFill>
                 <a:latin typeface="微軟正黑體" pitchFamily="34" charset="-120"/>
                 <a:ea typeface="微軟正黑體" pitchFamily="34" charset="-120"/>
               </a:rPr>
@@ -3910,6 +4102,9 @@
             </a:r>
             <a:r>
               <a:rPr lang="zh-TW" altLang="en-US" sz="4800" b="1" dirty="0" smtClean="0">
+                <a:solidFill>
+                  <a:srgbClr val="002060"/>
+                </a:solidFill>
                 <a:latin typeface="微軟正黑體" pitchFamily="34" charset="-120"/>
                 <a:ea typeface="微軟正黑體" pitchFamily="34" charset="-120"/>
               </a:rPr>
@@ -3917,12 +4112,18 @@
             </a:r>
             <a:r>
               <a:rPr lang="zh-TW" altLang="en-US" sz="4800" b="1" dirty="0">
+                <a:solidFill>
+                  <a:srgbClr val="002060"/>
+                </a:solidFill>
                 <a:latin typeface="微軟正黑體" pitchFamily="34" charset="-120"/>
                 <a:ea typeface="微軟正黑體" pitchFamily="34" charset="-120"/>
               </a:rPr>
               <a:t>愛如此溫柔</a:t>
             </a:r>
             <a:endParaRPr lang="en-US" altLang="zh-TW" sz="4800" b="1" dirty="0">
+              <a:solidFill>
+                <a:srgbClr val="002060"/>
+              </a:solidFill>
               <a:latin typeface="微軟正黑體" pitchFamily="34" charset="-120"/>
               <a:ea typeface="微軟正黑體" pitchFamily="34" charset="-120"/>
             </a:endParaRPr>
@@ -3933,12 +4134,18 @@
             </a:pPr>
             <a:r>
               <a:rPr lang="zh-TW" altLang="en-US" sz="4800" b="1" dirty="0">
+                <a:solidFill>
+                  <a:srgbClr val="002060"/>
+                </a:solidFill>
                 <a:latin typeface="微軟正黑體" pitchFamily="34" charset="-120"/>
                 <a:ea typeface="微軟正黑體" pitchFamily="34" charset="-120"/>
               </a:rPr>
               <a:t>超乎我心所想</a:t>
             </a:r>
             <a:endParaRPr lang="en-US" altLang="zh-TW" sz="4800" b="1" dirty="0">
+              <a:solidFill>
+                <a:srgbClr val="002060"/>
+              </a:solidFill>
               <a:latin typeface="微軟正黑體" pitchFamily="34" charset="-120"/>
               <a:ea typeface="微軟正黑體" pitchFamily="34" charset="-120"/>
             </a:endParaRPr>
@@ -3949,12 +4156,18 @@
             </a:pPr>
             <a:r>
               <a:rPr lang="zh-TW" altLang="en-US" sz="4800" b="1" dirty="0">
+                <a:solidFill>
+                  <a:srgbClr val="002060"/>
+                </a:solidFill>
                 <a:latin typeface="微軟正黑體" pitchFamily="34" charset="-120"/>
                 <a:ea typeface="微軟正黑體" pitchFamily="34" charset="-120"/>
               </a:rPr>
               <a:t>這樣大有能力的主</a:t>
             </a:r>
             <a:endParaRPr lang="en-US" altLang="zh-TW" sz="4800" b="1" dirty="0">
+              <a:solidFill>
+                <a:srgbClr val="002060"/>
+              </a:solidFill>
               <a:latin typeface="微軟正黑體" pitchFamily="34" charset="-120"/>
               <a:ea typeface="微軟正黑體" pitchFamily="34" charset="-120"/>
             </a:endParaRPr>
@@ -3965,6 +4178,9 @@
             </a:pPr>
             <a:r>
               <a:rPr lang="zh-TW" altLang="en-US" sz="4800" b="1" dirty="0">
+                <a:solidFill>
+                  <a:srgbClr val="002060"/>
+                </a:solidFill>
                 <a:latin typeface="微軟正黑體" pitchFamily="34" charset="-120"/>
                 <a:ea typeface="微軟正黑體" pitchFamily="34" charset="-120"/>
               </a:rPr>
@@ -3972,6 +4188,9 @@
             </a:r>
             <a:r>
               <a:rPr lang="zh-TW" altLang="en-US" sz="4800" b="1" dirty="0" smtClean="0">
+                <a:solidFill>
+                  <a:srgbClr val="002060"/>
+                </a:solidFill>
                 <a:latin typeface="微軟正黑體" pitchFamily="34" charset="-120"/>
                 <a:ea typeface="微軟正黑體" pitchFamily="34" charset="-120"/>
               </a:rPr>
@@ -3979,6 +4198,9 @@
             </a:r>
             <a:r>
               <a:rPr lang="zh-CN" altLang="en-US" sz="4800" b="1" dirty="0" smtClean="0">
+                <a:solidFill>
+                  <a:srgbClr val="002060"/>
+                </a:solidFill>
                 <a:latin typeface="微軟正黑體" pitchFamily="34" charset="-120"/>
                 <a:ea typeface="微軟正黑體" pitchFamily="34" charset="-120"/>
               </a:rPr>
@@ -3986,6 +4208,9 @@
             </a:r>
             <a:r>
               <a:rPr lang="zh-TW" altLang="en-US" sz="4800" b="1" dirty="0" smtClean="0">
+                <a:solidFill>
+                  <a:srgbClr val="002060"/>
+                </a:solidFill>
                 <a:latin typeface="微軟正黑體" pitchFamily="34" charset="-120"/>
                 <a:ea typeface="微軟正黑體" pitchFamily="34" charset="-120"/>
               </a:rPr>
@@ -3993,6 +4218,9 @@
             </a:r>
             <a:r>
               <a:rPr lang="zh-TW" altLang="en-US" sz="4800" b="1" dirty="0">
+                <a:solidFill>
+                  <a:srgbClr val="002060"/>
+                </a:solidFill>
                 <a:latin typeface="微軟正黑體" pitchFamily="34" charset="-120"/>
                 <a:ea typeface="微軟正黑體" pitchFamily="34" charset="-120"/>
               </a:rPr>
@@ -4045,6 +4273,9 @@
           <a:p>
             <a:r>
               <a:rPr lang="zh-CN" altLang="en-US" b="1" dirty="0">
+                <a:solidFill>
+                  <a:srgbClr val="002060"/>
+                </a:solidFill>
                 <a:latin typeface="微軟正黑體" pitchFamily="34" charset="-120"/>
                 <a:ea typeface="微軟正黑體" pitchFamily="34" charset="-120"/>
               </a:rPr>
@@ -4052,6 +4283,9 @@
             </a:r>
             <a:r>
               <a:rPr lang="zh-TW" altLang="en-US" b="1" dirty="0" smtClean="0">
+                <a:solidFill>
+                  <a:srgbClr val="002060"/>
+                </a:solidFill>
                 <a:latin typeface="微軟正黑體" pitchFamily="34" charset="-120"/>
                 <a:ea typeface="微軟正黑體" pitchFamily="34" charset="-120"/>
               </a:rPr>
@@ -4059,6 +4293,9 @@
             </a:r>
             <a:r>
               <a:rPr lang="zh-TW" altLang="en-US" b="1" dirty="0">
+                <a:solidFill>
+                  <a:srgbClr val="002060"/>
+                </a:solidFill>
                 <a:latin typeface="微軟正黑體" pitchFamily="34" charset="-120"/>
                 <a:ea typeface="微軟正黑體" pitchFamily="34" charset="-120"/>
               </a:rPr>
@@ -4094,6 +4331,9 @@
             </a:pPr>
             <a:r>
               <a:rPr lang="zh-CN" altLang="en-US" sz="4800" b="1" dirty="0">
+                <a:solidFill>
+                  <a:srgbClr val="002060"/>
+                </a:solidFill>
                 <a:latin typeface="微軟正黑體" pitchFamily="34" charset="-120"/>
                 <a:ea typeface="微軟正黑體" pitchFamily="34" charset="-120"/>
               </a:rPr>
@@ -4101,6 +4341,9 @@
             </a:r>
             <a:r>
               <a:rPr lang="zh-TW" altLang="en-US" sz="4800" b="1" dirty="0" smtClean="0">
+                <a:solidFill>
+                  <a:srgbClr val="002060"/>
+                </a:solidFill>
                 <a:latin typeface="微軟正黑體" pitchFamily="34" charset="-120"/>
                 <a:ea typeface="微軟正黑體" pitchFamily="34" charset="-120"/>
               </a:rPr>
@@ -4108,6 +4351,9 @@
             </a:r>
             <a:r>
               <a:rPr lang="zh-TW" altLang="en-US" sz="4800" b="1" dirty="0">
+                <a:solidFill>
+                  <a:srgbClr val="002060"/>
+                </a:solidFill>
                 <a:latin typeface="微軟正黑體" pitchFamily="34" charset="-120"/>
                 <a:ea typeface="微軟正黑體" pitchFamily="34" charset="-120"/>
               </a:rPr>
@@ -4115,6 +4361,9 @@
             </a:r>
             <a:r>
               <a:rPr lang="zh-TW" altLang="en-US" sz="4800" b="1" dirty="0" smtClean="0">
+                <a:solidFill>
+                  <a:srgbClr val="002060"/>
+                </a:solidFill>
                 <a:latin typeface="微軟正黑體" pitchFamily="34" charset="-120"/>
                 <a:ea typeface="微軟正黑體" pitchFamily="34" charset="-120"/>
               </a:rPr>
@@ -4122,6 +4371,9 @@
             </a:r>
             <a:r>
               <a:rPr lang="en-US" altLang="zh-TW" sz="4800" b="1" dirty="0">
+                <a:solidFill>
+                  <a:srgbClr val="002060"/>
+                </a:solidFill>
                 <a:latin typeface="微軟正黑體" pitchFamily="34" charset="-120"/>
                 <a:ea typeface="微軟正黑體" pitchFamily="34" charset="-120"/>
               </a:rPr>
@@ -4129,6 +4381,9 @@
             </a:r>
             <a:r>
               <a:rPr lang="en-US" altLang="zh-TW" sz="4800" b="1" dirty="0" smtClean="0">
+                <a:solidFill>
+                  <a:srgbClr val="002060"/>
+                </a:solidFill>
                 <a:latin typeface="微軟正黑體" pitchFamily="34" charset="-120"/>
                 <a:ea typeface="微軟正黑體" pitchFamily="34" charset="-120"/>
               </a:rPr>
@@ -4141,6 +4396,9 @@
             </a:pPr>
             <a:r>
               <a:rPr lang="zh-TW" altLang="en-US" sz="4800" b="1" dirty="0" smtClean="0">
+                <a:solidFill>
+                  <a:srgbClr val="002060"/>
+                </a:solidFill>
                 <a:latin typeface="微軟正黑體" pitchFamily="34" charset="-120"/>
                 <a:ea typeface="微軟正黑體" pitchFamily="34" charset="-120"/>
               </a:rPr>
@@ -4148,12 +4406,18 @@
             </a:r>
             <a:r>
               <a:rPr lang="zh-TW" altLang="en-US" sz="4800" b="1" dirty="0">
+                <a:solidFill>
+                  <a:srgbClr val="002060"/>
+                </a:solidFill>
                 <a:latin typeface="微軟正黑體" pitchFamily="34" charset="-120"/>
                 <a:ea typeface="微軟正黑體" pitchFamily="34" charset="-120"/>
               </a:rPr>
               <a:t>知我無以報答</a:t>
             </a:r>
             <a:endParaRPr lang="en-US" altLang="zh-TW" sz="4800" b="1" dirty="0">
+              <a:solidFill>
+                <a:srgbClr val="002060"/>
+              </a:solidFill>
               <a:latin typeface="微軟正黑體" pitchFamily="34" charset="-120"/>
               <a:ea typeface="微軟正黑體" pitchFamily="34" charset="-120"/>
             </a:endParaRPr>
@@ -4164,6 +4428,9 @@
             </a:pPr>
             <a:r>
               <a:rPr lang="zh-TW" altLang="en-US" sz="4800" b="1" dirty="0">
+                <a:solidFill>
+                  <a:srgbClr val="002060"/>
+                </a:solidFill>
                 <a:latin typeface="微軟正黑體" pitchFamily="34" charset="-120"/>
                 <a:ea typeface="微軟正黑體" pitchFamily="34" charset="-120"/>
               </a:rPr>
@@ -4171,12 +4438,18 @@
             </a:r>
             <a:r>
               <a:rPr lang="zh-TW" altLang="en-US" sz="4800" b="1" dirty="0" smtClean="0">
+                <a:solidFill>
+                  <a:srgbClr val="002060"/>
+                </a:solidFill>
                 <a:latin typeface="微軟正黑體" pitchFamily="34" charset="-120"/>
                 <a:ea typeface="微軟正黑體" pitchFamily="34" charset="-120"/>
               </a:rPr>
               <a:t>命</a:t>
             </a:r>
             <a:endParaRPr lang="en-US" altLang="zh-TW" sz="4800" b="1" dirty="0">
+              <a:solidFill>
+                <a:srgbClr val="002060"/>
+              </a:solidFill>
               <a:latin typeface="微軟正黑體" pitchFamily="34" charset="-120"/>
               <a:ea typeface="微軟正黑體" pitchFamily="34" charset="-120"/>
             </a:endParaRPr>
@@ -4227,6 +4500,9 @@
           <a:p>
             <a:r>
               <a:rPr lang="zh-CN" altLang="en-US" b="1" dirty="0">
+                <a:solidFill>
+                  <a:srgbClr val="002060"/>
+                </a:solidFill>
                 <a:latin typeface="微軟正黑體" pitchFamily="34" charset="-120"/>
                 <a:ea typeface="微軟正黑體" pitchFamily="34" charset="-120"/>
               </a:rPr>
@@ -4234,6 +4510,9 @@
             </a:r>
             <a:r>
               <a:rPr lang="zh-TW" altLang="en-US" b="1" dirty="0" smtClean="0">
+                <a:solidFill>
+                  <a:srgbClr val="002060"/>
+                </a:solidFill>
                 <a:latin typeface="微軟正黑體" pitchFamily="34" charset="-120"/>
                 <a:ea typeface="微軟正黑體" pitchFamily="34" charset="-120"/>
               </a:rPr>
@@ -4241,6 +4520,9 @@
             </a:r>
             <a:r>
               <a:rPr lang="zh-TW" altLang="en-US" b="1" dirty="0">
+                <a:solidFill>
+                  <a:srgbClr val="002060"/>
+                </a:solidFill>
                 <a:latin typeface="微軟正黑體" pitchFamily="34" charset="-120"/>
                 <a:ea typeface="微軟正黑體" pitchFamily="34" charset="-120"/>
               </a:rPr>
@@ -4276,6 +4558,9 @@
             </a:pPr>
             <a:r>
               <a:rPr lang="zh-TW" altLang="en-US" sz="4800" b="1" dirty="0" smtClean="0">
+                <a:solidFill>
+                  <a:srgbClr val="002060"/>
+                </a:solidFill>
                 <a:latin typeface="微軟正黑體" pitchFamily="34" charset="-120"/>
                 <a:ea typeface="微軟正黑體" pitchFamily="34" charset="-120"/>
               </a:rPr>
@@ -4283,6 +4568,9 @@
             </a:r>
             <a:r>
               <a:rPr lang="zh-CN" altLang="en-US" sz="4800" b="1" dirty="0">
+                <a:solidFill>
+                  <a:srgbClr val="002060"/>
+                </a:solidFill>
                 <a:latin typeface="微軟正黑體" pitchFamily="34" charset="-120"/>
                 <a:ea typeface="微軟正黑體" pitchFamily="34" charset="-120"/>
               </a:rPr>
@@ -4290,6 +4578,9 @@
             </a:r>
             <a:r>
               <a:rPr lang="zh-TW" altLang="en-US" sz="4800" b="1" dirty="0" smtClean="0">
+                <a:solidFill>
+                  <a:srgbClr val="002060"/>
+                </a:solidFill>
                 <a:latin typeface="微軟正黑體" pitchFamily="34" charset="-120"/>
                 <a:ea typeface="微軟正黑體" pitchFamily="34" charset="-120"/>
               </a:rPr>
@@ -4297,12 +4588,18 @@
             </a:r>
             <a:r>
               <a:rPr lang="zh-TW" altLang="en-US" sz="4800" b="1" dirty="0">
+                <a:solidFill>
+                  <a:srgbClr val="002060"/>
+                </a:solidFill>
                 <a:latin typeface="微軟正黑體" pitchFamily="34" charset="-120"/>
                 <a:ea typeface="微軟正黑體" pitchFamily="34" charset="-120"/>
               </a:rPr>
               <a:t>卑的樣式</a:t>
             </a:r>
             <a:endParaRPr lang="en-US" altLang="zh-TW" sz="4800" b="1" dirty="0">
+              <a:solidFill>
+                <a:srgbClr val="002060"/>
+              </a:solidFill>
               <a:latin typeface="微軟正黑體" pitchFamily="34" charset="-120"/>
               <a:ea typeface="微軟正黑體" pitchFamily="34" charset="-120"/>
             </a:endParaRPr>
@@ -4313,6 +4610,9 @@
             </a:pPr>
             <a:r>
               <a:rPr lang="zh-TW" altLang="en-US" sz="4800" b="1" dirty="0">
+                <a:solidFill>
+                  <a:srgbClr val="002060"/>
+                </a:solidFill>
                 <a:latin typeface="微軟正黑體" pitchFamily="34" charset="-120"/>
                 <a:ea typeface="微軟正黑體" pitchFamily="34" charset="-120"/>
               </a:rPr>
@@ -4324,7 +4624,7 @@
     </p:spTree>
     <p:extLst>
       <p:ext uri="{BB962C8B-B14F-4D97-AF65-F5344CB8AC3E}">
-        <p14:creationId xmlns:p14="http://schemas.microsoft.com/office/powerpoint/2010/main" xmlns="" val="3767142376"/>
+        <p14:creationId xmlns="" xmlns:p14="http://schemas.microsoft.com/office/powerpoint/2010/main" val="3767142376"/>
       </p:ext>
     </p:extLst>
   </p:cSld>
@@ -4363,39 +4663,56 @@
         </p:nvSpPr>
         <p:spPr/>
         <p:txBody>
-          <a:bodyPr/>
+          <a:bodyPr>
+            <a:normAutofit/>
+          </a:bodyPr>
           <a:lstStyle/>
           <a:p>
             <a:r>
-              <a:rPr lang="zh-TW" altLang="en-US" b="1" dirty="0">
+              <a:rPr lang="zh-TW" altLang="en-US" sz="4000" b="1" dirty="0">
+                <a:solidFill>
+                  <a:srgbClr val="660033"/>
+                </a:solidFill>
                 <a:latin typeface="微軟正黑體" pitchFamily="34" charset="-120"/>
                 <a:ea typeface="微軟正黑體" pitchFamily="34" charset="-120"/>
               </a:rPr>
               <a:t>我需要</a:t>
             </a:r>
             <a:r>
-              <a:rPr lang="zh-TW" altLang="en-US" b="1" dirty="0" smtClean="0">
+              <a:rPr lang="zh-TW" altLang="en-US" sz="4000" b="1" dirty="0" smtClean="0">
+                <a:solidFill>
+                  <a:srgbClr val="660033"/>
+                </a:solidFill>
                 <a:latin typeface="微軟正黑體" pitchFamily="34" charset="-120"/>
                 <a:ea typeface="微軟正黑體" pitchFamily="34" charset="-120"/>
               </a:rPr>
               <a:t>有</a:t>
             </a:r>
             <a:r>
-              <a:rPr lang="zh-CN" altLang="en-US" b="1" dirty="0" smtClean="0">
+              <a:rPr lang="zh-CN" altLang="en-US" sz="4000" b="1" dirty="0" smtClean="0">
+                <a:solidFill>
+                  <a:srgbClr val="660033"/>
+                </a:solidFill>
                 <a:latin typeface="微軟正黑體" pitchFamily="34" charset="-120"/>
                 <a:ea typeface="微軟正黑體" pitchFamily="34" charset="-120"/>
               </a:rPr>
               <a:t>袮</a:t>
             </a:r>
             <a:r>
-              <a:rPr lang="zh-TW" altLang="en-US" b="1" dirty="0" smtClean="0">
+              <a:rPr lang="zh-TW" altLang="en-US" sz="4000" b="1" dirty="0" smtClean="0">
+                <a:solidFill>
+                  <a:srgbClr val="660033"/>
+                </a:solidFill>
                 <a:latin typeface="微軟正黑體" pitchFamily="34" charset="-120"/>
                 <a:ea typeface="微軟正黑體" pitchFamily="34" charset="-120"/>
               </a:rPr>
               <a:t>在</a:t>
             </a:r>
             <a:r>
-              <a:rPr lang="zh-TW" altLang="en-US" b="1" dirty="0">
+              <a:rPr lang="zh-TW" altLang="en-US" sz="4000" b="1" dirty="0">
+                <a:solidFill>
+                  <a:srgbClr val="660033"/>
+                </a:solidFill>
                 <a:latin typeface="微軟正黑體" pitchFamily="34" charset="-120"/>
                 <a:ea typeface="微軟正黑體" pitchFamily="34" charset="-120"/>
               </a:rPr>
@@ -4416,8 +4733,8 @@
         </p:nvSpPr>
         <p:spPr>
           <a:xfrm>
-            <a:off x="1143000" y="1200151"/>
-            <a:ext cx="6858000" cy="3394472"/>
+            <a:off x="0" y="1200151"/>
+            <a:ext cx="9144000" cy="3394472"/>
           </a:xfrm>
         </p:spPr>
         <p:txBody>
@@ -4430,41 +4747,59 @@
               <a:buNone/>
             </a:pPr>
             <a:r>
-              <a:rPr lang="zh-TW" altLang="en-US" sz="4100" b="1" dirty="0">
+              <a:rPr lang="zh-TW" altLang="en-US" sz="4400" b="1" dirty="0">
+                <a:solidFill>
+                  <a:srgbClr val="660033"/>
+                </a:solidFill>
                 <a:latin typeface="微軟正黑體" pitchFamily="34" charset="-120"/>
                 <a:ea typeface="微軟正黑體" pitchFamily="34" charset="-120"/>
               </a:rPr>
               <a:t>哦主 </a:t>
             </a:r>
             <a:r>
-              <a:rPr lang="zh-TW" altLang="en-US" sz="4100" b="1" dirty="0" smtClean="0">
+              <a:rPr lang="zh-TW" altLang="en-US" sz="4400" b="1" dirty="0" smtClean="0">
+                <a:solidFill>
+                  <a:srgbClr val="660033"/>
+                </a:solidFill>
                 <a:latin typeface="微軟正黑體" pitchFamily="34" charset="-120"/>
                 <a:ea typeface="微軟正黑體" pitchFamily="34" charset="-120"/>
               </a:rPr>
               <a:t>求</a:t>
             </a:r>
             <a:r>
-              <a:rPr lang="zh-CN" altLang="en-US" sz="4100" b="1" dirty="0">
+              <a:rPr lang="zh-CN" altLang="en-US" sz="4400" b="1" dirty="0">
+                <a:solidFill>
+                  <a:srgbClr val="660033"/>
+                </a:solidFill>
                 <a:latin typeface="微軟正黑體" pitchFamily="34" charset="-120"/>
                 <a:ea typeface="微軟正黑體" pitchFamily="34" charset="-120"/>
               </a:rPr>
               <a:t>袮</a:t>
             </a:r>
             <a:r>
-              <a:rPr lang="zh-TW" altLang="en-US" sz="4100" b="1" dirty="0" smtClean="0">
+              <a:rPr lang="zh-TW" altLang="en-US" sz="4400" b="1" dirty="0" smtClean="0">
+                <a:solidFill>
+                  <a:srgbClr val="660033"/>
+                </a:solidFill>
                 <a:latin typeface="微軟正黑體" pitchFamily="34" charset="-120"/>
                 <a:ea typeface="微軟正黑體" pitchFamily="34" charset="-120"/>
               </a:rPr>
               <a:t>保</a:t>
             </a:r>
             <a:r>
-              <a:rPr lang="zh-TW" altLang="en-US" sz="4100" b="1" dirty="0">
+              <a:rPr lang="zh-TW" altLang="en-US" sz="4400" b="1" dirty="0">
+                <a:solidFill>
+                  <a:srgbClr val="660033"/>
+                </a:solidFill>
                 <a:latin typeface="微軟正黑體" pitchFamily="34" charset="-120"/>
                 <a:ea typeface="微軟正黑體" pitchFamily="34" charset="-120"/>
               </a:rPr>
               <a:t>守</a:t>
             </a:r>
-            <a:endParaRPr lang="en-US" altLang="zh-TW" sz="4100" b="1" dirty="0">
+            <a:endParaRPr lang="en-US" altLang="zh-TW" sz="4400" b="1" dirty="0">
+              <a:solidFill>
+                <a:srgbClr val="660033"/>
+              </a:solidFill>
               <a:latin typeface="微軟正黑體" pitchFamily="34" charset="-120"/>
               <a:ea typeface="微軟正黑體" pitchFamily="34" charset="-120"/>
             </a:endParaRPr>
@@ -4474,13 +4809,19 @@
               <a:buNone/>
             </a:pPr>
             <a:r>
-              <a:rPr lang="zh-TW" altLang="en-US" sz="4100" b="1" dirty="0">
+              <a:rPr lang="zh-TW" altLang="en-US" sz="4400" b="1" dirty="0">
+                <a:solidFill>
+                  <a:srgbClr val="660033"/>
+                </a:solidFill>
                 <a:latin typeface="微軟正黑體" pitchFamily="34" charset="-120"/>
                 <a:ea typeface="微軟正黑體" pitchFamily="34" charset="-120"/>
               </a:rPr>
               <a:t>我的心我的意念 </a:t>
             </a:r>
-            <a:endParaRPr lang="en-US" altLang="zh-TW" sz="4100" b="1" dirty="0">
+            <a:endParaRPr lang="en-US" altLang="zh-TW" sz="4400" b="1" dirty="0">
+              <a:solidFill>
+                <a:srgbClr val="660033"/>
+              </a:solidFill>
               <a:latin typeface="微軟正黑體" pitchFamily="34" charset="-120"/>
               <a:ea typeface="微軟正黑體" pitchFamily="34" charset="-120"/>
             </a:endParaRPr>
@@ -4490,41 +4831,59 @@
               <a:buNone/>
             </a:pPr>
             <a:r>
-              <a:rPr lang="zh-TW" altLang="en-US" sz="4100" b="1" dirty="0">
+              <a:rPr lang="zh-TW" altLang="en-US" sz="4400" b="1" dirty="0">
+                <a:solidFill>
+                  <a:srgbClr val="660033"/>
+                </a:solidFill>
                 <a:latin typeface="微軟正黑體" pitchFamily="34" charset="-120"/>
                 <a:ea typeface="微軟正黑體" pitchFamily="34" charset="-120"/>
               </a:rPr>
               <a:t>使我能夠遵</a:t>
             </a:r>
             <a:r>
-              <a:rPr lang="zh-TW" altLang="en-US" sz="4100" b="1" dirty="0" smtClean="0">
+              <a:rPr lang="zh-TW" altLang="en-US" sz="4400" b="1" dirty="0" smtClean="0">
+                <a:solidFill>
+                  <a:srgbClr val="660033"/>
+                </a:solidFill>
                 <a:latin typeface="微軟正黑體" pitchFamily="34" charset="-120"/>
                 <a:ea typeface="微軟正黑體" pitchFamily="34" charset="-120"/>
               </a:rPr>
               <a:t>行</a:t>
             </a:r>
             <a:r>
-              <a:rPr lang="zh-CN" altLang="en-US" sz="4100" b="1" dirty="0">
+              <a:rPr lang="zh-CN" altLang="en-US" sz="4400" b="1" dirty="0">
+                <a:solidFill>
+                  <a:srgbClr val="660033"/>
+                </a:solidFill>
                 <a:latin typeface="微軟正黑體" pitchFamily="34" charset="-120"/>
                 <a:ea typeface="微軟正黑體" pitchFamily="34" charset="-120"/>
               </a:rPr>
               <a:t>袮</a:t>
             </a:r>
             <a:r>
-              <a:rPr lang="zh-TW" altLang="en-US" sz="4100" b="1" dirty="0" smtClean="0">
+              <a:rPr lang="zh-TW" altLang="en-US" sz="4400" b="1" dirty="0" smtClean="0">
+                <a:solidFill>
+                  <a:srgbClr val="660033"/>
+                </a:solidFill>
                 <a:latin typeface="微軟正黑體" pitchFamily="34" charset="-120"/>
                 <a:ea typeface="微軟正黑體" pitchFamily="34" charset="-120"/>
               </a:rPr>
               <a:t>旨</a:t>
             </a:r>
             <a:r>
-              <a:rPr lang="zh-TW" altLang="en-US" sz="4100" b="1" dirty="0">
+              <a:rPr lang="zh-TW" altLang="en-US" sz="4400" b="1" dirty="0">
+                <a:solidFill>
+                  <a:srgbClr val="660033"/>
+                </a:solidFill>
                 <a:latin typeface="微軟正黑體" pitchFamily="34" charset="-120"/>
                 <a:ea typeface="微軟正黑體" pitchFamily="34" charset="-120"/>
               </a:rPr>
               <a:t>意 </a:t>
             </a:r>
-            <a:endParaRPr lang="en-US" altLang="zh-TW" sz="4100" b="1" dirty="0">
+            <a:endParaRPr lang="en-US" altLang="zh-TW" sz="4400" b="1" dirty="0">
+              <a:solidFill>
+                <a:srgbClr val="660033"/>
+              </a:solidFill>
               <a:latin typeface="微軟正黑體" pitchFamily="34" charset="-120"/>
               <a:ea typeface="微軟正黑體" pitchFamily="34" charset="-120"/>
             </a:endParaRPr>
@@ -4534,35 +4893,50 @@
               <a:buNone/>
             </a:pPr>
             <a:r>
-              <a:rPr lang="zh-TW" altLang="en-US" sz="4100" b="1" dirty="0">
+              <a:rPr lang="zh-TW" altLang="en-US" sz="4400" b="1" dirty="0">
+                <a:solidFill>
+                  <a:srgbClr val="660033"/>
+                </a:solidFill>
                 <a:latin typeface="微軟正黑體" pitchFamily="34" charset="-120"/>
                 <a:ea typeface="微軟正黑體" pitchFamily="34" charset="-120"/>
               </a:rPr>
               <a:t>我願</a:t>
             </a:r>
             <a:r>
-              <a:rPr lang="zh-TW" altLang="en-US" sz="4100" b="1" dirty="0" smtClean="0">
+              <a:rPr lang="zh-TW" altLang="en-US" sz="4400" b="1" dirty="0" smtClean="0">
+                <a:solidFill>
+                  <a:srgbClr val="660033"/>
+                </a:solidFill>
                 <a:latin typeface="微軟正黑體" pitchFamily="34" charset="-120"/>
                 <a:ea typeface="微軟正黑體" pitchFamily="34" charset="-120"/>
               </a:rPr>
               <a:t>將</a:t>
             </a:r>
             <a:r>
-              <a:rPr lang="zh-CN" altLang="en-US" sz="4100" b="1" dirty="0">
+              <a:rPr lang="zh-CN" altLang="en-US" sz="4400" b="1" dirty="0">
+                <a:solidFill>
+                  <a:srgbClr val="660033"/>
+                </a:solidFill>
                 <a:latin typeface="微軟正黑體" pitchFamily="34" charset="-120"/>
                 <a:ea typeface="微軟正黑體" pitchFamily="34" charset="-120"/>
               </a:rPr>
               <a:t>袮</a:t>
             </a:r>
             <a:r>
-              <a:rPr lang="zh-TW" altLang="en-US" sz="4100" b="1" dirty="0" smtClean="0">
+              <a:rPr lang="zh-TW" altLang="en-US" sz="4400" b="1" dirty="0" smtClean="0">
+                <a:solidFill>
+                  <a:srgbClr val="660033"/>
+                </a:solidFill>
                 <a:latin typeface="微軟正黑體" pitchFamily="34" charset="-120"/>
                 <a:ea typeface="微軟正黑體" pitchFamily="34" charset="-120"/>
               </a:rPr>
               <a:t>話</a:t>
             </a:r>
             <a:r>
-              <a:rPr lang="zh-TW" altLang="en-US" sz="4100" b="1" dirty="0">
+              <a:rPr lang="zh-TW" altLang="en-US" sz="4400" b="1" dirty="0">
+                <a:solidFill>
+                  <a:srgbClr val="660033"/>
+                </a:solidFill>
                 <a:latin typeface="微軟正黑體" pitchFamily="34" charset="-120"/>
                 <a:ea typeface="微軟正黑體" pitchFamily="34" charset="-120"/>
               </a:rPr>
@@ -4574,7 +4948,10 @@
               <a:buNone/>
             </a:pPr>
             <a:r>
-              <a:rPr lang="zh-TW" altLang="en-US" sz="4100" b="1" dirty="0">
+              <a:rPr lang="zh-TW" altLang="en-US" sz="4400" b="1" dirty="0">
+                <a:solidFill>
+                  <a:srgbClr val="660033"/>
+                </a:solidFill>
                 <a:latin typeface="微軟正黑體" pitchFamily="34" charset="-120"/>
                 <a:ea typeface="微軟正黑體" pitchFamily="34" charset="-120"/>
               </a:rPr>
@@ -4620,39 +4997,56 @@
         </p:nvSpPr>
         <p:spPr/>
         <p:txBody>
-          <a:bodyPr/>
+          <a:bodyPr>
+            <a:normAutofit/>
+          </a:bodyPr>
           <a:lstStyle/>
           <a:p>
             <a:r>
-              <a:rPr lang="zh-TW" altLang="en-US" b="1" dirty="0">
+              <a:rPr lang="zh-TW" altLang="en-US" sz="4000" b="1" dirty="0">
+                <a:solidFill>
+                  <a:srgbClr val="660033"/>
+                </a:solidFill>
                 <a:latin typeface="微軟正黑體" pitchFamily="34" charset="-120"/>
                 <a:ea typeface="微軟正黑體" pitchFamily="34" charset="-120"/>
               </a:rPr>
               <a:t>我需要</a:t>
             </a:r>
             <a:r>
-              <a:rPr lang="zh-TW" altLang="en-US" b="1" dirty="0" smtClean="0">
+              <a:rPr lang="zh-TW" altLang="en-US" sz="4000" b="1" dirty="0" smtClean="0">
+                <a:solidFill>
+                  <a:srgbClr val="660033"/>
+                </a:solidFill>
                 <a:latin typeface="微軟正黑體" pitchFamily="34" charset="-120"/>
                 <a:ea typeface="微軟正黑體" pitchFamily="34" charset="-120"/>
               </a:rPr>
               <a:t>有</a:t>
             </a:r>
             <a:r>
-              <a:rPr lang="zh-CN" altLang="en-US" b="1" dirty="0">
+              <a:rPr lang="zh-CN" altLang="en-US" sz="4000" b="1" dirty="0">
+                <a:solidFill>
+                  <a:srgbClr val="660033"/>
+                </a:solidFill>
                 <a:latin typeface="微軟正黑體" pitchFamily="34" charset="-120"/>
                 <a:ea typeface="微軟正黑體" pitchFamily="34" charset="-120"/>
               </a:rPr>
               <a:t>袮</a:t>
             </a:r>
             <a:r>
-              <a:rPr lang="zh-TW" altLang="en-US" b="1" dirty="0" smtClean="0">
+              <a:rPr lang="zh-TW" altLang="en-US" sz="4000" b="1" dirty="0" smtClean="0">
+                <a:solidFill>
+                  <a:srgbClr val="660033"/>
+                </a:solidFill>
                 <a:latin typeface="微軟正黑體" pitchFamily="34" charset="-120"/>
                 <a:ea typeface="微軟正黑體" pitchFamily="34" charset="-120"/>
               </a:rPr>
               <a:t>在</a:t>
             </a:r>
             <a:r>
-              <a:rPr lang="zh-TW" altLang="en-US" b="1" dirty="0">
+              <a:rPr lang="zh-TW" altLang="en-US" sz="4000" b="1" dirty="0">
+                <a:solidFill>
+                  <a:srgbClr val="660033"/>
+                </a:solidFill>
                 <a:latin typeface="微軟正黑體" pitchFamily="34" charset="-120"/>
                 <a:ea typeface="微軟正黑體" pitchFamily="34" charset="-120"/>
               </a:rPr>
@@ -4673,8 +5067,8 @@
         </p:nvSpPr>
         <p:spPr>
           <a:xfrm>
-            <a:off x="1143000" y="1200151"/>
-            <a:ext cx="6858000" cy="3394472"/>
+            <a:off x="0" y="1200151"/>
+            <a:ext cx="9144000" cy="3394472"/>
           </a:xfrm>
         </p:spPr>
         <p:txBody>
@@ -4687,41 +5081,59 @@
               <a:buNone/>
             </a:pPr>
             <a:r>
-              <a:rPr lang="zh-TW" altLang="en-US" sz="4100" b="1" dirty="0">
+              <a:rPr lang="zh-TW" altLang="en-US" sz="4400" b="1" dirty="0">
+                <a:solidFill>
+                  <a:srgbClr val="660033"/>
+                </a:solidFill>
                 <a:latin typeface="微軟正黑體" pitchFamily="34" charset="-120"/>
                 <a:ea typeface="微軟正黑體" pitchFamily="34" charset="-120"/>
               </a:rPr>
               <a:t>哦主 </a:t>
             </a:r>
             <a:r>
-              <a:rPr lang="zh-TW" altLang="en-US" sz="4100" b="1" dirty="0" smtClean="0">
+              <a:rPr lang="zh-TW" altLang="en-US" sz="4400" b="1" dirty="0" smtClean="0">
+                <a:solidFill>
+                  <a:srgbClr val="660033"/>
+                </a:solidFill>
                 <a:latin typeface="微軟正黑體" pitchFamily="34" charset="-120"/>
                 <a:ea typeface="微軟正黑體" pitchFamily="34" charset="-120"/>
               </a:rPr>
               <a:t>求</a:t>
             </a:r>
             <a:r>
-              <a:rPr lang="zh-CN" altLang="en-US" sz="4100" b="1" dirty="0">
+              <a:rPr lang="zh-CN" altLang="en-US" sz="4400" b="1" dirty="0">
+                <a:solidFill>
+                  <a:srgbClr val="660033"/>
+                </a:solidFill>
                 <a:latin typeface="微軟正黑體" pitchFamily="34" charset="-120"/>
                 <a:ea typeface="微軟正黑體" pitchFamily="34" charset="-120"/>
               </a:rPr>
               <a:t>袮</a:t>
             </a:r>
             <a:r>
-              <a:rPr lang="zh-TW" altLang="en-US" sz="4100" b="1" dirty="0" smtClean="0">
+              <a:rPr lang="zh-TW" altLang="en-US" sz="4400" b="1" dirty="0" smtClean="0">
+                <a:solidFill>
+                  <a:srgbClr val="660033"/>
+                </a:solidFill>
                 <a:latin typeface="微軟正黑體" pitchFamily="34" charset="-120"/>
                 <a:ea typeface="微軟正黑體" pitchFamily="34" charset="-120"/>
               </a:rPr>
               <a:t>堅</a:t>
             </a:r>
             <a:r>
-              <a:rPr lang="zh-TW" altLang="en-US" sz="4100" b="1" dirty="0">
+              <a:rPr lang="zh-TW" altLang="en-US" sz="4400" b="1" dirty="0">
+                <a:solidFill>
+                  <a:srgbClr val="660033"/>
+                </a:solidFill>
                 <a:latin typeface="微軟正黑體" pitchFamily="34" charset="-120"/>
                 <a:ea typeface="微軟正黑體" pitchFamily="34" charset="-120"/>
               </a:rPr>
               <a:t>固</a:t>
             </a:r>
-            <a:endParaRPr lang="en-US" altLang="zh-TW" sz="4100" b="1" dirty="0">
+            <a:endParaRPr lang="en-US" altLang="zh-TW" sz="4400" b="1" dirty="0">
+              <a:solidFill>
+                <a:srgbClr val="660033"/>
+              </a:solidFill>
               <a:latin typeface="微軟正黑體" pitchFamily="34" charset="-120"/>
               <a:ea typeface="微軟正黑體" pitchFamily="34" charset="-120"/>
             </a:endParaRPr>
@@ -4731,13 +5143,19 @@
               <a:buNone/>
             </a:pPr>
             <a:r>
-              <a:rPr lang="zh-TW" altLang="en-US" sz="4100" b="1" dirty="0">
+              <a:rPr lang="zh-TW" altLang="en-US" sz="4400" b="1" dirty="0">
+                <a:solidFill>
+                  <a:srgbClr val="660033"/>
+                </a:solidFill>
                 <a:latin typeface="微軟正黑體" pitchFamily="34" charset="-120"/>
                 <a:ea typeface="微軟正黑體" pitchFamily="34" charset="-120"/>
               </a:rPr>
               <a:t>我信心我的力量 </a:t>
             </a:r>
-            <a:endParaRPr lang="en-US" altLang="zh-TW" sz="4100" b="1" dirty="0">
+            <a:endParaRPr lang="en-US" altLang="zh-TW" sz="4400" b="1" dirty="0">
+              <a:solidFill>
+                <a:srgbClr val="660033"/>
+              </a:solidFill>
               <a:latin typeface="微軟正黑體" pitchFamily="34" charset="-120"/>
               <a:ea typeface="微軟正黑體" pitchFamily="34" charset="-120"/>
             </a:endParaRPr>
@@ -4747,13 +5165,19 @@
               <a:buNone/>
             </a:pPr>
             <a:r>
-              <a:rPr lang="zh-TW" altLang="en-US" sz="4100" b="1" dirty="0">
+              <a:rPr lang="zh-TW" altLang="en-US" sz="4400" b="1" dirty="0">
+                <a:solidFill>
+                  <a:srgbClr val="660033"/>
+                </a:solidFill>
                 <a:latin typeface="微軟正黑體" pitchFamily="34" charset="-120"/>
                 <a:ea typeface="微軟正黑體" pitchFamily="34" charset="-120"/>
               </a:rPr>
               <a:t>使我得以勇敢向前行 </a:t>
             </a:r>
-            <a:endParaRPr lang="en-US" altLang="zh-TW" sz="4100" b="1" dirty="0">
+            <a:endParaRPr lang="en-US" altLang="zh-TW" sz="4400" b="1" dirty="0">
+              <a:solidFill>
+                <a:srgbClr val="660033"/>
+              </a:solidFill>
               <a:latin typeface="微軟正黑體" pitchFamily="34" charset="-120"/>
               <a:ea typeface="微軟正黑體" pitchFamily="34" charset="-120"/>
             </a:endParaRPr>
@@ -4763,7 +5187,10 @@
               <a:buNone/>
             </a:pPr>
             <a:r>
-              <a:rPr lang="zh-TW" altLang="en-US" sz="4100" b="1" dirty="0">
+              <a:rPr lang="zh-TW" altLang="en-US" sz="4400" b="1" dirty="0">
+                <a:solidFill>
+                  <a:srgbClr val="660033"/>
+                </a:solidFill>
                 <a:latin typeface="微軟正黑體" pitchFamily="34" charset="-120"/>
                 <a:ea typeface="微軟正黑體" pitchFamily="34" charset="-120"/>
               </a:rPr>
@@ -4775,28 +5202,40 @@
               <a:buNone/>
             </a:pPr>
             <a:r>
-              <a:rPr lang="zh-TW" altLang="en-US" sz="4100" b="1" dirty="0" smtClean="0">
+              <a:rPr lang="zh-TW" altLang="en-US" sz="4400" b="1" dirty="0" smtClean="0">
+                <a:solidFill>
+                  <a:srgbClr val="660033"/>
+                </a:solidFill>
                 <a:latin typeface="微軟正黑體" pitchFamily="34" charset="-120"/>
                 <a:ea typeface="微軟正黑體" pitchFamily="34" charset="-120"/>
               </a:rPr>
               <a:t>求</a:t>
             </a:r>
             <a:r>
-              <a:rPr lang="zh-CN" altLang="en-US" sz="4100" b="1" dirty="0">
+              <a:rPr lang="zh-CN" altLang="en-US" sz="4400" b="1" dirty="0">
+                <a:solidFill>
+                  <a:srgbClr val="660033"/>
+                </a:solidFill>
                 <a:latin typeface="微軟正黑體" pitchFamily="34" charset="-120"/>
                 <a:ea typeface="微軟正黑體" pitchFamily="34" charset="-120"/>
               </a:rPr>
               <a:t>袮</a:t>
             </a:r>
             <a:r>
-              <a:rPr lang="zh-TW" altLang="en-US" sz="4100" b="1" dirty="0" smtClean="0">
+              <a:rPr lang="zh-TW" altLang="en-US" sz="4400" b="1" dirty="0" smtClean="0">
+                <a:solidFill>
+                  <a:srgbClr val="660033"/>
+                </a:solidFill>
                 <a:latin typeface="微軟正黑體" pitchFamily="34" charset="-120"/>
                 <a:ea typeface="微軟正黑體" pitchFamily="34" charset="-120"/>
               </a:rPr>
               <a:t>帶</a:t>
             </a:r>
             <a:r>
-              <a:rPr lang="zh-TW" altLang="en-US" sz="4100" b="1" dirty="0">
+              <a:rPr lang="zh-TW" altLang="en-US" sz="4400" b="1" dirty="0">
+                <a:solidFill>
+                  <a:srgbClr val="660033"/>
+                </a:solidFill>
                 <a:latin typeface="微軟正黑體" pitchFamily="34" charset="-120"/>
                 <a:ea typeface="微軟正黑體" pitchFamily="34" charset="-120"/>
               </a:rPr>
@@ -4842,39 +5281,56 @@
         </p:nvSpPr>
         <p:spPr/>
         <p:txBody>
-          <a:bodyPr/>
+          <a:bodyPr>
+            <a:normAutofit/>
+          </a:bodyPr>
           <a:lstStyle/>
           <a:p>
             <a:r>
-              <a:rPr lang="zh-TW" altLang="en-US" b="1" dirty="0">
+              <a:rPr lang="zh-TW" altLang="en-US" sz="4000" b="1" dirty="0">
+                <a:solidFill>
+                  <a:srgbClr val="660033"/>
+                </a:solidFill>
                 <a:latin typeface="微軟正黑體" pitchFamily="34" charset="-120"/>
                 <a:ea typeface="微軟正黑體" pitchFamily="34" charset="-120"/>
               </a:rPr>
               <a:t>我需要</a:t>
             </a:r>
             <a:r>
-              <a:rPr lang="zh-TW" altLang="en-US" b="1" dirty="0" smtClean="0">
+              <a:rPr lang="zh-TW" altLang="en-US" sz="4000" b="1" dirty="0" smtClean="0">
+                <a:solidFill>
+                  <a:srgbClr val="660033"/>
+                </a:solidFill>
                 <a:latin typeface="微軟正黑體" pitchFamily="34" charset="-120"/>
                 <a:ea typeface="微軟正黑體" pitchFamily="34" charset="-120"/>
               </a:rPr>
               <a:t>有</a:t>
             </a:r>
             <a:r>
-              <a:rPr lang="zh-CN" altLang="en-US" b="1" dirty="0">
+              <a:rPr lang="zh-CN" altLang="en-US" sz="4000" b="1" dirty="0">
+                <a:solidFill>
+                  <a:srgbClr val="660033"/>
+                </a:solidFill>
                 <a:latin typeface="微軟正黑體" pitchFamily="34" charset="-120"/>
                 <a:ea typeface="微軟正黑體" pitchFamily="34" charset="-120"/>
               </a:rPr>
               <a:t>袮</a:t>
             </a:r>
             <a:r>
-              <a:rPr lang="zh-TW" altLang="en-US" b="1" dirty="0" smtClean="0">
+              <a:rPr lang="zh-TW" altLang="en-US" sz="4000" b="1" dirty="0" smtClean="0">
+                <a:solidFill>
+                  <a:srgbClr val="660033"/>
+                </a:solidFill>
                 <a:latin typeface="微軟正黑體" pitchFamily="34" charset="-120"/>
                 <a:ea typeface="微軟正黑體" pitchFamily="34" charset="-120"/>
               </a:rPr>
               <a:t>在</a:t>
             </a:r>
             <a:r>
-              <a:rPr lang="zh-TW" altLang="en-US" b="1" dirty="0">
+              <a:rPr lang="zh-TW" altLang="en-US" sz="4000" b="1" dirty="0">
+                <a:solidFill>
+                  <a:srgbClr val="660033"/>
+                </a:solidFill>
                 <a:latin typeface="微軟正黑體" pitchFamily="34" charset="-120"/>
                 <a:ea typeface="微軟正黑體" pitchFamily="34" charset="-120"/>
               </a:rPr>
@@ -4895,8 +5351,8 @@
         </p:nvSpPr>
         <p:spPr>
           <a:xfrm>
-            <a:off x="1143000" y="1200151"/>
-            <a:ext cx="6858000" cy="3394472"/>
+            <a:off x="0" y="1200151"/>
+            <a:ext cx="9144000" cy="3394472"/>
           </a:xfrm>
         </p:spPr>
         <p:txBody>
@@ -4909,41 +5365,59 @@
               <a:buNone/>
             </a:pPr>
             <a:r>
-              <a:rPr lang="zh-TW" altLang="en-US" sz="4100" b="1" dirty="0">
+              <a:rPr lang="zh-TW" altLang="en-US" sz="4400" b="1" dirty="0">
+                <a:solidFill>
+                  <a:srgbClr val="660033"/>
+                </a:solidFill>
                 <a:latin typeface="微軟正黑體" pitchFamily="34" charset="-120"/>
                 <a:ea typeface="微軟正黑體" pitchFamily="34" charset="-120"/>
               </a:rPr>
               <a:t>我需要</a:t>
             </a:r>
             <a:r>
-              <a:rPr lang="zh-TW" altLang="en-US" sz="4100" b="1" dirty="0" smtClean="0">
+              <a:rPr lang="zh-TW" altLang="en-US" sz="4400" b="1" dirty="0" smtClean="0">
+                <a:solidFill>
+                  <a:srgbClr val="660033"/>
+                </a:solidFill>
                 <a:latin typeface="微軟正黑體" pitchFamily="34" charset="-120"/>
                 <a:ea typeface="微軟正黑體" pitchFamily="34" charset="-120"/>
               </a:rPr>
               <a:t>有</a:t>
             </a:r>
             <a:r>
-              <a:rPr lang="zh-CN" altLang="en-US" sz="4100" b="1" dirty="0">
+              <a:rPr lang="zh-CN" altLang="en-US" sz="4400" b="1" dirty="0">
+                <a:solidFill>
+                  <a:srgbClr val="660033"/>
+                </a:solidFill>
                 <a:latin typeface="微軟正黑體" pitchFamily="34" charset="-120"/>
                 <a:ea typeface="微軟正黑體" pitchFamily="34" charset="-120"/>
               </a:rPr>
               <a:t>袮</a:t>
             </a:r>
             <a:r>
-              <a:rPr lang="zh-TW" altLang="en-US" sz="4100" b="1" dirty="0" smtClean="0">
+              <a:rPr lang="zh-TW" altLang="en-US" sz="4400" b="1" dirty="0" smtClean="0">
+                <a:solidFill>
+                  <a:srgbClr val="660033"/>
+                </a:solidFill>
                 <a:latin typeface="微軟正黑體" pitchFamily="34" charset="-120"/>
                 <a:ea typeface="微軟正黑體" pitchFamily="34" charset="-120"/>
               </a:rPr>
               <a:t>在</a:t>
             </a:r>
             <a:r>
-              <a:rPr lang="zh-TW" altLang="en-US" sz="4100" b="1" dirty="0">
+              <a:rPr lang="zh-TW" altLang="en-US" sz="4400" b="1" dirty="0">
+                <a:solidFill>
+                  <a:srgbClr val="660033"/>
+                </a:solidFill>
                 <a:latin typeface="微軟正黑體" pitchFamily="34" charset="-120"/>
                 <a:ea typeface="微軟正黑體" pitchFamily="34" charset="-120"/>
               </a:rPr>
               <a:t>我生命中 </a:t>
             </a:r>
-            <a:endParaRPr lang="en-US" altLang="zh-TW" sz="4100" b="1" dirty="0">
+            <a:endParaRPr lang="en-US" altLang="zh-TW" sz="4400" b="1" dirty="0">
+              <a:solidFill>
+                <a:srgbClr val="660033"/>
+              </a:solidFill>
               <a:latin typeface="微軟正黑體" pitchFamily="34" charset="-120"/>
               <a:ea typeface="微軟正黑體" pitchFamily="34" charset="-120"/>
             </a:endParaRPr>
@@ -4953,41 +5427,59 @@
               <a:buNone/>
             </a:pPr>
             <a:r>
-              <a:rPr lang="zh-TW" altLang="en-US" sz="4100" b="1" dirty="0">
+              <a:rPr lang="zh-TW" altLang="en-US" sz="4400" b="1" dirty="0">
+                <a:solidFill>
+                  <a:srgbClr val="660033"/>
+                </a:solidFill>
                 <a:latin typeface="微軟正黑體" pitchFamily="34" charset="-120"/>
                 <a:ea typeface="微軟正黑體" pitchFamily="34" charset="-120"/>
               </a:rPr>
               <a:t>好讓我一生能</a:t>
             </a:r>
             <a:r>
-              <a:rPr lang="zh-TW" altLang="en-US" sz="4100" b="1" dirty="0" smtClean="0">
+              <a:rPr lang="zh-TW" altLang="en-US" sz="4400" b="1" dirty="0" smtClean="0">
+                <a:solidFill>
+                  <a:srgbClr val="660033"/>
+                </a:solidFill>
                 <a:latin typeface="微軟正黑體" pitchFamily="34" charset="-120"/>
                 <a:ea typeface="微軟正黑體" pitchFamily="34" charset="-120"/>
               </a:rPr>
               <a:t>學</a:t>
             </a:r>
             <a:r>
-              <a:rPr lang="zh-CN" altLang="en-US" sz="4100" b="1" dirty="0">
+              <a:rPr lang="zh-CN" altLang="en-US" sz="4400" b="1" dirty="0">
+                <a:solidFill>
+                  <a:srgbClr val="660033"/>
+                </a:solidFill>
                 <a:latin typeface="微軟正黑體" pitchFamily="34" charset="-120"/>
                 <a:ea typeface="微軟正黑體" pitchFamily="34" charset="-120"/>
               </a:rPr>
               <a:t>袮</a:t>
             </a:r>
             <a:r>
-              <a:rPr lang="zh-TW" altLang="en-US" sz="4100" b="1" dirty="0" smtClean="0">
+              <a:rPr lang="zh-TW" altLang="en-US" sz="4400" b="1" dirty="0" smtClean="0">
+                <a:solidFill>
+                  <a:srgbClr val="660033"/>
+                </a:solidFill>
                 <a:latin typeface="微軟正黑體" pitchFamily="34" charset="-120"/>
                 <a:ea typeface="微軟正黑體" pitchFamily="34" charset="-120"/>
               </a:rPr>
               <a:t>的</a:t>
             </a:r>
             <a:r>
-              <a:rPr lang="zh-TW" altLang="en-US" sz="4100" b="1" dirty="0">
+              <a:rPr lang="zh-TW" altLang="en-US" sz="4400" b="1" dirty="0">
+                <a:solidFill>
+                  <a:srgbClr val="660033"/>
+                </a:solidFill>
                 <a:latin typeface="微軟正黑體" pitchFamily="34" charset="-120"/>
                 <a:ea typeface="微軟正黑體" pitchFamily="34" charset="-120"/>
               </a:rPr>
               <a:t>樣式 </a:t>
             </a:r>
-            <a:endParaRPr lang="en-US" altLang="zh-TW" sz="4100" b="1" dirty="0">
+            <a:endParaRPr lang="en-US" altLang="zh-TW" sz="4400" b="1" dirty="0">
+              <a:solidFill>
+                <a:srgbClr val="660033"/>
+              </a:solidFill>
               <a:latin typeface="微軟正黑體" pitchFamily="34" charset="-120"/>
               <a:ea typeface="微軟正黑體" pitchFamily="34" charset="-120"/>
             </a:endParaRPr>
@@ -4997,35 +5489,50 @@
               <a:buNone/>
             </a:pPr>
             <a:r>
-              <a:rPr lang="zh-TW" altLang="en-US" sz="4100" b="1" dirty="0">
+              <a:rPr lang="zh-TW" altLang="en-US" sz="4400" b="1" dirty="0">
+                <a:solidFill>
+                  <a:srgbClr val="660033"/>
+                </a:solidFill>
                 <a:latin typeface="微軟正黑體" pitchFamily="34" charset="-120"/>
                 <a:ea typeface="微軟正黑體" pitchFamily="34" charset="-120"/>
               </a:rPr>
               <a:t>使我能成</a:t>
             </a:r>
             <a:r>
-              <a:rPr lang="zh-TW" altLang="en-US" sz="4100" b="1" dirty="0" smtClean="0">
+              <a:rPr lang="zh-TW" altLang="en-US" sz="4400" b="1" dirty="0" smtClean="0">
+                <a:solidFill>
+                  <a:srgbClr val="660033"/>
+                </a:solidFill>
                 <a:latin typeface="微軟正黑體" pitchFamily="34" charset="-120"/>
                 <a:ea typeface="微軟正黑體" pitchFamily="34" charset="-120"/>
               </a:rPr>
               <a:t>為</a:t>
             </a:r>
             <a:r>
-              <a:rPr lang="zh-CN" altLang="en-US" sz="4100" b="1" dirty="0">
+              <a:rPr lang="zh-CN" altLang="en-US" sz="4400" b="1" dirty="0">
+                <a:solidFill>
+                  <a:srgbClr val="660033"/>
+                </a:solidFill>
                 <a:latin typeface="微軟正黑體" pitchFamily="34" charset="-120"/>
                 <a:ea typeface="微軟正黑體" pitchFamily="34" charset="-120"/>
               </a:rPr>
               <a:t>袮</a:t>
             </a:r>
             <a:r>
-              <a:rPr lang="zh-TW" altLang="en-US" sz="4100" b="1" dirty="0" smtClean="0">
+              <a:rPr lang="zh-TW" altLang="en-US" sz="4400" b="1" dirty="0" smtClean="0">
+                <a:solidFill>
+                  <a:srgbClr val="660033"/>
+                </a:solidFill>
                 <a:latin typeface="微軟正黑體" pitchFamily="34" charset="-120"/>
                 <a:ea typeface="微軟正黑體" pitchFamily="34" charset="-120"/>
               </a:rPr>
               <a:t>所</a:t>
             </a:r>
             <a:r>
-              <a:rPr lang="zh-TW" altLang="en-US" sz="4100" b="1" dirty="0">
+              <a:rPr lang="zh-TW" altLang="en-US" sz="4400" b="1" dirty="0">
+                <a:solidFill>
+                  <a:srgbClr val="660033"/>
+                </a:solidFill>
                 <a:latin typeface="微軟正黑體" pitchFamily="34" charset="-120"/>
                 <a:ea typeface="微軟正黑體" pitchFamily="34" charset="-120"/>
               </a:rPr>
@@ -5037,35 +5544,50 @@
               <a:buNone/>
             </a:pPr>
             <a:r>
-              <a:rPr lang="zh-TW" altLang="en-US" sz="4100" b="1" dirty="0">
+              <a:rPr lang="zh-TW" altLang="en-US" sz="4400" b="1" dirty="0">
+                <a:solidFill>
+                  <a:srgbClr val="660033"/>
+                </a:solidFill>
                 <a:latin typeface="微軟正黑體" pitchFamily="34" charset="-120"/>
                 <a:ea typeface="微軟正黑體" pitchFamily="34" charset="-120"/>
               </a:rPr>
               <a:t>使我的生命 能夠彰</a:t>
             </a:r>
             <a:r>
-              <a:rPr lang="zh-TW" altLang="en-US" sz="4100" b="1" dirty="0" smtClean="0">
+              <a:rPr lang="zh-TW" altLang="en-US" sz="4400" b="1" dirty="0" smtClean="0">
+                <a:solidFill>
+                  <a:srgbClr val="660033"/>
+                </a:solidFill>
                 <a:latin typeface="微軟正黑體" pitchFamily="34" charset="-120"/>
                 <a:ea typeface="微軟正黑體" pitchFamily="34" charset="-120"/>
               </a:rPr>
               <a:t>顯</a:t>
             </a:r>
             <a:r>
-              <a:rPr lang="zh-CN" altLang="en-US" sz="4100" b="1" dirty="0">
+              <a:rPr lang="zh-CN" altLang="en-US" sz="4400" b="1" dirty="0">
+                <a:solidFill>
+                  <a:srgbClr val="660033"/>
+                </a:solidFill>
                 <a:latin typeface="微軟正黑體" pitchFamily="34" charset="-120"/>
                 <a:ea typeface="微軟正黑體" pitchFamily="34" charset="-120"/>
               </a:rPr>
               <a:t>袮</a:t>
             </a:r>
             <a:r>
-              <a:rPr lang="zh-TW" altLang="en-US" sz="4100" b="1" dirty="0" smtClean="0">
+              <a:rPr lang="zh-TW" altLang="en-US" sz="4400" b="1" dirty="0" smtClean="0">
+                <a:solidFill>
+                  <a:srgbClr val="660033"/>
+                </a:solidFill>
                 <a:latin typeface="微軟正黑體" pitchFamily="34" charset="-120"/>
                 <a:ea typeface="微軟正黑體" pitchFamily="34" charset="-120"/>
               </a:rPr>
               <a:t>榮</a:t>
             </a:r>
             <a:r>
-              <a:rPr lang="zh-TW" altLang="en-US" sz="4100" b="1" dirty="0">
+              <a:rPr lang="zh-TW" altLang="en-US" sz="4400" b="1" dirty="0">
+                <a:solidFill>
+                  <a:srgbClr val="660033"/>
+                </a:solidFill>
                 <a:latin typeface="微軟正黑體" pitchFamily="34" charset="-120"/>
                 <a:ea typeface="微軟正黑體" pitchFamily="34" charset="-120"/>
               </a:rPr>
@@ -5111,39 +5633,56 @@
         </p:nvSpPr>
         <p:spPr/>
         <p:txBody>
-          <a:bodyPr/>
+          <a:bodyPr>
+            <a:normAutofit/>
+          </a:bodyPr>
           <a:lstStyle/>
           <a:p>
             <a:r>
-              <a:rPr lang="zh-TW" altLang="en-US" b="1" dirty="0">
+              <a:rPr lang="zh-TW" altLang="en-US" sz="4000" b="1" dirty="0">
+                <a:solidFill>
+                  <a:srgbClr val="660033"/>
+                </a:solidFill>
                 <a:latin typeface="微軟正黑體" pitchFamily="34" charset="-120"/>
                 <a:ea typeface="微軟正黑體" pitchFamily="34" charset="-120"/>
               </a:rPr>
               <a:t>我需要</a:t>
             </a:r>
             <a:r>
-              <a:rPr lang="zh-TW" altLang="en-US" b="1" dirty="0" smtClean="0">
+              <a:rPr lang="zh-TW" altLang="en-US" sz="4000" b="1" dirty="0" smtClean="0">
+                <a:solidFill>
+                  <a:srgbClr val="660033"/>
+                </a:solidFill>
                 <a:latin typeface="微軟正黑體" pitchFamily="34" charset="-120"/>
                 <a:ea typeface="微軟正黑體" pitchFamily="34" charset="-120"/>
               </a:rPr>
               <a:t>有</a:t>
             </a:r>
             <a:r>
-              <a:rPr lang="zh-CN" altLang="en-US" b="1" dirty="0" smtClean="0">
+              <a:rPr lang="zh-CN" altLang="en-US" sz="4000" b="1" dirty="0" smtClean="0">
+                <a:solidFill>
+                  <a:srgbClr val="660033"/>
+                </a:solidFill>
                 <a:latin typeface="微軟正黑體" pitchFamily="34" charset="-120"/>
                 <a:ea typeface="微軟正黑體" pitchFamily="34" charset="-120"/>
               </a:rPr>
               <a:t>袮</a:t>
             </a:r>
             <a:r>
-              <a:rPr lang="zh-TW" altLang="en-US" b="1" dirty="0" smtClean="0">
+              <a:rPr lang="zh-TW" altLang="en-US" sz="4000" b="1" dirty="0" smtClean="0">
+                <a:solidFill>
+                  <a:srgbClr val="660033"/>
+                </a:solidFill>
                 <a:latin typeface="微軟正黑體" pitchFamily="34" charset="-120"/>
                 <a:ea typeface="微軟正黑體" pitchFamily="34" charset="-120"/>
               </a:rPr>
               <a:t>在</a:t>
             </a:r>
             <a:r>
-              <a:rPr lang="zh-TW" altLang="en-US" b="1" dirty="0">
+              <a:rPr lang="zh-TW" altLang="en-US" sz="4000" b="1" dirty="0">
+                <a:solidFill>
+                  <a:srgbClr val="660033"/>
+                </a:solidFill>
                 <a:latin typeface="微軟正黑體" pitchFamily="34" charset="-120"/>
                 <a:ea typeface="微軟正黑體" pitchFamily="34" charset="-120"/>
               </a:rPr>
@@ -5164,8 +5703,8 @@
         </p:nvSpPr>
         <p:spPr>
           <a:xfrm>
-            <a:off x="1143000" y="1200151"/>
-            <a:ext cx="6858000" cy="3394472"/>
+            <a:off x="0" y="1200151"/>
+            <a:ext cx="9144000" cy="3394472"/>
           </a:xfrm>
         </p:spPr>
         <p:txBody>
@@ -5178,41 +5717,59 @@
               <a:buNone/>
             </a:pPr>
             <a:r>
-              <a:rPr lang="zh-TW" altLang="en-US" sz="4100" b="1" dirty="0">
+              <a:rPr lang="zh-TW" altLang="en-US" sz="4400" b="1" dirty="0">
+                <a:solidFill>
+                  <a:srgbClr val="660033"/>
+                </a:solidFill>
                 <a:latin typeface="微軟正黑體" pitchFamily="34" charset="-120"/>
                 <a:ea typeface="微軟正黑體" pitchFamily="34" charset="-120"/>
               </a:rPr>
               <a:t>哦主 </a:t>
             </a:r>
             <a:r>
-              <a:rPr lang="zh-TW" altLang="en-US" sz="4100" b="1" dirty="0" smtClean="0">
+              <a:rPr lang="zh-TW" altLang="en-US" sz="4400" b="1" dirty="0" smtClean="0">
+                <a:solidFill>
+                  <a:srgbClr val="660033"/>
+                </a:solidFill>
                 <a:latin typeface="微軟正黑體" pitchFamily="34" charset="-120"/>
                 <a:ea typeface="微軟正黑體" pitchFamily="34" charset="-120"/>
               </a:rPr>
               <a:t>求</a:t>
             </a:r>
             <a:r>
-              <a:rPr lang="zh-CN" altLang="en-US" sz="4100" b="1" dirty="0">
+              <a:rPr lang="zh-CN" altLang="en-US" sz="4400" b="1" dirty="0">
+                <a:solidFill>
+                  <a:srgbClr val="660033"/>
+                </a:solidFill>
                 <a:latin typeface="微軟正黑體" pitchFamily="34" charset="-120"/>
                 <a:ea typeface="微軟正黑體" pitchFamily="34" charset="-120"/>
               </a:rPr>
               <a:t>袮</a:t>
             </a:r>
             <a:r>
-              <a:rPr lang="zh-TW" altLang="en-US" sz="4100" b="1" dirty="0" smtClean="0">
+              <a:rPr lang="zh-TW" altLang="en-US" sz="4400" b="1" dirty="0" smtClean="0">
+                <a:solidFill>
+                  <a:srgbClr val="660033"/>
+                </a:solidFill>
                 <a:latin typeface="微軟正黑體" pitchFamily="34" charset="-120"/>
                 <a:ea typeface="微軟正黑體" pitchFamily="34" charset="-120"/>
               </a:rPr>
               <a:t>保</a:t>
             </a:r>
             <a:r>
-              <a:rPr lang="zh-TW" altLang="en-US" sz="4100" b="1" dirty="0">
+              <a:rPr lang="zh-TW" altLang="en-US" sz="4400" b="1" dirty="0">
+                <a:solidFill>
+                  <a:srgbClr val="660033"/>
+                </a:solidFill>
                 <a:latin typeface="微軟正黑體" pitchFamily="34" charset="-120"/>
                 <a:ea typeface="微軟正黑體" pitchFamily="34" charset="-120"/>
               </a:rPr>
               <a:t>守</a:t>
             </a:r>
-            <a:endParaRPr lang="en-US" altLang="zh-TW" sz="4100" b="1" dirty="0">
+            <a:endParaRPr lang="en-US" altLang="zh-TW" sz="4400" b="1" dirty="0">
+              <a:solidFill>
+                <a:srgbClr val="660033"/>
+              </a:solidFill>
               <a:latin typeface="微軟正黑體" pitchFamily="34" charset="-120"/>
               <a:ea typeface="微軟正黑體" pitchFamily="34" charset="-120"/>
             </a:endParaRPr>
@@ -5222,13 +5779,19 @@
               <a:buNone/>
             </a:pPr>
             <a:r>
-              <a:rPr lang="zh-TW" altLang="en-US" sz="4100" b="1" dirty="0">
+              <a:rPr lang="zh-TW" altLang="en-US" sz="4400" b="1" dirty="0">
+                <a:solidFill>
+                  <a:srgbClr val="660033"/>
+                </a:solidFill>
                 <a:latin typeface="微軟正黑體" pitchFamily="34" charset="-120"/>
                 <a:ea typeface="微軟正黑體" pitchFamily="34" charset="-120"/>
               </a:rPr>
               <a:t>我的心我的意念 </a:t>
             </a:r>
-            <a:endParaRPr lang="en-US" altLang="zh-TW" sz="4100" b="1" dirty="0">
+            <a:endParaRPr lang="en-US" altLang="zh-TW" sz="4400" b="1" dirty="0">
+              <a:solidFill>
+                <a:srgbClr val="660033"/>
+              </a:solidFill>
               <a:latin typeface="微軟正黑體" pitchFamily="34" charset="-120"/>
               <a:ea typeface="微軟正黑體" pitchFamily="34" charset="-120"/>
             </a:endParaRPr>
@@ -5238,41 +5801,59 @@
               <a:buNone/>
             </a:pPr>
             <a:r>
-              <a:rPr lang="zh-TW" altLang="en-US" sz="4100" b="1" dirty="0">
+              <a:rPr lang="zh-TW" altLang="en-US" sz="4400" b="1" dirty="0">
+                <a:solidFill>
+                  <a:srgbClr val="660033"/>
+                </a:solidFill>
                 <a:latin typeface="微軟正黑體" pitchFamily="34" charset="-120"/>
                 <a:ea typeface="微軟正黑體" pitchFamily="34" charset="-120"/>
               </a:rPr>
               <a:t>使我能夠遵</a:t>
             </a:r>
             <a:r>
-              <a:rPr lang="zh-TW" altLang="en-US" sz="4100" b="1" dirty="0" smtClean="0">
+              <a:rPr lang="zh-TW" altLang="en-US" sz="4400" b="1" dirty="0" smtClean="0">
+                <a:solidFill>
+                  <a:srgbClr val="660033"/>
+                </a:solidFill>
                 <a:latin typeface="微軟正黑體" pitchFamily="34" charset="-120"/>
                 <a:ea typeface="微軟正黑體" pitchFamily="34" charset="-120"/>
               </a:rPr>
               <a:t>行</a:t>
             </a:r>
             <a:r>
-              <a:rPr lang="zh-CN" altLang="en-US" sz="4100" b="1" dirty="0">
+              <a:rPr lang="zh-CN" altLang="en-US" sz="4400" b="1" dirty="0">
+                <a:solidFill>
+                  <a:srgbClr val="660033"/>
+                </a:solidFill>
                 <a:latin typeface="微軟正黑體" pitchFamily="34" charset="-120"/>
                 <a:ea typeface="微軟正黑體" pitchFamily="34" charset="-120"/>
               </a:rPr>
               <a:t>袮</a:t>
             </a:r>
             <a:r>
-              <a:rPr lang="zh-TW" altLang="en-US" sz="4100" b="1" dirty="0" smtClean="0">
+              <a:rPr lang="zh-TW" altLang="en-US" sz="4400" b="1" dirty="0" smtClean="0">
+                <a:solidFill>
+                  <a:srgbClr val="660033"/>
+                </a:solidFill>
                 <a:latin typeface="微軟正黑體" pitchFamily="34" charset="-120"/>
                 <a:ea typeface="微軟正黑體" pitchFamily="34" charset="-120"/>
               </a:rPr>
               <a:t>旨</a:t>
             </a:r>
             <a:r>
-              <a:rPr lang="zh-TW" altLang="en-US" sz="4100" b="1" dirty="0">
+              <a:rPr lang="zh-TW" altLang="en-US" sz="4400" b="1" dirty="0">
+                <a:solidFill>
+                  <a:srgbClr val="660033"/>
+                </a:solidFill>
                 <a:latin typeface="微軟正黑體" pitchFamily="34" charset="-120"/>
                 <a:ea typeface="微軟正黑體" pitchFamily="34" charset="-120"/>
               </a:rPr>
               <a:t>意 </a:t>
             </a:r>
-            <a:endParaRPr lang="en-US" altLang="zh-TW" sz="4100" b="1" dirty="0">
+            <a:endParaRPr lang="en-US" altLang="zh-TW" sz="4400" b="1" dirty="0">
+              <a:solidFill>
+                <a:srgbClr val="660033"/>
+              </a:solidFill>
               <a:latin typeface="微軟正黑體" pitchFamily="34" charset="-120"/>
               <a:ea typeface="微軟正黑體" pitchFamily="34" charset="-120"/>
             </a:endParaRPr>
@@ -5282,35 +5863,50 @@
               <a:buNone/>
             </a:pPr>
             <a:r>
-              <a:rPr lang="zh-TW" altLang="en-US" sz="4100" b="1" dirty="0">
+              <a:rPr lang="zh-TW" altLang="en-US" sz="4400" b="1" dirty="0">
+                <a:solidFill>
+                  <a:srgbClr val="660033"/>
+                </a:solidFill>
                 <a:latin typeface="微軟正黑體" pitchFamily="34" charset="-120"/>
                 <a:ea typeface="微軟正黑體" pitchFamily="34" charset="-120"/>
               </a:rPr>
               <a:t>我願</a:t>
             </a:r>
             <a:r>
-              <a:rPr lang="zh-TW" altLang="en-US" sz="4100" b="1" dirty="0" smtClean="0">
+              <a:rPr lang="zh-TW" altLang="en-US" sz="4400" b="1" dirty="0" smtClean="0">
+                <a:solidFill>
+                  <a:srgbClr val="660033"/>
+                </a:solidFill>
                 <a:latin typeface="微軟正黑體" pitchFamily="34" charset="-120"/>
                 <a:ea typeface="微軟正黑體" pitchFamily="34" charset="-120"/>
               </a:rPr>
               <a:t>將</a:t>
             </a:r>
             <a:r>
-              <a:rPr lang="zh-CN" altLang="en-US" sz="4100" b="1" dirty="0">
+              <a:rPr lang="zh-CN" altLang="en-US" sz="4400" b="1" dirty="0">
+                <a:solidFill>
+                  <a:srgbClr val="660033"/>
+                </a:solidFill>
                 <a:latin typeface="微軟正黑體" pitchFamily="34" charset="-120"/>
                 <a:ea typeface="微軟正黑體" pitchFamily="34" charset="-120"/>
               </a:rPr>
               <a:t>袮</a:t>
             </a:r>
             <a:r>
-              <a:rPr lang="zh-TW" altLang="en-US" sz="4100" b="1" dirty="0" smtClean="0">
+              <a:rPr lang="zh-TW" altLang="en-US" sz="4400" b="1" dirty="0" smtClean="0">
+                <a:solidFill>
+                  <a:srgbClr val="660033"/>
+                </a:solidFill>
                 <a:latin typeface="微軟正黑體" pitchFamily="34" charset="-120"/>
                 <a:ea typeface="微軟正黑體" pitchFamily="34" charset="-120"/>
               </a:rPr>
               <a:t>話</a:t>
             </a:r>
             <a:r>
-              <a:rPr lang="zh-TW" altLang="en-US" sz="4100" b="1" dirty="0">
+              <a:rPr lang="zh-TW" altLang="en-US" sz="4400" b="1" dirty="0">
+                <a:solidFill>
+                  <a:srgbClr val="660033"/>
+                </a:solidFill>
                 <a:latin typeface="微軟正黑體" pitchFamily="34" charset="-120"/>
                 <a:ea typeface="微軟正黑體" pitchFamily="34" charset="-120"/>
               </a:rPr>
@@ -5322,7 +5918,10 @@
               <a:buNone/>
             </a:pPr>
             <a:r>
-              <a:rPr lang="zh-TW" altLang="en-US" sz="4100" b="1" dirty="0">
+              <a:rPr lang="zh-TW" altLang="en-US" sz="4400" b="1" dirty="0">
+                <a:solidFill>
+                  <a:srgbClr val="660033"/>
+                </a:solidFill>
                 <a:latin typeface="微軟正黑體" pitchFamily="34" charset="-120"/>
                 <a:ea typeface="微軟正黑體" pitchFamily="34" charset="-120"/>
               </a:rPr>
@@ -5375,6 +5974,9 @@
           <a:p>
             <a:r>
               <a:rPr lang="zh-CN" altLang="en-US" b="1" dirty="0">
+                <a:solidFill>
+                  <a:srgbClr val="002060"/>
+                </a:solidFill>
                 <a:latin typeface="微軟正黑體" pitchFamily="34" charset="-120"/>
                 <a:ea typeface="微軟正黑體" pitchFamily="34" charset="-120"/>
               </a:rPr>
@@ -5382,6 +5984,9 @@
             </a:r>
             <a:r>
               <a:rPr lang="zh-TW" altLang="en-US" b="1" dirty="0" smtClean="0">
+                <a:solidFill>
+                  <a:srgbClr val="002060"/>
+                </a:solidFill>
                 <a:latin typeface="微軟正黑體" pitchFamily="34" charset="-120"/>
                 <a:ea typeface="微軟正黑體" pitchFamily="34" charset="-120"/>
               </a:rPr>
@@ -5389,6 +5994,9 @@
             </a:r>
             <a:r>
               <a:rPr lang="zh-TW" altLang="en-US" b="1" dirty="0">
+                <a:solidFill>
+                  <a:srgbClr val="002060"/>
+                </a:solidFill>
                 <a:latin typeface="微軟正黑體" pitchFamily="34" charset="-120"/>
                 <a:ea typeface="微軟正黑體" pitchFamily="34" charset="-120"/>
               </a:rPr>
@@ -5419,6 +6027,9 @@
             </a:pPr>
             <a:r>
               <a:rPr lang="zh-CN" altLang="en-US" sz="4800" b="1" dirty="0">
+                <a:solidFill>
+                  <a:srgbClr val="002060"/>
+                </a:solidFill>
                 <a:latin typeface="微軟正黑體" pitchFamily="34" charset="-120"/>
                 <a:ea typeface="微軟正黑體" pitchFamily="34" charset="-120"/>
               </a:rPr>
@@ -5426,6 +6037,9 @@
             </a:r>
             <a:r>
               <a:rPr lang="zh-TW" altLang="en-US" sz="4800" b="1" dirty="0" smtClean="0">
+                <a:solidFill>
+                  <a:srgbClr val="002060"/>
+                </a:solidFill>
                 <a:latin typeface="微軟正黑體" pitchFamily="34" charset="-120"/>
                 <a:ea typeface="微軟正黑體" pitchFamily="34" charset="-120"/>
               </a:rPr>
@@ -5433,12 +6047,18 @@
             </a:r>
             <a:r>
               <a:rPr lang="zh-TW" altLang="en-US" sz="4800" b="1" dirty="0">
+                <a:solidFill>
+                  <a:srgbClr val="002060"/>
+                </a:solidFill>
                 <a:latin typeface="微軟正黑體" pitchFamily="34" charset="-120"/>
                 <a:ea typeface="微軟正黑體" pitchFamily="34" charset="-120"/>
               </a:rPr>
               <a:t>鋪陳天上雲彩</a:t>
             </a:r>
             <a:endParaRPr lang="en-US" altLang="zh-TW" sz="4800" b="1" dirty="0">
+              <a:solidFill>
+                <a:srgbClr val="002060"/>
+              </a:solidFill>
               <a:latin typeface="微軟正黑體" pitchFamily="34" charset="-120"/>
               <a:ea typeface="微軟正黑體" pitchFamily="34" charset="-120"/>
             </a:endParaRPr>
@@ -5449,12 +6069,18 @@
             </a:pPr>
             <a:r>
               <a:rPr lang="zh-TW" altLang="en-US" sz="4800" b="1" dirty="0">
+                <a:solidFill>
+                  <a:srgbClr val="002060"/>
+                </a:solidFill>
                 <a:latin typeface="微軟正黑體" pitchFamily="34" charset="-120"/>
                 <a:ea typeface="微軟正黑體" pitchFamily="34" charset="-120"/>
               </a:rPr>
               <a:t>打造永恆國度</a:t>
             </a:r>
             <a:endParaRPr lang="en-US" altLang="zh-TW" sz="4800" b="1" dirty="0">
+              <a:solidFill>
+                <a:srgbClr val="002060"/>
+              </a:solidFill>
               <a:latin typeface="微軟正黑體" pitchFamily="34" charset="-120"/>
               <a:ea typeface="微軟正黑體" pitchFamily="34" charset="-120"/>
             </a:endParaRPr>
@@ -5465,12 +6091,18 @@
             </a:pPr>
             <a:r>
               <a:rPr lang="zh-TW" altLang="en-US" sz="4800" b="1" dirty="0">
+                <a:solidFill>
+                  <a:srgbClr val="002060"/>
+                </a:solidFill>
                 <a:latin typeface="微軟正黑體" pitchFamily="34" charset="-120"/>
                 <a:ea typeface="微軟正黑體" pitchFamily="34" charset="-120"/>
               </a:rPr>
               <a:t>但這雙手卻甘心為我</a:t>
             </a:r>
             <a:endParaRPr lang="en-US" altLang="zh-TW" sz="4800" b="1" dirty="0">
+              <a:solidFill>
+                <a:srgbClr val="002060"/>
+              </a:solidFill>
               <a:latin typeface="微軟正黑體" pitchFamily="34" charset="-120"/>
               <a:ea typeface="微軟正黑體" pitchFamily="34" charset="-120"/>
             </a:endParaRPr>
@@ -5481,6 +6113,9 @@
             </a:pPr>
             <a:r>
               <a:rPr lang="zh-TW" altLang="en-US" sz="4800" b="1" dirty="0">
+                <a:solidFill>
+                  <a:srgbClr val="002060"/>
+                </a:solidFill>
                 <a:latin typeface="微軟正黑體" pitchFamily="34" charset="-120"/>
                 <a:ea typeface="微軟正黑體" pitchFamily="34" charset="-120"/>
               </a:rPr>
@@ -5526,39 +6161,56 @@
         </p:nvSpPr>
         <p:spPr/>
         <p:txBody>
-          <a:bodyPr/>
+          <a:bodyPr>
+            <a:normAutofit/>
+          </a:bodyPr>
           <a:lstStyle/>
           <a:p>
             <a:r>
-              <a:rPr lang="zh-TW" altLang="en-US" b="1" dirty="0">
+              <a:rPr lang="zh-TW" altLang="en-US" sz="4000" b="1" dirty="0">
+                <a:solidFill>
+                  <a:srgbClr val="660033"/>
+                </a:solidFill>
                 <a:latin typeface="微軟正黑體" pitchFamily="34" charset="-120"/>
                 <a:ea typeface="微軟正黑體" pitchFamily="34" charset="-120"/>
               </a:rPr>
               <a:t>我需要</a:t>
             </a:r>
             <a:r>
-              <a:rPr lang="zh-TW" altLang="en-US" b="1" dirty="0" smtClean="0">
+              <a:rPr lang="zh-TW" altLang="en-US" sz="4000" b="1" dirty="0" smtClean="0">
+                <a:solidFill>
+                  <a:srgbClr val="660033"/>
+                </a:solidFill>
                 <a:latin typeface="微軟正黑體" pitchFamily="34" charset="-120"/>
                 <a:ea typeface="微軟正黑體" pitchFamily="34" charset="-120"/>
               </a:rPr>
               <a:t>有</a:t>
             </a:r>
             <a:r>
-              <a:rPr lang="zh-CN" altLang="en-US" b="1" dirty="0">
+              <a:rPr lang="zh-CN" altLang="en-US" sz="4000" b="1" dirty="0">
+                <a:solidFill>
+                  <a:srgbClr val="660033"/>
+                </a:solidFill>
                 <a:latin typeface="微軟正黑體" pitchFamily="34" charset="-120"/>
                 <a:ea typeface="微軟正黑體" pitchFamily="34" charset="-120"/>
               </a:rPr>
               <a:t>袮</a:t>
             </a:r>
             <a:r>
-              <a:rPr lang="zh-TW" altLang="en-US" b="1" dirty="0" smtClean="0">
+              <a:rPr lang="zh-TW" altLang="en-US" sz="4000" b="1" dirty="0" smtClean="0">
+                <a:solidFill>
+                  <a:srgbClr val="660033"/>
+                </a:solidFill>
                 <a:latin typeface="微軟正黑體" pitchFamily="34" charset="-120"/>
                 <a:ea typeface="微軟正黑體" pitchFamily="34" charset="-120"/>
               </a:rPr>
               <a:t>在</a:t>
             </a:r>
             <a:r>
-              <a:rPr lang="zh-TW" altLang="en-US" b="1" dirty="0">
+              <a:rPr lang="zh-TW" altLang="en-US" sz="4000" b="1" dirty="0">
+                <a:solidFill>
+                  <a:srgbClr val="660033"/>
+                </a:solidFill>
                 <a:latin typeface="微軟正黑體" pitchFamily="34" charset="-120"/>
                 <a:ea typeface="微軟正黑體" pitchFamily="34" charset="-120"/>
               </a:rPr>
@@ -5579,8 +6231,8 @@
         </p:nvSpPr>
         <p:spPr>
           <a:xfrm>
-            <a:off x="1143000" y="1200151"/>
-            <a:ext cx="6858000" cy="3394472"/>
+            <a:off x="0" y="1200151"/>
+            <a:ext cx="9144000" cy="3394472"/>
           </a:xfrm>
         </p:spPr>
         <p:txBody>
@@ -5593,41 +6245,59 @@
               <a:buNone/>
             </a:pPr>
             <a:r>
-              <a:rPr lang="zh-TW" altLang="en-US" sz="4100" b="1" dirty="0">
+              <a:rPr lang="zh-TW" altLang="en-US" sz="4400" b="1" dirty="0">
+                <a:solidFill>
+                  <a:srgbClr val="660033"/>
+                </a:solidFill>
                 <a:latin typeface="微軟正黑體" pitchFamily="34" charset="-120"/>
                 <a:ea typeface="微軟正黑體" pitchFamily="34" charset="-120"/>
               </a:rPr>
               <a:t>哦主 </a:t>
             </a:r>
             <a:r>
-              <a:rPr lang="zh-TW" altLang="en-US" sz="4100" b="1" dirty="0" smtClean="0">
+              <a:rPr lang="zh-TW" altLang="en-US" sz="4400" b="1" dirty="0" smtClean="0">
+                <a:solidFill>
+                  <a:srgbClr val="660033"/>
+                </a:solidFill>
                 <a:latin typeface="微軟正黑體" pitchFamily="34" charset="-120"/>
                 <a:ea typeface="微軟正黑體" pitchFamily="34" charset="-120"/>
               </a:rPr>
               <a:t>求</a:t>
             </a:r>
             <a:r>
-              <a:rPr lang="zh-CN" altLang="en-US" sz="4100" b="1" dirty="0">
+              <a:rPr lang="zh-CN" altLang="en-US" sz="4400" b="1" dirty="0">
+                <a:solidFill>
+                  <a:srgbClr val="660033"/>
+                </a:solidFill>
                 <a:latin typeface="微軟正黑體" pitchFamily="34" charset="-120"/>
                 <a:ea typeface="微軟正黑體" pitchFamily="34" charset="-120"/>
               </a:rPr>
               <a:t>袮</a:t>
             </a:r>
             <a:r>
-              <a:rPr lang="zh-TW" altLang="en-US" sz="4100" b="1" dirty="0" smtClean="0">
+              <a:rPr lang="zh-TW" altLang="en-US" sz="4400" b="1" dirty="0" smtClean="0">
+                <a:solidFill>
+                  <a:srgbClr val="660033"/>
+                </a:solidFill>
                 <a:latin typeface="微軟正黑體" pitchFamily="34" charset="-120"/>
                 <a:ea typeface="微軟正黑體" pitchFamily="34" charset="-120"/>
               </a:rPr>
               <a:t>堅</a:t>
             </a:r>
             <a:r>
-              <a:rPr lang="zh-TW" altLang="en-US" sz="4100" b="1" dirty="0">
+              <a:rPr lang="zh-TW" altLang="en-US" sz="4400" b="1" dirty="0">
+                <a:solidFill>
+                  <a:srgbClr val="660033"/>
+                </a:solidFill>
                 <a:latin typeface="微軟正黑體" pitchFamily="34" charset="-120"/>
                 <a:ea typeface="微軟正黑體" pitchFamily="34" charset="-120"/>
               </a:rPr>
               <a:t>固</a:t>
             </a:r>
-            <a:endParaRPr lang="en-US" altLang="zh-TW" sz="4100" b="1" dirty="0">
+            <a:endParaRPr lang="en-US" altLang="zh-TW" sz="4400" b="1" dirty="0">
+              <a:solidFill>
+                <a:srgbClr val="660033"/>
+              </a:solidFill>
               <a:latin typeface="微軟正黑體" pitchFamily="34" charset="-120"/>
               <a:ea typeface="微軟正黑體" pitchFamily="34" charset="-120"/>
             </a:endParaRPr>
@@ -5637,13 +6307,19 @@
               <a:buNone/>
             </a:pPr>
             <a:r>
-              <a:rPr lang="zh-TW" altLang="en-US" sz="4100" b="1" dirty="0">
+              <a:rPr lang="zh-TW" altLang="en-US" sz="4400" b="1" dirty="0">
+                <a:solidFill>
+                  <a:srgbClr val="660033"/>
+                </a:solidFill>
                 <a:latin typeface="微軟正黑體" pitchFamily="34" charset="-120"/>
                 <a:ea typeface="微軟正黑體" pitchFamily="34" charset="-120"/>
               </a:rPr>
               <a:t>我信心我的力量 </a:t>
             </a:r>
-            <a:endParaRPr lang="en-US" altLang="zh-TW" sz="4100" b="1" dirty="0">
+            <a:endParaRPr lang="en-US" altLang="zh-TW" sz="4400" b="1" dirty="0">
+              <a:solidFill>
+                <a:srgbClr val="660033"/>
+              </a:solidFill>
               <a:latin typeface="微軟正黑體" pitchFamily="34" charset="-120"/>
               <a:ea typeface="微軟正黑體" pitchFamily="34" charset="-120"/>
             </a:endParaRPr>
@@ -5653,13 +6329,19 @@
               <a:buNone/>
             </a:pPr>
             <a:r>
-              <a:rPr lang="zh-TW" altLang="en-US" sz="4100" b="1" dirty="0">
+              <a:rPr lang="zh-TW" altLang="en-US" sz="4400" b="1" dirty="0">
+                <a:solidFill>
+                  <a:srgbClr val="660033"/>
+                </a:solidFill>
                 <a:latin typeface="微軟正黑體" pitchFamily="34" charset="-120"/>
                 <a:ea typeface="微軟正黑體" pitchFamily="34" charset="-120"/>
               </a:rPr>
               <a:t>使我得以勇敢向前行 </a:t>
             </a:r>
-            <a:endParaRPr lang="en-US" altLang="zh-TW" sz="4100" b="1" dirty="0">
+            <a:endParaRPr lang="en-US" altLang="zh-TW" sz="4400" b="1" dirty="0">
+              <a:solidFill>
+                <a:srgbClr val="660033"/>
+              </a:solidFill>
               <a:latin typeface="微軟正黑體" pitchFamily="34" charset="-120"/>
               <a:ea typeface="微軟正黑體" pitchFamily="34" charset="-120"/>
             </a:endParaRPr>
@@ -5669,7 +6351,10 @@
               <a:buNone/>
             </a:pPr>
             <a:r>
-              <a:rPr lang="zh-TW" altLang="en-US" sz="4100" b="1" dirty="0">
+              <a:rPr lang="zh-TW" altLang="en-US" sz="4400" b="1" dirty="0">
+                <a:solidFill>
+                  <a:srgbClr val="660033"/>
+                </a:solidFill>
                 <a:latin typeface="微軟正黑體" pitchFamily="34" charset="-120"/>
                 <a:ea typeface="微軟正黑體" pitchFamily="34" charset="-120"/>
               </a:rPr>
@@ -5681,28 +6366,40 @@
               <a:buNone/>
             </a:pPr>
             <a:r>
-              <a:rPr lang="zh-TW" altLang="en-US" sz="4100" b="1" dirty="0" smtClean="0">
+              <a:rPr lang="zh-TW" altLang="en-US" sz="4400" b="1" dirty="0" smtClean="0">
+                <a:solidFill>
+                  <a:srgbClr val="660033"/>
+                </a:solidFill>
                 <a:latin typeface="微軟正黑體" pitchFamily="34" charset="-120"/>
                 <a:ea typeface="微軟正黑體" pitchFamily="34" charset="-120"/>
               </a:rPr>
               <a:t>求</a:t>
             </a:r>
             <a:r>
-              <a:rPr lang="zh-CN" altLang="en-US" sz="4100" b="1" dirty="0">
+              <a:rPr lang="zh-CN" altLang="en-US" sz="4400" b="1" dirty="0">
+                <a:solidFill>
+                  <a:srgbClr val="660033"/>
+                </a:solidFill>
                 <a:latin typeface="微軟正黑體" pitchFamily="34" charset="-120"/>
                 <a:ea typeface="微軟正黑體" pitchFamily="34" charset="-120"/>
               </a:rPr>
               <a:t>袮</a:t>
             </a:r>
             <a:r>
-              <a:rPr lang="zh-TW" altLang="en-US" sz="4100" b="1" dirty="0" smtClean="0">
+              <a:rPr lang="zh-TW" altLang="en-US" sz="4400" b="1" dirty="0" smtClean="0">
+                <a:solidFill>
+                  <a:srgbClr val="660033"/>
+                </a:solidFill>
                 <a:latin typeface="微軟正黑體" pitchFamily="34" charset="-120"/>
                 <a:ea typeface="微軟正黑體" pitchFamily="34" charset="-120"/>
               </a:rPr>
               <a:t>帶</a:t>
             </a:r>
             <a:r>
-              <a:rPr lang="zh-TW" altLang="en-US" sz="4100" b="1" dirty="0">
+              <a:rPr lang="zh-TW" altLang="en-US" sz="4400" b="1" dirty="0">
+                <a:solidFill>
+                  <a:srgbClr val="660033"/>
+                </a:solidFill>
                 <a:latin typeface="微軟正黑體" pitchFamily="34" charset="-120"/>
                 <a:ea typeface="微軟正黑體" pitchFamily="34" charset="-120"/>
               </a:rPr>
@@ -5748,39 +6445,56 @@
         </p:nvSpPr>
         <p:spPr/>
         <p:txBody>
-          <a:bodyPr/>
+          <a:bodyPr>
+            <a:normAutofit/>
+          </a:bodyPr>
           <a:lstStyle/>
           <a:p>
             <a:r>
-              <a:rPr lang="zh-TW" altLang="en-US" b="1" dirty="0">
+              <a:rPr lang="zh-TW" altLang="en-US" sz="4000" b="1" dirty="0">
+                <a:solidFill>
+                  <a:srgbClr val="660033"/>
+                </a:solidFill>
                 <a:latin typeface="微軟正黑體" pitchFamily="34" charset="-120"/>
                 <a:ea typeface="微軟正黑體" pitchFamily="34" charset="-120"/>
               </a:rPr>
               <a:t>我需要</a:t>
             </a:r>
             <a:r>
-              <a:rPr lang="zh-TW" altLang="en-US" b="1" dirty="0" smtClean="0">
+              <a:rPr lang="zh-TW" altLang="en-US" sz="4000" b="1" dirty="0" smtClean="0">
+                <a:solidFill>
+                  <a:srgbClr val="660033"/>
+                </a:solidFill>
                 <a:latin typeface="微軟正黑體" pitchFamily="34" charset="-120"/>
                 <a:ea typeface="微軟正黑體" pitchFamily="34" charset="-120"/>
               </a:rPr>
               <a:t>有</a:t>
             </a:r>
             <a:r>
-              <a:rPr lang="zh-CN" altLang="en-US" b="1" dirty="0">
+              <a:rPr lang="zh-CN" altLang="en-US" sz="4000" b="1" dirty="0">
+                <a:solidFill>
+                  <a:srgbClr val="660033"/>
+                </a:solidFill>
                 <a:latin typeface="微軟正黑體" pitchFamily="34" charset="-120"/>
                 <a:ea typeface="微軟正黑體" pitchFamily="34" charset="-120"/>
               </a:rPr>
               <a:t>袮</a:t>
             </a:r>
             <a:r>
-              <a:rPr lang="zh-TW" altLang="en-US" b="1" dirty="0" smtClean="0">
+              <a:rPr lang="zh-TW" altLang="en-US" sz="4000" b="1" dirty="0" smtClean="0">
+                <a:solidFill>
+                  <a:srgbClr val="660033"/>
+                </a:solidFill>
                 <a:latin typeface="微軟正黑體" pitchFamily="34" charset="-120"/>
                 <a:ea typeface="微軟正黑體" pitchFamily="34" charset="-120"/>
               </a:rPr>
               <a:t>在</a:t>
             </a:r>
             <a:r>
-              <a:rPr lang="zh-TW" altLang="en-US" b="1" dirty="0">
+              <a:rPr lang="zh-TW" altLang="en-US" sz="4000" b="1" dirty="0">
+                <a:solidFill>
+                  <a:srgbClr val="660033"/>
+                </a:solidFill>
                 <a:latin typeface="微軟正黑體" pitchFamily="34" charset="-120"/>
                 <a:ea typeface="微軟正黑體" pitchFamily="34" charset="-120"/>
               </a:rPr>
@@ -5801,8 +6515,8 @@
         </p:nvSpPr>
         <p:spPr>
           <a:xfrm>
-            <a:off x="1143000" y="1200151"/>
-            <a:ext cx="6858000" cy="3394472"/>
+            <a:off x="0" y="1200151"/>
+            <a:ext cx="9144000" cy="3394472"/>
           </a:xfrm>
         </p:spPr>
         <p:txBody>
@@ -5815,41 +6529,59 @@
               <a:buNone/>
             </a:pPr>
             <a:r>
-              <a:rPr lang="zh-TW" altLang="en-US" sz="4100" b="1" dirty="0">
+              <a:rPr lang="zh-TW" altLang="en-US" sz="4400" b="1" dirty="0">
+                <a:solidFill>
+                  <a:srgbClr val="660033"/>
+                </a:solidFill>
                 <a:latin typeface="微軟正黑體" pitchFamily="34" charset="-120"/>
                 <a:ea typeface="微軟正黑體" pitchFamily="34" charset="-120"/>
               </a:rPr>
               <a:t>我需要</a:t>
             </a:r>
             <a:r>
-              <a:rPr lang="zh-TW" altLang="en-US" sz="4100" b="1" dirty="0" smtClean="0">
+              <a:rPr lang="zh-TW" altLang="en-US" sz="4400" b="1" dirty="0" smtClean="0">
+                <a:solidFill>
+                  <a:srgbClr val="660033"/>
+                </a:solidFill>
                 <a:latin typeface="微軟正黑體" pitchFamily="34" charset="-120"/>
                 <a:ea typeface="微軟正黑體" pitchFamily="34" charset="-120"/>
               </a:rPr>
               <a:t>有</a:t>
             </a:r>
             <a:r>
-              <a:rPr lang="zh-CN" altLang="en-US" sz="4100" b="1" dirty="0">
+              <a:rPr lang="zh-CN" altLang="en-US" sz="4400" b="1" dirty="0">
+                <a:solidFill>
+                  <a:srgbClr val="660033"/>
+                </a:solidFill>
                 <a:latin typeface="微軟正黑體" pitchFamily="34" charset="-120"/>
                 <a:ea typeface="微軟正黑體" pitchFamily="34" charset="-120"/>
               </a:rPr>
               <a:t>袮</a:t>
             </a:r>
             <a:r>
-              <a:rPr lang="zh-TW" altLang="en-US" sz="4100" b="1" dirty="0" smtClean="0">
+              <a:rPr lang="zh-TW" altLang="en-US" sz="4400" b="1" dirty="0" smtClean="0">
+                <a:solidFill>
+                  <a:srgbClr val="660033"/>
+                </a:solidFill>
                 <a:latin typeface="微軟正黑體" pitchFamily="34" charset="-120"/>
                 <a:ea typeface="微軟正黑體" pitchFamily="34" charset="-120"/>
               </a:rPr>
               <a:t>在</a:t>
             </a:r>
             <a:r>
-              <a:rPr lang="zh-TW" altLang="en-US" sz="4100" b="1" dirty="0">
+              <a:rPr lang="zh-TW" altLang="en-US" sz="4400" b="1" dirty="0">
+                <a:solidFill>
+                  <a:srgbClr val="660033"/>
+                </a:solidFill>
                 <a:latin typeface="微軟正黑體" pitchFamily="34" charset="-120"/>
                 <a:ea typeface="微軟正黑體" pitchFamily="34" charset="-120"/>
               </a:rPr>
               <a:t>我生命中 </a:t>
             </a:r>
-            <a:endParaRPr lang="en-US" altLang="zh-TW" sz="4100" b="1" dirty="0">
+            <a:endParaRPr lang="en-US" altLang="zh-TW" sz="4400" b="1" dirty="0">
+              <a:solidFill>
+                <a:srgbClr val="660033"/>
+              </a:solidFill>
               <a:latin typeface="微軟正黑體" pitchFamily="34" charset="-120"/>
               <a:ea typeface="微軟正黑體" pitchFamily="34" charset="-120"/>
             </a:endParaRPr>
@@ -5859,41 +6591,59 @@
               <a:buNone/>
             </a:pPr>
             <a:r>
-              <a:rPr lang="zh-TW" altLang="en-US" sz="4100" b="1" dirty="0">
+              <a:rPr lang="zh-TW" altLang="en-US" sz="4400" b="1" dirty="0">
+                <a:solidFill>
+                  <a:srgbClr val="660033"/>
+                </a:solidFill>
                 <a:latin typeface="微軟正黑體" pitchFamily="34" charset="-120"/>
                 <a:ea typeface="微軟正黑體" pitchFamily="34" charset="-120"/>
               </a:rPr>
               <a:t>好讓我一生能</a:t>
             </a:r>
             <a:r>
-              <a:rPr lang="zh-TW" altLang="en-US" sz="4100" b="1" dirty="0" smtClean="0">
+              <a:rPr lang="zh-TW" altLang="en-US" sz="4400" b="1" dirty="0" smtClean="0">
+                <a:solidFill>
+                  <a:srgbClr val="660033"/>
+                </a:solidFill>
                 <a:latin typeface="微軟正黑體" pitchFamily="34" charset="-120"/>
                 <a:ea typeface="微軟正黑體" pitchFamily="34" charset="-120"/>
               </a:rPr>
               <a:t>學</a:t>
             </a:r>
             <a:r>
-              <a:rPr lang="zh-CN" altLang="en-US" sz="4100" b="1" dirty="0">
+              <a:rPr lang="zh-CN" altLang="en-US" sz="4400" b="1" dirty="0">
+                <a:solidFill>
+                  <a:srgbClr val="660033"/>
+                </a:solidFill>
                 <a:latin typeface="微軟正黑體" pitchFamily="34" charset="-120"/>
                 <a:ea typeface="微軟正黑體" pitchFamily="34" charset="-120"/>
               </a:rPr>
               <a:t>袮</a:t>
             </a:r>
             <a:r>
-              <a:rPr lang="zh-TW" altLang="en-US" sz="4100" b="1" dirty="0" smtClean="0">
+              <a:rPr lang="zh-TW" altLang="en-US" sz="4400" b="1" dirty="0" smtClean="0">
+                <a:solidFill>
+                  <a:srgbClr val="660033"/>
+                </a:solidFill>
                 <a:latin typeface="微軟正黑體" pitchFamily="34" charset="-120"/>
                 <a:ea typeface="微軟正黑體" pitchFamily="34" charset="-120"/>
               </a:rPr>
               <a:t>的</a:t>
             </a:r>
             <a:r>
-              <a:rPr lang="zh-TW" altLang="en-US" sz="4100" b="1" dirty="0">
+              <a:rPr lang="zh-TW" altLang="en-US" sz="4400" b="1" dirty="0">
+                <a:solidFill>
+                  <a:srgbClr val="660033"/>
+                </a:solidFill>
                 <a:latin typeface="微軟正黑體" pitchFamily="34" charset="-120"/>
                 <a:ea typeface="微軟正黑體" pitchFamily="34" charset="-120"/>
               </a:rPr>
               <a:t>樣式 </a:t>
             </a:r>
-            <a:endParaRPr lang="en-US" altLang="zh-TW" sz="4100" b="1" dirty="0">
+            <a:endParaRPr lang="en-US" altLang="zh-TW" sz="4400" b="1" dirty="0">
+              <a:solidFill>
+                <a:srgbClr val="660033"/>
+              </a:solidFill>
               <a:latin typeface="微軟正黑體" pitchFamily="34" charset="-120"/>
               <a:ea typeface="微軟正黑體" pitchFamily="34" charset="-120"/>
             </a:endParaRPr>
@@ -5903,35 +6653,50 @@
               <a:buNone/>
             </a:pPr>
             <a:r>
-              <a:rPr lang="zh-TW" altLang="en-US" sz="4100" b="1" dirty="0">
+              <a:rPr lang="zh-TW" altLang="en-US" sz="4400" b="1" dirty="0">
+                <a:solidFill>
+                  <a:srgbClr val="660033"/>
+                </a:solidFill>
                 <a:latin typeface="微軟正黑體" pitchFamily="34" charset="-120"/>
                 <a:ea typeface="微軟正黑體" pitchFamily="34" charset="-120"/>
               </a:rPr>
               <a:t>使我能成</a:t>
             </a:r>
             <a:r>
-              <a:rPr lang="zh-TW" altLang="en-US" sz="4100" b="1" dirty="0" smtClean="0">
+              <a:rPr lang="zh-TW" altLang="en-US" sz="4400" b="1" dirty="0" smtClean="0">
+                <a:solidFill>
+                  <a:srgbClr val="660033"/>
+                </a:solidFill>
                 <a:latin typeface="微軟正黑體" pitchFamily="34" charset="-120"/>
                 <a:ea typeface="微軟正黑體" pitchFamily="34" charset="-120"/>
               </a:rPr>
               <a:t>為</a:t>
             </a:r>
             <a:r>
-              <a:rPr lang="zh-CN" altLang="en-US" sz="4100" b="1" dirty="0">
+              <a:rPr lang="zh-CN" altLang="en-US" sz="4400" b="1" dirty="0">
+                <a:solidFill>
+                  <a:srgbClr val="660033"/>
+                </a:solidFill>
                 <a:latin typeface="微軟正黑體" pitchFamily="34" charset="-120"/>
                 <a:ea typeface="微軟正黑體" pitchFamily="34" charset="-120"/>
               </a:rPr>
               <a:t>袮</a:t>
             </a:r>
             <a:r>
-              <a:rPr lang="zh-TW" altLang="en-US" sz="4100" b="1" dirty="0" smtClean="0">
+              <a:rPr lang="zh-TW" altLang="en-US" sz="4400" b="1" dirty="0" smtClean="0">
+                <a:solidFill>
+                  <a:srgbClr val="660033"/>
+                </a:solidFill>
                 <a:latin typeface="微軟正黑體" pitchFamily="34" charset="-120"/>
                 <a:ea typeface="微軟正黑體" pitchFamily="34" charset="-120"/>
               </a:rPr>
               <a:t>所</a:t>
             </a:r>
             <a:r>
-              <a:rPr lang="zh-TW" altLang="en-US" sz="4100" b="1" dirty="0">
+              <a:rPr lang="zh-TW" altLang="en-US" sz="4400" b="1" dirty="0">
+                <a:solidFill>
+                  <a:srgbClr val="660033"/>
+                </a:solidFill>
                 <a:latin typeface="微軟正黑體" pitchFamily="34" charset="-120"/>
                 <a:ea typeface="微軟正黑體" pitchFamily="34" charset="-120"/>
               </a:rPr>
@@ -5943,35 +6708,50 @@
               <a:buNone/>
             </a:pPr>
             <a:r>
-              <a:rPr lang="zh-TW" altLang="en-US" sz="4100" b="1" dirty="0">
+              <a:rPr lang="zh-TW" altLang="en-US" sz="4400" b="1" dirty="0">
+                <a:solidFill>
+                  <a:srgbClr val="660033"/>
+                </a:solidFill>
                 <a:latin typeface="微軟正黑體" pitchFamily="34" charset="-120"/>
                 <a:ea typeface="微軟正黑體" pitchFamily="34" charset="-120"/>
               </a:rPr>
               <a:t>使我的生命 能夠彰</a:t>
             </a:r>
             <a:r>
-              <a:rPr lang="zh-TW" altLang="en-US" sz="4100" b="1" dirty="0" smtClean="0">
+              <a:rPr lang="zh-TW" altLang="en-US" sz="4400" b="1" dirty="0" smtClean="0">
+                <a:solidFill>
+                  <a:srgbClr val="660033"/>
+                </a:solidFill>
                 <a:latin typeface="微軟正黑體" pitchFamily="34" charset="-120"/>
                 <a:ea typeface="微軟正黑體" pitchFamily="34" charset="-120"/>
               </a:rPr>
               <a:t>顯</a:t>
             </a:r>
             <a:r>
-              <a:rPr lang="zh-CN" altLang="en-US" sz="4100" b="1" dirty="0">
+              <a:rPr lang="zh-CN" altLang="en-US" sz="4400" b="1" dirty="0">
+                <a:solidFill>
+                  <a:srgbClr val="660033"/>
+                </a:solidFill>
                 <a:latin typeface="微軟正黑體" pitchFamily="34" charset="-120"/>
                 <a:ea typeface="微軟正黑體" pitchFamily="34" charset="-120"/>
               </a:rPr>
               <a:t>袮</a:t>
             </a:r>
             <a:r>
-              <a:rPr lang="zh-TW" altLang="en-US" sz="4100" b="1" dirty="0" smtClean="0">
+              <a:rPr lang="zh-TW" altLang="en-US" sz="4400" b="1" dirty="0" smtClean="0">
+                <a:solidFill>
+                  <a:srgbClr val="660033"/>
+                </a:solidFill>
                 <a:latin typeface="微軟正黑體" pitchFamily="34" charset="-120"/>
                 <a:ea typeface="微軟正黑體" pitchFamily="34" charset="-120"/>
               </a:rPr>
               <a:t>榮</a:t>
             </a:r>
             <a:r>
-              <a:rPr lang="zh-TW" altLang="en-US" sz="4100" b="1" dirty="0">
+              <a:rPr lang="zh-TW" altLang="en-US" sz="4400" b="1" dirty="0">
+                <a:solidFill>
+                  <a:srgbClr val="660033"/>
+                </a:solidFill>
                 <a:latin typeface="微軟正黑體" pitchFamily="34" charset="-120"/>
                 <a:ea typeface="微軟正黑體" pitchFamily="34" charset="-120"/>
               </a:rPr>
@@ -6017,39 +6797,56 @@
         </p:nvSpPr>
         <p:spPr/>
         <p:txBody>
-          <a:bodyPr/>
+          <a:bodyPr>
+            <a:normAutofit/>
+          </a:bodyPr>
           <a:lstStyle/>
           <a:p>
             <a:r>
-              <a:rPr lang="zh-TW" altLang="en-US" b="1" dirty="0">
+              <a:rPr lang="zh-TW" altLang="en-US" sz="4000" b="1" dirty="0">
+                <a:solidFill>
+                  <a:srgbClr val="660033"/>
+                </a:solidFill>
                 <a:latin typeface="微軟正黑體" pitchFamily="34" charset="-120"/>
                 <a:ea typeface="微軟正黑體" pitchFamily="34" charset="-120"/>
               </a:rPr>
               <a:t>我需要</a:t>
             </a:r>
             <a:r>
-              <a:rPr lang="zh-TW" altLang="en-US" b="1" dirty="0" smtClean="0">
+              <a:rPr lang="zh-TW" altLang="en-US" sz="4000" b="1" dirty="0" smtClean="0">
+                <a:solidFill>
+                  <a:srgbClr val="660033"/>
+                </a:solidFill>
                 <a:latin typeface="微軟正黑體" pitchFamily="34" charset="-120"/>
                 <a:ea typeface="微軟正黑體" pitchFamily="34" charset="-120"/>
               </a:rPr>
               <a:t>有</a:t>
             </a:r>
             <a:r>
-              <a:rPr lang="zh-CN" altLang="en-US" b="1" dirty="0">
+              <a:rPr lang="zh-CN" altLang="en-US" sz="4000" b="1" dirty="0">
+                <a:solidFill>
+                  <a:srgbClr val="660033"/>
+                </a:solidFill>
                 <a:latin typeface="微軟正黑體" pitchFamily="34" charset="-120"/>
                 <a:ea typeface="微軟正黑體" pitchFamily="34" charset="-120"/>
               </a:rPr>
               <a:t>袮</a:t>
             </a:r>
             <a:r>
-              <a:rPr lang="zh-TW" altLang="en-US" b="1" dirty="0" smtClean="0">
+              <a:rPr lang="zh-TW" altLang="en-US" sz="4000" b="1" dirty="0" smtClean="0">
+                <a:solidFill>
+                  <a:srgbClr val="660033"/>
+                </a:solidFill>
                 <a:latin typeface="微軟正黑體" pitchFamily="34" charset="-120"/>
                 <a:ea typeface="微軟正黑體" pitchFamily="34" charset="-120"/>
               </a:rPr>
               <a:t>在</a:t>
             </a:r>
             <a:r>
-              <a:rPr lang="zh-TW" altLang="en-US" b="1" dirty="0">
+              <a:rPr lang="zh-TW" altLang="en-US" sz="4000" b="1" dirty="0">
+                <a:solidFill>
+                  <a:srgbClr val="660033"/>
+                </a:solidFill>
                 <a:latin typeface="微軟正黑體" pitchFamily="34" charset="-120"/>
                 <a:ea typeface="微軟正黑體" pitchFamily="34" charset="-120"/>
               </a:rPr>
@@ -6070,8 +6867,8 @@
         </p:nvSpPr>
         <p:spPr>
           <a:xfrm>
-            <a:off x="1143000" y="1177542"/>
-            <a:ext cx="6858000" cy="3394472"/>
+            <a:off x="0" y="1177542"/>
+            <a:ext cx="9144000" cy="3394472"/>
           </a:xfrm>
         </p:spPr>
         <p:txBody>
@@ -6084,41 +6881,59 @@
               <a:buNone/>
             </a:pPr>
             <a:r>
-              <a:rPr lang="zh-TW" altLang="en-US" sz="4100" b="1" dirty="0">
+              <a:rPr lang="zh-TW" altLang="en-US" sz="4400" b="1" dirty="0">
+                <a:solidFill>
+                  <a:srgbClr val="660033"/>
+                </a:solidFill>
                 <a:latin typeface="微軟正黑體" pitchFamily="34" charset="-120"/>
                 <a:ea typeface="微軟正黑體" pitchFamily="34" charset="-120"/>
               </a:rPr>
               <a:t>我需要</a:t>
             </a:r>
             <a:r>
-              <a:rPr lang="zh-TW" altLang="en-US" sz="4100" b="1" dirty="0" smtClean="0">
+              <a:rPr lang="zh-TW" altLang="en-US" sz="4400" b="1" dirty="0" smtClean="0">
+                <a:solidFill>
+                  <a:srgbClr val="660033"/>
+                </a:solidFill>
                 <a:latin typeface="微軟正黑體" pitchFamily="34" charset="-120"/>
                 <a:ea typeface="微軟正黑體" pitchFamily="34" charset="-120"/>
               </a:rPr>
               <a:t>有</a:t>
             </a:r>
             <a:r>
-              <a:rPr lang="zh-CN" altLang="en-US" sz="4100" b="1" dirty="0">
+              <a:rPr lang="zh-CN" altLang="en-US" sz="4400" b="1" dirty="0">
+                <a:solidFill>
+                  <a:srgbClr val="660033"/>
+                </a:solidFill>
                 <a:latin typeface="微軟正黑體" pitchFamily="34" charset="-120"/>
                 <a:ea typeface="微軟正黑體" pitchFamily="34" charset="-120"/>
               </a:rPr>
               <a:t>袮</a:t>
             </a:r>
             <a:r>
-              <a:rPr lang="zh-TW" altLang="en-US" sz="4100" b="1" dirty="0" smtClean="0">
+              <a:rPr lang="zh-TW" altLang="en-US" sz="4400" b="1" dirty="0" smtClean="0">
+                <a:solidFill>
+                  <a:srgbClr val="660033"/>
+                </a:solidFill>
                 <a:latin typeface="微軟正黑體" pitchFamily="34" charset="-120"/>
                 <a:ea typeface="微軟正黑體" pitchFamily="34" charset="-120"/>
               </a:rPr>
               <a:t>在</a:t>
             </a:r>
             <a:r>
-              <a:rPr lang="zh-TW" altLang="en-US" sz="4100" b="1" dirty="0">
+              <a:rPr lang="zh-TW" altLang="en-US" sz="4400" b="1" dirty="0">
+                <a:solidFill>
+                  <a:srgbClr val="660033"/>
+                </a:solidFill>
                 <a:latin typeface="微軟正黑體" pitchFamily="34" charset="-120"/>
                 <a:ea typeface="微軟正黑體" pitchFamily="34" charset="-120"/>
               </a:rPr>
               <a:t>我生命中 </a:t>
             </a:r>
-            <a:endParaRPr lang="en-US" altLang="zh-TW" sz="4100" b="1" dirty="0">
+            <a:endParaRPr lang="en-US" altLang="zh-TW" sz="4400" b="1" dirty="0">
+              <a:solidFill>
+                <a:srgbClr val="660033"/>
+              </a:solidFill>
               <a:latin typeface="微軟正黑體" pitchFamily="34" charset="-120"/>
               <a:ea typeface="微軟正黑體" pitchFamily="34" charset="-120"/>
             </a:endParaRPr>
@@ -6128,41 +6943,59 @@
               <a:buNone/>
             </a:pPr>
             <a:r>
-              <a:rPr lang="zh-TW" altLang="en-US" sz="4100" b="1" dirty="0">
+              <a:rPr lang="zh-TW" altLang="en-US" sz="4400" b="1" dirty="0">
+                <a:solidFill>
+                  <a:srgbClr val="660033"/>
+                </a:solidFill>
                 <a:latin typeface="微軟正黑體" pitchFamily="34" charset="-120"/>
                 <a:ea typeface="微軟正黑體" pitchFamily="34" charset="-120"/>
               </a:rPr>
               <a:t>好讓我一生能</a:t>
             </a:r>
             <a:r>
-              <a:rPr lang="zh-TW" altLang="en-US" sz="4100" b="1" dirty="0" smtClean="0">
+              <a:rPr lang="zh-TW" altLang="en-US" sz="4400" b="1" dirty="0" smtClean="0">
+                <a:solidFill>
+                  <a:srgbClr val="660033"/>
+                </a:solidFill>
                 <a:latin typeface="微軟正黑體" pitchFamily="34" charset="-120"/>
                 <a:ea typeface="微軟正黑體" pitchFamily="34" charset="-120"/>
               </a:rPr>
               <a:t>學</a:t>
             </a:r>
             <a:r>
-              <a:rPr lang="zh-CN" altLang="en-US" sz="4100" b="1" dirty="0">
+              <a:rPr lang="zh-CN" altLang="en-US" sz="4400" b="1" dirty="0">
+                <a:solidFill>
+                  <a:srgbClr val="660033"/>
+                </a:solidFill>
                 <a:latin typeface="微軟正黑體" pitchFamily="34" charset="-120"/>
                 <a:ea typeface="微軟正黑體" pitchFamily="34" charset="-120"/>
               </a:rPr>
               <a:t>袮</a:t>
             </a:r>
             <a:r>
-              <a:rPr lang="zh-TW" altLang="en-US" sz="4100" b="1" dirty="0" smtClean="0">
+              <a:rPr lang="zh-TW" altLang="en-US" sz="4400" b="1" dirty="0" smtClean="0">
+                <a:solidFill>
+                  <a:srgbClr val="660033"/>
+                </a:solidFill>
                 <a:latin typeface="微軟正黑體" pitchFamily="34" charset="-120"/>
                 <a:ea typeface="微軟正黑體" pitchFamily="34" charset="-120"/>
               </a:rPr>
               <a:t>的</a:t>
             </a:r>
             <a:r>
-              <a:rPr lang="zh-TW" altLang="en-US" sz="4100" b="1" dirty="0">
+              <a:rPr lang="zh-TW" altLang="en-US" sz="4400" b="1" dirty="0">
+                <a:solidFill>
+                  <a:srgbClr val="660033"/>
+                </a:solidFill>
                 <a:latin typeface="微軟正黑體" pitchFamily="34" charset="-120"/>
                 <a:ea typeface="微軟正黑體" pitchFamily="34" charset="-120"/>
               </a:rPr>
               <a:t>樣式 </a:t>
             </a:r>
-            <a:endParaRPr lang="en-US" altLang="zh-TW" sz="4100" b="1" dirty="0">
+            <a:endParaRPr lang="en-US" altLang="zh-TW" sz="4400" b="1" dirty="0">
+              <a:solidFill>
+                <a:srgbClr val="660033"/>
+              </a:solidFill>
               <a:latin typeface="微軟正黑體" pitchFamily="34" charset="-120"/>
               <a:ea typeface="微軟正黑體" pitchFamily="34" charset="-120"/>
             </a:endParaRPr>
@@ -6172,35 +7005,50 @@
               <a:buNone/>
             </a:pPr>
             <a:r>
-              <a:rPr lang="zh-TW" altLang="en-US" sz="4100" b="1" dirty="0">
+              <a:rPr lang="zh-TW" altLang="en-US" sz="4400" b="1" dirty="0">
+                <a:solidFill>
+                  <a:srgbClr val="660033"/>
+                </a:solidFill>
                 <a:latin typeface="微軟正黑體" pitchFamily="34" charset="-120"/>
                 <a:ea typeface="微軟正黑體" pitchFamily="34" charset="-120"/>
               </a:rPr>
               <a:t>使我能成</a:t>
             </a:r>
             <a:r>
-              <a:rPr lang="zh-TW" altLang="en-US" sz="4100" b="1" dirty="0" smtClean="0">
+              <a:rPr lang="zh-TW" altLang="en-US" sz="4400" b="1" dirty="0" smtClean="0">
+                <a:solidFill>
+                  <a:srgbClr val="660033"/>
+                </a:solidFill>
                 <a:latin typeface="微軟正黑體" pitchFamily="34" charset="-120"/>
                 <a:ea typeface="微軟正黑體" pitchFamily="34" charset="-120"/>
               </a:rPr>
               <a:t>為</a:t>
             </a:r>
             <a:r>
-              <a:rPr lang="zh-CN" altLang="en-US" sz="4100" b="1" dirty="0">
+              <a:rPr lang="zh-CN" altLang="en-US" sz="4400" b="1" dirty="0">
+                <a:solidFill>
+                  <a:srgbClr val="660033"/>
+                </a:solidFill>
                 <a:latin typeface="微軟正黑體" pitchFamily="34" charset="-120"/>
                 <a:ea typeface="微軟正黑體" pitchFamily="34" charset="-120"/>
               </a:rPr>
               <a:t>袮</a:t>
             </a:r>
             <a:r>
-              <a:rPr lang="zh-TW" altLang="en-US" sz="4100" b="1" dirty="0" smtClean="0">
+              <a:rPr lang="zh-TW" altLang="en-US" sz="4400" b="1" dirty="0" smtClean="0">
+                <a:solidFill>
+                  <a:srgbClr val="660033"/>
+                </a:solidFill>
                 <a:latin typeface="微軟正黑體" pitchFamily="34" charset="-120"/>
                 <a:ea typeface="微軟正黑體" pitchFamily="34" charset="-120"/>
               </a:rPr>
               <a:t>所</a:t>
             </a:r>
             <a:r>
-              <a:rPr lang="zh-TW" altLang="en-US" sz="4100" b="1" dirty="0">
+              <a:rPr lang="zh-TW" altLang="en-US" sz="4400" b="1" dirty="0">
+                <a:solidFill>
+                  <a:srgbClr val="660033"/>
+                </a:solidFill>
                 <a:latin typeface="微軟正黑體" pitchFamily="34" charset="-120"/>
                 <a:ea typeface="微軟正黑體" pitchFamily="34" charset="-120"/>
               </a:rPr>
@@ -6212,35 +7060,50 @@
               <a:buNone/>
             </a:pPr>
             <a:r>
-              <a:rPr lang="zh-TW" altLang="en-US" sz="4100" b="1" dirty="0">
+              <a:rPr lang="zh-TW" altLang="en-US" sz="4400" b="1" dirty="0">
+                <a:solidFill>
+                  <a:srgbClr val="660033"/>
+                </a:solidFill>
                 <a:latin typeface="微軟正黑體" pitchFamily="34" charset="-120"/>
                 <a:ea typeface="微軟正黑體" pitchFamily="34" charset="-120"/>
               </a:rPr>
               <a:t>使我的生命 能夠彰</a:t>
             </a:r>
             <a:r>
-              <a:rPr lang="zh-TW" altLang="en-US" sz="4100" b="1" dirty="0" smtClean="0">
+              <a:rPr lang="zh-TW" altLang="en-US" sz="4400" b="1" dirty="0" smtClean="0">
+                <a:solidFill>
+                  <a:srgbClr val="660033"/>
+                </a:solidFill>
                 <a:latin typeface="微軟正黑體" pitchFamily="34" charset="-120"/>
                 <a:ea typeface="微軟正黑體" pitchFamily="34" charset="-120"/>
               </a:rPr>
               <a:t>顯</a:t>
             </a:r>
             <a:r>
-              <a:rPr lang="zh-CN" altLang="en-US" sz="4100" b="1" dirty="0">
+              <a:rPr lang="zh-CN" altLang="en-US" sz="4400" b="1" dirty="0">
+                <a:solidFill>
+                  <a:srgbClr val="660033"/>
+                </a:solidFill>
                 <a:latin typeface="微軟正黑體" pitchFamily="34" charset="-120"/>
                 <a:ea typeface="微軟正黑體" pitchFamily="34" charset="-120"/>
               </a:rPr>
               <a:t>袮</a:t>
             </a:r>
             <a:r>
-              <a:rPr lang="zh-TW" altLang="en-US" sz="4100" b="1" dirty="0" smtClean="0">
+              <a:rPr lang="zh-TW" altLang="en-US" sz="4400" b="1" dirty="0" smtClean="0">
+                <a:solidFill>
+                  <a:srgbClr val="660033"/>
+                </a:solidFill>
                 <a:latin typeface="微軟正黑體" pitchFamily="34" charset="-120"/>
                 <a:ea typeface="微軟正黑體" pitchFamily="34" charset="-120"/>
               </a:rPr>
               <a:t>榮</a:t>
             </a:r>
             <a:r>
-              <a:rPr lang="zh-TW" altLang="en-US" sz="4100" b="1" dirty="0">
+              <a:rPr lang="zh-TW" altLang="en-US" sz="4400" b="1" dirty="0">
+                <a:solidFill>
+                  <a:srgbClr val="660033"/>
+                </a:solidFill>
                 <a:latin typeface="微軟正黑體" pitchFamily="34" charset="-120"/>
                 <a:ea typeface="微軟正黑體" pitchFamily="34" charset="-120"/>
               </a:rPr>
@@ -6293,6 +7156,9 @@
           <a:p>
             <a:r>
               <a:rPr lang="zh-CN" altLang="en-US" b="1" dirty="0">
+                <a:solidFill>
+                  <a:srgbClr val="002060"/>
+                </a:solidFill>
                 <a:latin typeface="微軟正黑體" pitchFamily="34" charset="-120"/>
                 <a:ea typeface="微軟正黑體" pitchFamily="34" charset="-120"/>
               </a:rPr>
@@ -6300,6 +7166,9 @@
             </a:r>
             <a:r>
               <a:rPr lang="zh-TW" altLang="en-US" b="1" dirty="0" smtClean="0">
+                <a:solidFill>
+                  <a:srgbClr val="002060"/>
+                </a:solidFill>
                 <a:latin typeface="微軟正黑體" pitchFamily="34" charset="-120"/>
                 <a:ea typeface="微軟正黑體" pitchFamily="34" charset="-120"/>
               </a:rPr>
@@ -6307,6 +7176,9 @@
             </a:r>
             <a:r>
               <a:rPr lang="zh-TW" altLang="en-US" b="1" dirty="0">
+                <a:solidFill>
+                  <a:srgbClr val="002060"/>
+                </a:solidFill>
                 <a:latin typeface="微軟正黑體" pitchFamily="34" charset="-120"/>
                 <a:ea typeface="微軟正黑體" pitchFamily="34" charset="-120"/>
               </a:rPr>
@@ -6342,6 +7214,9 @@
             </a:pPr>
             <a:r>
               <a:rPr lang="zh-CN" altLang="en-US" sz="4800" b="1" dirty="0">
+                <a:solidFill>
+                  <a:srgbClr val="002060"/>
+                </a:solidFill>
                 <a:latin typeface="微軟正黑體" pitchFamily="34" charset="-120"/>
                 <a:ea typeface="微軟正黑體" pitchFamily="34" charset="-120"/>
               </a:rPr>
@@ -6349,6 +7224,9 @@
             </a:r>
             <a:r>
               <a:rPr lang="zh-TW" altLang="en-US" sz="4800" b="1" dirty="0" smtClean="0">
+                <a:solidFill>
+                  <a:srgbClr val="002060"/>
+                </a:solidFill>
                 <a:latin typeface="微軟正黑體" pitchFamily="34" charset="-120"/>
                 <a:ea typeface="微軟正黑體" pitchFamily="34" charset="-120"/>
               </a:rPr>
@@ -6356,12 +7234,18 @@
             </a:r>
             <a:r>
               <a:rPr lang="zh-TW" altLang="en-US" sz="4800" b="1" dirty="0">
+                <a:solidFill>
+                  <a:srgbClr val="002060"/>
+                </a:solidFill>
                 <a:latin typeface="微軟正黑體" pitchFamily="34" charset="-120"/>
                 <a:ea typeface="微軟正黑體" pitchFamily="34" charset="-120"/>
               </a:rPr>
               <a:t>義審判萬民</a:t>
             </a:r>
             <a:endParaRPr lang="en-US" altLang="zh-TW" sz="4800" b="1" dirty="0">
+              <a:solidFill>
+                <a:srgbClr val="002060"/>
+              </a:solidFill>
               <a:latin typeface="微軟正黑體" pitchFamily="34" charset="-120"/>
               <a:ea typeface="微軟正黑體" pitchFamily="34" charset="-120"/>
             </a:endParaRPr>
@@ -6372,6 +7256,9 @@
             </a:pPr>
             <a:r>
               <a:rPr lang="zh-TW" altLang="en-US" sz="4800" b="1" dirty="0">
+                <a:solidFill>
+                  <a:srgbClr val="002060"/>
+                </a:solidFill>
                 <a:latin typeface="微軟正黑體" pitchFamily="34" charset="-120"/>
                 <a:ea typeface="微軟正黑體" pitchFamily="34" charset="-120"/>
               </a:rPr>
@@ -6379,12 +7266,18 @@
             </a:r>
             <a:r>
               <a:rPr lang="zh-TW" altLang="en-US" sz="4800" b="1" dirty="0" smtClean="0">
+                <a:solidFill>
+                  <a:srgbClr val="002060"/>
+                </a:solidFill>
                 <a:latin typeface="微軟正黑體" pitchFamily="34" charset="-120"/>
                 <a:ea typeface="微軟正黑體" pitchFamily="34" charset="-120"/>
               </a:rPr>
               <a:t>地</a:t>
             </a:r>
             <a:endParaRPr lang="en-US" altLang="zh-TW" sz="4800" b="1" dirty="0" smtClean="0">
+              <a:solidFill>
+                <a:srgbClr val="002060"/>
+              </a:solidFill>
               <a:latin typeface="微軟正黑體" pitchFamily="34" charset="-120"/>
               <a:ea typeface="微軟正黑體" pitchFamily="34" charset="-120"/>
             </a:endParaRPr>
@@ -6395,12 +7288,18 @@
             </a:pPr>
             <a:r>
               <a:rPr lang="zh-TW" altLang="en-US" sz="4800" b="1" dirty="0" smtClean="0">
+                <a:solidFill>
+                  <a:srgbClr val="002060"/>
+                </a:solidFill>
                 <a:latin typeface="微軟正黑體" pitchFamily="34" charset="-120"/>
                 <a:ea typeface="微軟正黑體" pitchFamily="34" charset="-120"/>
               </a:rPr>
               <a:t>但你卻一再賜恩典</a:t>
             </a:r>
             <a:endParaRPr lang="en-US" altLang="zh-TW" sz="4800" b="1" dirty="0" smtClean="0">
+              <a:solidFill>
+                <a:srgbClr val="002060"/>
+              </a:solidFill>
               <a:latin typeface="微軟正黑體" pitchFamily="34" charset="-120"/>
               <a:ea typeface="微軟正黑體" pitchFamily="34" charset="-120"/>
             </a:endParaRPr>
@@ -6411,6 +7310,9 @@
             </a:pPr>
             <a:r>
               <a:rPr lang="zh-TW" altLang="en-US" sz="4800" b="1" dirty="0" smtClean="0">
+                <a:solidFill>
+                  <a:srgbClr val="002060"/>
+                </a:solidFill>
                 <a:latin typeface="微軟正黑體" pitchFamily="34" charset="-120"/>
                 <a:ea typeface="微軟正黑體" pitchFamily="34" charset="-120"/>
               </a:rPr>
@@ -6418,6 +7320,9 @@
             </a:r>
             <a:r>
               <a:rPr lang="zh-TW" altLang="en-US" sz="4800" b="1" dirty="0">
+                <a:solidFill>
+                  <a:srgbClr val="002060"/>
+                </a:solidFill>
                 <a:latin typeface="微軟正黑體" pitchFamily="34" charset="-120"/>
                 <a:ea typeface="微軟正黑體" pitchFamily="34" charset="-120"/>
               </a:rPr>
@@ -6425,6 +7330,9 @@
             </a:r>
             <a:r>
               <a:rPr lang="zh-TW" altLang="en-US" sz="4800" b="1" dirty="0" smtClean="0">
+                <a:solidFill>
+                  <a:srgbClr val="002060"/>
+                </a:solidFill>
                 <a:latin typeface="微軟正黑體" pitchFamily="34" charset="-120"/>
                 <a:ea typeface="微軟正黑體" pitchFamily="34" charset="-120"/>
               </a:rPr>
@@ -6432,6 +7340,9 @@
             </a:r>
             <a:r>
               <a:rPr lang="zh-TW" altLang="en-US" sz="4800" b="1" dirty="0">
+                <a:solidFill>
+                  <a:srgbClr val="002060"/>
+                </a:solidFill>
                 <a:latin typeface="微軟正黑體" pitchFamily="34" charset="-120"/>
                 <a:ea typeface="微軟正黑體" pitchFamily="34" charset="-120"/>
               </a:rPr>
@@ -6439,6 +7350,9 @@
             </a:r>
             <a:r>
               <a:rPr lang="zh-TW" altLang="en-US" sz="4800" b="1" dirty="0" smtClean="0">
+                <a:solidFill>
+                  <a:srgbClr val="002060"/>
+                </a:solidFill>
                 <a:latin typeface="微軟正黑體" pitchFamily="34" charset="-120"/>
                 <a:ea typeface="微軟正黑體" pitchFamily="34" charset="-120"/>
               </a:rPr>
@@ -6446,12 +7360,18 @@
             </a:r>
             <a:r>
               <a:rPr lang="zh-CN" altLang="en-US" sz="4800" b="1" dirty="0">
+                <a:solidFill>
+                  <a:srgbClr val="002060"/>
+                </a:solidFill>
                 <a:latin typeface="微軟正黑體" pitchFamily="34" charset="-120"/>
                 <a:ea typeface="微軟正黑體" pitchFamily="34" charset="-120"/>
               </a:rPr>
               <a:t>袮</a:t>
             </a:r>
             <a:endParaRPr lang="zh-TW" altLang="en-US" sz="4800" b="1" dirty="0">
+              <a:solidFill>
+                <a:srgbClr val="002060"/>
+              </a:solidFill>
               <a:latin typeface="微軟正黑體" pitchFamily="34" charset="-120"/>
               <a:ea typeface="微軟正黑體" pitchFamily="34" charset="-120"/>
             </a:endParaRPr>
@@ -6502,6 +7422,9 @@
           <a:p>
             <a:r>
               <a:rPr lang="zh-CN" altLang="en-US" b="1" dirty="0">
+                <a:solidFill>
+                  <a:srgbClr val="002060"/>
+                </a:solidFill>
                 <a:latin typeface="微軟正黑體" pitchFamily="34" charset="-120"/>
                 <a:ea typeface="微軟正黑體" pitchFamily="34" charset="-120"/>
               </a:rPr>
@@ -6509,6 +7432,9 @@
             </a:r>
             <a:r>
               <a:rPr lang="zh-TW" altLang="en-US" b="1" dirty="0" smtClean="0">
+                <a:solidFill>
+                  <a:srgbClr val="002060"/>
+                </a:solidFill>
                 <a:latin typeface="微軟正黑體" pitchFamily="34" charset="-120"/>
                 <a:ea typeface="微軟正黑體" pitchFamily="34" charset="-120"/>
               </a:rPr>
@@ -6516,6 +7442,9 @@
             </a:r>
             <a:r>
               <a:rPr lang="zh-TW" altLang="en-US" b="1" dirty="0">
+                <a:solidFill>
+                  <a:srgbClr val="002060"/>
+                </a:solidFill>
                 <a:latin typeface="微軟正黑體" pitchFamily="34" charset="-120"/>
                 <a:ea typeface="微軟正黑體" pitchFamily="34" charset="-120"/>
               </a:rPr>
@@ -6551,6 +7480,9 @@
             </a:pPr>
             <a:r>
               <a:rPr lang="zh-CN" altLang="en-US" sz="4800" b="1" dirty="0">
+                <a:solidFill>
+                  <a:srgbClr val="002060"/>
+                </a:solidFill>
                 <a:latin typeface="微軟正黑體" pitchFamily="34" charset="-120"/>
                 <a:ea typeface="微軟正黑體" pitchFamily="34" charset="-120"/>
               </a:rPr>
@@ -6558,6 +7490,9 @@
             </a:r>
             <a:r>
               <a:rPr lang="zh-TW" altLang="en-US" sz="4800" b="1" dirty="0" smtClean="0">
+                <a:solidFill>
+                  <a:srgbClr val="002060"/>
+                </a:solidFill>
                 <a:latin typeface="微軟正黑體" pitchFamily="34" charset="-120"/>
                 <a:ea typeface="微軟正黑體" pitchFamily="34" charset="-120"/>
               </a:rPr>
@@ -6565,12 +7500,18 @@
             </a:r>
             <a:r>
               <a:rPr lang="zh-TW" altLang="en-US" sz="4800" b="1" dirty="0">
+                <a:solidFill>
+                  <a:srgbClr val="002060"/>
+                </a:solidFill>
                 <a:latin typeface="微軟正黑體" pitchFamily="34" charset="-120"/>
                 <a:ea typeface="微軟正黑體" pitchFamily="34" charset="-120"/>
               </a:rPr>
               <a:t>愛如此溫柔</a:t>
             </a:r>
             <a:endParaRPr lang="en-US" altLang="zh-TW" sz="4800" b="1" dirty="0">
+              <a:solidFill>
+                <a:srgbClr val="002060"/>
+              </a:solidFill>
               <a:latin typeface="微軟正黑體" pitchFamily="34" charset="-120"/>
               <a:ea typeface="微軟正黑體" pitchFamily="34" charset="-120"/>
             </a:endParaRPr>
@@ -6581,12 +7522,18 @@
             </a:pPr>
             <a:r>
               <a:rPr lang="zh-TW" altLang="en-US" sz="4800" b="1" dirty="0">
+                <a:solidFill>
+                  <a:srgbClr val="002060"/>
+                </a:solidFill>
                 <a:latin typeface="微軟正黑體" pitchFamily="34" charset="-120"/>
                 <a:ea typeface="微軟正黑體" pitchFamily="34" charset="-120"/>
               </a:rPr>
               <a:t>超乎我心所想</a:t>
             </a:r>
             <a:endParaRPr lang="en-US" altLang="zh-TW" sz="4800" b="1" dirty="0">
+              <a:solidFill>
+                <a:srgbClr val="002060"/>
+              </a:solidFill>
               <a:latin typeface="微軟正黑體" pitchFamily="34" charset="-120"/>
               <a:ea typeface="微軟正黑體" pitchFamily="34" charset="-120"/>
             </a:endParaRPr>
@@ -6597,12 +7544,18 @@
             </a:pPr>
             <a:r>
               <a:rPr lang="zh-TW" altLang="en-US" sz="4800" b="1" dirty="0">
+                <a:solidFill>
+                  <a:srgbClr val="002060"/>
+                </a:solidFill>
                 <a:latin typeface="微軟正黑體" pitchFamily="34" charset="-120"/>
                 <a:ea typeface="微軟正黑體" pitchFamily="34" charset="-120"/>
               </a:rPr>
               <a:t>這樣大有能力的主</a:t>
             </a:r>
             <a:endParaRPr lang="en-US" altLang="zh-TW" sz="4800" b="1" dirty="0">
+              <a:solidFill>
+                <a:srgbClr val="002060"/>
+              </a:solidFill>
               <a:latin typeface="微軟正黑體" pitchFamily="34" charset="-120"/>
               <a:ea typeface="微軟正黑體" pitchFamily="34" charset="-120"/>
             </a:endParaRPr>
@@ -6613,6 +7566,9 @@
             </a:pPr>
             <a:r>
               <a:rPr lang="zh-TW" altLang="en-US" sz="4800" b="1" dirty="0">
+                <a:solidFill>
+                  <a:srgbClr val="002060"/>
+                </a:solidFill>
                 <a:latin typeface="微軟正黑體" pitchFamily="34" charset="-120"/>
                 <a:ea typeface="微軟正黑體" pitchFamily="34" charset="-120"/>
               </a:rPr>
@@ -6620,6 +7576,9 @@
             </a:r>
             <a:r>
               <a:rPr lang="zh-TW" altLang="en-US" sz="4800" b="1" dirty="0" smtClean="0">
+                <a:solidFill>
+                  <a:srgbClr val="002060"/>
+                </a:solidFill>
                 <a:latin typeface="微軟正黑體" pitchFamily="34" charset="-120"/>
                 <a:ea typeface="微軟正黑體" pitchFamily="34" charset="-120"/>
               </a:rPr>
@@ -6627,6 +7586,9 @@
             </a:r>
             <a:r>
               <a:rPr lang="zh-CN" altLang="en-US" sz="4800" b="1" dirty="0" smtClean="0">
+                <a:solidFill>
+                  <a:srgbClr val="002060"/>
+                </a:solidFill>
                 <a:latin typeface="微軟正黑體" pitchFamily="34" charset="-120"/>
                 <a:ea typeface="微軟正黑體" pitchFamily="34" charset="-120"/>
               </a:rPr>
@@ -6634,6 +7596,9 @@
             </a:r>
             <a:r>
               <a:rPr lang="zh-TW" altLang="en-US" sz="4800" b="1" dirty="0" smtClean="0">
+                <a:solidFill>
+                  <a:srgbClr val="002060"/>
+                </a:solidFill>
                 <a:latin typeface="微軟正黑體" pitchFamily="34" charset="-120"/>
                 <a:ea typeface="微軟正黑體" pitchFamily="34" charset="-120"/>
               </a:rPr>
@@ -6641,6 +7606,9 @@
             </a:r>
             <a:r>
               <a:rPr lang="zh-TW" altLang="en-US" sz="4800" b="1" dirty="0">
+                <a:solidFill>
+                  <a:srgbClr val="002060"/>
+                </a:solidFill>
                 <a:latin typeface="微軟正黑體" pitchFamily="34" charset="-120"/>
                 <a:ea typeface="微軟正黑體" pitchFamily="34" charset="-120"/>
               </a:rPr>
@@ -6693,6 +7661,9 @@
           <a:p>
             <a:r>
               <a:rPr lang="zh-CN" altLang="en-US" b="1" dirty="0">
+                <a:solidFill>
+                  <a:srgbClr val="002060"/>
+                </a:solidFill>
                 <a:latin typeface="微軟正黑體" pitchFamily="34" charset="-120"/>
                 <a:ea typeface="微軟正黑體" pitchFamily="34" charset="-120"/>
               </a:rPr>
@@ -6700,6 +7671,9 @@
             </a:r>
             <a:r>
               <a:rPr lang="zh-TW" altLang="en-US" b="1" dirty="0" smtClean="0">
+                <a:solidFill>
+                  <a:srgbClr val="002060"/>
+                </a:solidFill>
                 <a:latin typeface="微軟正黑體" pitchFamily="34" charset="-120"/>
                 <a:ea typeface="微軟正黑體" pitchFamily="34" charset="-120"/>
               </a:rPr>
@@ -6707,6 +7681,9 @@
             </a:r>
             <a:r>
               <a:rPr lang="zh-TW" altLang="en-US" b="1" dirty="0">
+                <a:solidFill>
+                  <a:srgbClr val="002060"/>
+                </a:solidFill>
                 <a:latin typeface="微軟正黑體" pitchFamily="34" charset="-120"/>
                 <a:ea typeface="微軟正黑體" pitchFamily="34" charset="-120"/>
               </a:rPr>
@@ -6742,6 +7719,9 @@
             </a:pPr>
             <a:r>
               <a:rPr lang="zh-CN" altLang="en-US" sz="4800" b="1" dirty="0">
+                <a:solidFill>
+                  <a:srgbClr val="002060"/>
+                </a:solidFill>
                 <a:latin typeface="微軟正黑體" pitchFamily="34" charset="-120"/>
                 <a:ea typeface="微軟正黑體" pitchFamily="34" charset="-120"/>
               </a:rPr>
@@ -6749,6 +7729,9 @@
             </a:r>
             <a:r>
               <a:rPr lang="zh-TW" altLang="en-US" sz="4800" b="1" dirty="0" smtClean="0">
+                <a:solidFill>
+                  <a:srgbClr val="002060"/>
+                </a:solidFill>
                 <a:latin typeface="微軟正黑體" pitchFamily="34" charset="-120"/>
                 <a:ea typeface="微軟正黑體" pitchFamily="34" charset="-120"/>
               </a:rPr>
@@ -6756,6 +7739,9 @@
             </a:r>
             <a:r>
               <a:rPr lang="zh-TW" altLang="en-US" sz="4800" b="1" dirty="0">
+                <a:solidFill>
+                  <a:srgbClr val="002060"/>
+                </a:solidFill>
                 <a:latin typeface="微軟正黑體" pitchFamily="34" charset="-120"/>
                 <a:ea typeface="微軟正黑體" pitchFamily="34" charset="-120"/>
               </a:rPr>
@@ -6763,6 +7749,9 @@
             </a:r>
             <a:r>
               <a:rPr lang="zh-TW" altLang="en-US" sz="4800" b="1" dirty="0" smtClean="0">
+                <a:solidFill>
+                  <a:srgbClr val="002060"/>
+                </a:solidFill>
                 <a:latin typeface="微軟正黑體" pitchFamily="34" charset="-120"/>
                 <a:ea typeface="微軟正黑體" pitchFamily="34" charset="-120"/>
               </a:rPr>
@@ -6770,6 +7759,9 @@
             </a:r>
             <a:r>
               <a:rPr lang="en-US" altLang="zh-TW" sz="4800" b="1" dirty="0">
+                <a:solidFill>
+                  <a:srgbClr val="002060"/>
+                </a:solidFill>
                 <a:latin typeface="微軟正黑體" pitchFamily="34" charset="-120"/>
                 <a:ea typeface="微軟正黑體" pitchFamily="34" charset="-120"/>
               </a:rPr>
@@ -6777,6 +7769,9 @@
             </a:r>
             <a:r>
               <a:rPr lang="en-US" altLang="zh-TW" sz="4800" b="1" dirty="0" smtClean="0">
+                <a:solidFill>
+                  <a:srgbClr val="002060"/>
+                </a:solidFill>
                 <a:latin typeface="微軟正黑體" pitchFamily="34" charset="-120"/>
                 <a:ea typeface="微軟正黑體" pitchFamily="34" charset="-120"/>
               </a:rPr>
@@ -6789,6 +7784,9 @@
             </a:pPr>
             <a:r>
               <a:rPr lang="zh-TW" altLang="en-US" sz="4800" b="1" dirty="0" smtClean="0">
+                <a:solidFill>
+                  <a:srgbClr val="002060"/>
+                </a:solidFill>
                 <a:latin typeface="微軟正黑體" pitchFamily="34" charset="-120"/>
                 <a:ea typeface="微軟正黑體" pitchFamily="34" charset="-120"/>
               </a:rPr>
@@ -6796,12 +7794,18 @@
             </a:r>
             <a:r>
               <a:rPr lang="zh-TW" altLang="en-US" sz="4800" b="1" dirty="0">
+                <a:solidFill>
+                  <a:srgbClr val="002060"/>
+                </a:solidFill>
                 <a:latin typeface="微軟正黑體" pitchFamily="34" charset="-120"/>
                 <a:ea typeface="微軟正黑體" pitchFamily="34" charset="-120"/>
               </a:rPr>
               <a:t>知我無以報答</a:t>
             </a:r>
             <a:endParaRPr lang="en-US" altLang="zh-TW" sz="4800" b="1" dirty="0">
+              <a:solidFill>
+                <a:srgbClr val="002060"/>
+              </a:solidFill>
               <a:latin typeface="微軟正黑體" pitchFamily="34" charset="-120"/>
               <a:ea typeface="微軟正黑體" pitchFamily="34" charset="-120"/>
             </a:endParaRPr>
@@ -6812,6 +7816,9 @@
             </a:pPr>
             <a:r>
               <a:rPr lang="zh-TW" altLang="en-US" sz="4800" b="1" dirty="0">
+                <a:solidFill>
+                  <a:srgbClr val="002060"/>
+                </a:solidFill>
                 <a:latin typeface="微軟正黑體" pitchFamily="34" charset="-120"/>
                 <a:ea typeface="微軟正黑體" pitchFamily="34" charset="-120"/>
               </a:rPr>
@@ -6819,12 +7826,18 @@
             </a:r>
             <a:r>
               <a:rPr lang="zh-TW" altLang="en-US" sz="4800" b="1" dirty="0" smtClean="0">
+                <a:solidFill>
+                  <a:srgbClr val="002060"/>
+                </a:solidFill>
                 <a:latin typeface="微軟正黑體" pitchFamily="34" charset="-120"/>
                 <a:ea typeface="微軟正黑體" pitchFamily="34" charset="-120"/>
               </a:rPr>
               <a:t>命</a:t>
             </a:r>
             <a:endParaRPr lang="en-US" altLang="zh-TW" sz="4800" b="1" dirty="0">
+              <a:solidFill>
+                <a:srgbClr val="002060"/>
+              </a:solidFill>
               <a:latin typeface="微軟正黑體" pitchFamily="34" charset="-120"/>
               <a:ea typeface="微軟正黑體" pitchFamily="34" charset="-120"/>
             </a:endParaRPr>
@@ -6875,6 +7888,9 @@
           <a:p>
             <a:r>
               <a:rPr lang="zh-CN" altLang="en-US" b="1" dirty="0">
+                <a:solidFill>
+                  <a:srgbClr val="002060"/>
+                </a:solidFill>
                 <a:latin typeface="微軟正黑體" pitchFamily="34" charset="-120"/>
                 <a:ea typeface="微軟正黑體" pitchFamily="34" charset="-120"/>
               </a:rPr>
@@ -6882,6 +7898,9 @@
             </a:r>
             <a:r>
               <a:rPr lang="zh-TW" altLang="en-US" b="1" dirty="0" smtClean="0">
+                <a:solidFill>
+                  <a:srgbClr val="002060"/>
+                </a:solidFill>
                 <a:latin typeface="微軟正黑體" pitchFamily="34" charset="-120"/>
                 <a:ea typeface="微軟正黑體" pitchFamily="34" charset="-120"/>
               </a:rPr>
@@ -6889,6 +7908,9 @@
             </a:r>
             <a:r>
               <a:rPr lang="zh-TW" altLang="en-US" b="1" dirty="0">
+                <a:solidFill>
+                  <a:srgbClr val="002060"/>
+                </a:solidFill>
                 <a:latin typeface="微軟正黑體" pitchFamily="34" charset="-120"/>
                 <a:ea typeface="微軟正黑體" pitchFamily="34" charset="-120"/>
               </a:rPr>
@@ -6924,6 +7946,9 @@
             </a:pPr>
             <a:r>
               <a:rPr lang="zh-TW" altLang="en-US" sz="4800" b="1" dirty="0" smtClean="0">
+                <a:solidFill>
+                  <a:srgbClr val="002060"/>
+                </a:solidFill>
                 <a:latin typeface="微軟正黑體" pitchFamily="34" charset="-120"/>
                 <a:ea typeface="微軟正黑體" pitchFamily="34" charset="-120"/>
               </a:rPr>
@@ -6931,6 +7956,9 @@
             </a:r>
             <a:r>
               <a:rPr lang="zh-CN" altLang="en-US" sz="4800" b="1" dirty="0">
+                <a:solidFill>
+                  <a:srgbClr val="002060"/>
+                </a:solidFill>
                 <a:latin typeface="微軟正黑體" pitchFamily="34" charset="-120"/>
                 <a:ea typeface="微軟正黑體" pitchFamily="34" charset="-120"/>
               </a:rPr>
@@ -6938,6 +7966,9 @@
             </a:r>
             <a:r>
               <a:rPr lang="zh-TW" altLang="en-US" sz="4800" b="1" dirty="0" smtClean="0">
+                <a:solidFill>
+                  <a:srgbClr val="002060"/>
+                </a:solidFill>
                 <a:latin typeface="微軟正黑體" pitchFamily="34" charset="-120"/>
                 <a:ea typeface="微軟正黑體" pitchFamily="34" charset="-120"/>
               </a:rPr>
@@ -6945,12 +7976,18 @@
             </a:r>
             <a:r>
               <a:rPr lang="zh-TW" altLang="en-US" sz="4800" b="1" dirty="0">
+                <a:solidFill>
+                  <a:srgbClr val="002060"/>
+                </a:solidFill>
                 <a:latin typeface="微軟正黑體" pitchFamily="34" charset="-120"/>
                 <a:ea typeface="微軟正黑體" pitchFamily="34" charset="-120"/>
               </a:rPr>
               <a:t>卑的樣式</a:t>
             </a:r>
             <a:endParaRPr lang="en-US" altLang="zh-TW" sz="4800" b="1" dirty="0">
+              <a:solidFill>
+                <a:srgbClr val="002060"/>
+              </a:solidFill>
               <a:latin typeface="微軟正黑體" pitchFamily="34" charset="-120"/>
               <a:ea typeface="微軟正黑體" pitchFamily="34" charset="-120"/>
             </a:endParaRPr>
@@ -6961,6 +7998,9 @@
             </a:pPr>
             <a:r>
               <a:rPr lang="zh-TW" altLang="en-US" sz="4800" b="1" dirty="0">
+                <a:solidFill>
+                  <a:srgbClr val="002060"/>
+                </a:solidFill>
                 <a:latin typeface="微軟正黑體" pitchFamily="34" charset="-120"/>
                 <a:ea typeface="微軟正黑體" pitchFamily="34" charset="-120"/>
               </a:rPr>
@@ -6972,7 +8012,7 @@
     </p:spTree>
     <p:extLst>
       <p:ext uri="{BB962C8B-B14F-4D97-AF65-F5344CB8AC3E}">
-        <p14:creationId xmlns:p14="http://schemas.microsoft.com/office/powerpoint/2010/main" xmlns="" val="3767142376"/>
+        <p14:creationId xmlns="" xmlns:p14="http://schemas.microsoft.com/office/powerpoint/2010/main" val="3767142376"/>
       </p:ext>
     </p:extLst>
   </p:cSld>
@@ -7018,6 +8058,9 @@
           <a:p>
             <a:r>
               <a:rPr lang="zh-CN" altLang="en-US" b="1" dirty="0">
+                <a:solidFill>
+                  <a:srgbClr val="002060"/>
+                </a:solidFill>
                 <a:latin typeface="微軟正黑體" pitchFamily="34" charset="-120"/>
                 <a:ea typeface="微軟正黑體" pitchFamily="34" charset="-120"/>
               </a:rPr>
@@ -7025,6 +8068,9 @@
             </a:r>
             <a:r>
               <a:rPr lang="zh-TW" altLang="en-US" b="1" dirty="0" smtClean="0">
+                <a:solidFill>
+                  <a:srgbClr val="002060"/>
+                </a:solidFill>
                 <a:latin typeface="微軟正黑體" pitchFamily="34" charset="-120"/>
                 <a:ea typeface="微軟正黑體" pitchFamily="34" charset="-120"/>
               </a:rPr>
@@ -7032,6 +8078,9 @@
             </a:r>
             <a:r>
               <a:rPr lang="zh-TW" altLang="en-US" b="1" dirty="0">
+                <a:solidFill>
+                  <a:srgbClr val="002060"/>
+                </a:solidFill>
                 <a:latin typeface="微軟正黑體" pitchFamily="34" charset="-120"/>
                 <a:ea typeface="微軟正黑體" pitchFamily="34" charset="-120"/>
               </a:rPr>
@@ -7062,6 +8111,9 @@
             </a:pPr>
             <a:r>
               <a:rPr lang="zh-CN" altLang="en-US" sz="4800" b="1" dirty="0">
+                <a:solidFill>
+                  <a:srgbClr val="002060"/>
+                </a:solidFill>
                 <a:latin typeface="微軟正黑體" pitchFamily="34" charset="-120"/>
                 <a:ea typeface="微軟正黑體" pitchFamily="34" charset="-120"/>
               </a:rPr>
@@ -7069,6 +8121,9 @@
             </a:r>
             <a:r>
               <a:rPr lang="zh-TW" altLang="en-US" sz="4800" b="1" dirty="0" smtClean="0">
+                <a:solidFill>
+                  <a:srgbClr val="002060"/>
+                </a:solidFill>
                 <a:latin typeface="微軟正黑體" pitchFamily="34" charset="-120"/>
                 <a:ea typeface="微軟正黑體" pitchFamily="34" charset="-120"/>
               </a:rPr>
@@ -7076,6 +8131,9 @@
             </a:r>
             <a:r>
               <a:rPr lang="zh-TW" altLang="en-US" sz="4800" b="1" dirty="0">
+                <a:solidFill>
+                  <a:srgbClr val="002060"/>
+                </a:solidFill>
                 <a:latin typeface="微軟正黑體" pitchFamily="34" charset="-120"/>
                 <a:ea typeface="微軟正黑體" pitchFamily="34" charset="-120"/>
               </a:rPr>
@@ -7083,12 +8141,18 @@
             </a:r>
             <a:r>
               <a:rPr lang="zh-TW" altLang="en-US" sz="4800" b="1" dirty="0" smtClean="0">
+                <a:solidFill>
+                  <a:srgbClr val="002060"/>
+                </a:solidFill>
                 <a:latin typeface="微軟正黑體" pitchFamily="34" charset="-120"/>
                 <a:ea typeface="微軟正黑體" pitchFamily="34" charset="-120"/>
               </a:rPr>
               <a:t>萬物</a:t>
             </a:r>
             <a:endParaRPr lang="en-US" altLang="zh-TW" sz="4800" b="1" dirty="0" smtClean="0">
+              <a:solidFill>
+                <a:srgbClr val="002060"/>
+              </a:solidFill>
               <a:latin typeface="微軟正黑體" pitchFamily="34" charset="-120"/>
               <a:ea typeface="微軟正黑體" pitchFamily="34" charset="-120"/>
             </a:endParaRPr>
@@ -7099,6 +8163,9 @@
             </a:pPr>
             <a:r>
               <a:rPr lang="zh-TW" altLang="en-US" sz="4800" b="1" dirty="0" smtClean="0">
+                <a:solidFill>
+                  <a:srgbClr val="002060"/>
+                </a:solidFill>
                 <a:latin typeface="微軟正黑體" pitchFamily="34" charset="-120"/>
                 <a:ea typeface="微軟正黑體" pitchFamily="34" charset="-120"/>
               </a:rPr>
@@ -7106,6 +8173,9 @@
             </a:r>
             <a:r>
               <a:rPr lang="zh-TW" altLang="en-US" sz="4800" b="1" dirty="0">
+                <a:solidFill>
+                  <a:srgbClr val="002060"/>
+                </a:solidFill>
                 <a:latin typeface="微軟正黑體" pitchFamily="34" charset="-120"/>
                 <a:ea typeface="微軟正黑體" pitchFamily="34" charset="-120"/>
               </a:rPr>
@@ -7113,12 +8183,18 @@
             </a:r>
             <a:r>
               <a:rPr lang="zh-TW" altLang="en-US" sz="4800" b="1" dirty="0" smtClean="0">
+                <a:solidFill>
+                  <a:srgbClr val="002060"/>
+                </a:solidFill>
                 <a:latin typeface="微軟正黑體" pitchFamily="34" charset="-120"/>
                 <a:ea typeface="微軟正黑體" pitchFamily="34" charset="-120"/>
               </a:rPr>
               <a:t>所有</a:t>
             </a:r>
             <a:endParaRPr lang="en-US" altLang="zh-TW" sz="4800" b="1" dirty="0">
+              <a:solidFill>
+                <a:srgbClr val="002060"/>
+              </a:solidFill>
               <a:latin typeface="微軟正黑體" pitchFamily="34" charset="-120"/>
               <a:ea typeface="微軟正黑體" pitchFamily="34" charset="-120"/>
             </a:endParaRPr>
@@ -7129,6 +8205,9 @@
             </a:pPr>
             <a:r>
               <a:rPr lang="zh-TW" altLang="en-US" sz="4800" b="1" dirty="0" smtClean="0">
+                <a:solidFill>
+                  <a:srgbClr val="002060"/>
+                </a:solidFill>
                 <a:latin typeface="微軟正黑體" pitchFamily="34" charset="-120"/>
                 <a:ea typeface="微軟正黑體" pitchFamily="34" charset="-120"/>
               </a:rPr>
@@ -7136,6 +8215,9 @@
             </a:r>
             <a:r>
               <a:rPr lang="zh-CN" altLang="en-US" sz="4800" b="1" dirty="0">
+                <a:solidFill>
+                  <a:srgbClr val="002060"/>
+                </a:solidFill>
                 <a:latin typeface="微軟正黑體" pitchFamily="34" charset="-120"/>
                 <a:ea typeface="微軟正黑體" pitchFamily="34" charset="-120"/>
               </a:rPr>
@@ -7143,6 +8225,9 @@
             </a:r>
             <a:r>
               <a:rPr lang="zh-TW" altLang="en-US" sz="4800" b="1" dirty="0" smtClean="0">
+                <a:solidFill>
+                  <a:srgbClr val="002060"/>
+                </a:solidFill>
                 <a:latin typeface="微軟正黑體" pitchFamily="34" charset="-120"/>
                 <a:ea typeface="微軟正黑體" pitchFamily="34" charset="-120"/>
               </a:rPr>
@@ -7150,6 +8235,9 @@
             </a:r>
             <a:r>
               <a:rPr lang="zh-TW" altLang="en-US" sz="4800" b="1" dirty="0">
+                <a:solidFill>
+                  <a:srgbClr val="002060"/>
+                </a:solidFill>
                 <a:latin typeface="微軟正黑體" pitchFamily="34" charset="-120"/>
                 <a:ea typeface="微軟正黑體" pitchFamily="34" charset="-120"/>
               </a:rPr>
@@ -7157,12 +8245,18 @@
             </a:r>
             <a:r>
               <a:rPr lang="zh-TW" altLang="en-US" sz="4800" b="1" dirty="0" smtClean="0">
+                <a:solidFill>
+                  <a:srgbClr val="002060"/>
+                </a:solidFill>
                 <a:latin typeface="微軟正黑體" pitchFamily="34" charset="-120"/>
                 <a:ea typeface="微軟正黑體" pitchFamily="34" charset="-120"/>
               </a:rPr>
               <a:t>需要</a:t>
             </a:r>
             <a:endParaRPr lang="en-US" altLang="zh-TW" sz="4800" b="1" dirty="0" smtClean="0">
+              <a:solidFill>
+                <a:srgbClr val="002060"/>
+              </a:solidFill>
               <a:latin typeface="微軟正黑體" pitchFamily="34" charset="-120"/>
               <a:ea typeface="微軟正黑體" pitchFamily="34" charset="-120"/>
             </a:endParaRPr>
@@ -7173,6 +8267,9 @@
             </a:pPr>
             <a:r>
               <a:rPr lang="zh-TW" altLang="en-US" sz="4800" b="1" dirty="0" smtClean="0">
+                <a:solidFill>
+                  <a:srgbClr val="002060"/>
+                </a:solidFill>
                 <a:latin typeface="微軟正黑體" pitchFamily="34" charset="-120"/>
                 <a:ea typeface="微軟正黑體" pitchFamily="34" charset="-120"/>
               </a:rPr>
@@ -7180,6 +8277,9 @@
             </a:r>
             <a:r>
               <a:rPr lang="zh-TW" altLang="en-US" sz="4800" b="1" dirty="0">
+                <a:solidFill>
+                  <a:srgbClr val="002060"/>
+                </a:solidFill>
                 <a:latin typeface="微軟正黑體" pitchFamily="34" charset="-120"/>
                 <a:ea typeface="微軟正黑體" pitchFamily="34" charset="-120"/>
               </a:rPr>
@@ -7232,6 +8332,9 @@
           <a:p>
             <a:r>
               <a:rPr lang="zh-CN" altLang="en-US" b="1" dirty="0">
+                <a:solidFill>
+                  <a:srgbClr val="002060"/>
+                </a:solidFill>
                 <a:latin typeface="微軟正黑體" pitchFamily="34" charset="-120"/>
                 <a:ea typeface="微軟正黑體" pitchFamily="34" charset="-120"/>
               </a:rPr>
@@ -7239,6 +8342,9 @@
             </a:r>
             <a:r>
               <a:rPr lang="zh-TW" altLang="en-US" b="1" dirty="0" smtClean="0">
+                <a:solidFill>
+                  <a:srgbClr val="002060"/>
+                </a:solidFill>
                 <a:latin typeface="微軟正黑體" pitchFamily="34" charset="-120"/>
                 <a:ea typeface="微軟正黑體" pitchFamily="34" charset="-120"/>
               </a:rPr>
@@ -7246,6 +8352,9 @@
             </a:r>
             <a:r>
               <a:rPr lang="zh-TW" altLang="en-US" b="1" dirty="0">
+                <a:solidFill>
+                  <a:srgbClr val="002060"/>
+                </a:solidFill>
                 <a:latin typeface="微軟正黑體" pitchFamily="34" charset="-120"/>
                 <a:ea typeface="微軟正黑體" pitchFamily="34" charset="-120"/>
               </a:rPr>
@@ -7276,6 +8385,9 @@
             </a:pPr>
             <a:r>
               <a:rPr lang="zh-CN" altLang="en-US" sz="4800" b="1" dirty="0">
+                <a:solidFill>
+                  <a:srgbClr val="002060"/>
+                </a:solidFill>
                 <a:latin typeface="微軟正黑體" pitchFamily="34" charset="-120"/>
                 <a:ea typeface="微軟正黑體" pitchFamily="34" charset="-120"/>
               </a:rPr>
@@ -7283,6 +8395,9 @@
             </a:r>
             <a:r>
               <a:rPr lang="zh-TW" altLang="en-US" sz="4800" b="1" dirty="0" smtClean="0">
+                <a:solidFill>
+                  <a:srgbClr val="002060"/>
+                </a:solidFill>
                 <a:latin typeface="微軟正黑體" pitchFamily="34" charset="-120"/>
                 <a:ea typeface="微軟正黑體" pitchFamily="34" charset="-120"/>
               </a:rPr>
@@ -7290,12 +8405,18 @@
             </a:r>
             <a:r>
               <a:rPr lang="zh-TW" altLang="en-US" sz="4800" b="1" dirty="0">
+                <a:solidFill>
+                  <a:srgbClr val="002060"/>
+                </a:solidFill>
                 <a:latin typeface="微軟正黑體" pitchFamily="34" charset="-120"/>
                 <a:ea typeface="微軟正黑體" pitchFamily="34" charset="-120"/>
               </a:rPr>
               <a:t>鋪陳天上雲彩</a:t>
             </a:r>
             <a:endParaRPr lang="en-US" altLang="zh-TW" sz="4800" b="1" dirty="0">
+              <a:solidFill>
+                <a:srgbClr val="002060"/>
+              </a:solidFill>
               <a:latin typeface="微軟正黑體" pitchFamily="34" charset="-120"/>
               <a:ea typeface="微軟正黑體" pitchFamily="34" charset="-120"/>
             </a:endParaRPr>
@@ -7306,12 +8427,18 @@
             </a:pPr>
             <a:r>
               <a:rPr lang="zh-TW" altLang="en-US" sz="4800" b="1" dirty="0">
+                <a:solidFill>
+                  <a:srgbClr val="002060"/>
+                </a:solidFill>
                 <a:latin typeface="微軟正黑體" pitchFamily="34" charset="-120"/>
                 <a:ea typeface="微軟正黑體" pitchFamily="34" charset="-120"/>
               </a:rPr>
               <a:t>打造永恆國度</a:t>
             </a:r>
             <a:endParaRPr lang="en-US" altLang="zh-TW" sz="4800" b="1" dirty="0">
+              <a:solidFill>
+                <a:srgbClr val="002060"/>
+              </a:solidFill>
               <a:latin typeface="微軟正黑體" pitchFamily="34" charset="-120"/>
               <a:ea typeface="微軟正黑體" pitchFamily="34" charset="-120"/>
             </a:endParaRPr>
@@ -7322,12 +8449,18 @@
             </a:pPr>
             <a:r>
               <a:rPr lang="zh-TW" altLang="en-US" sz="4800" b="1" dirty="0">
+                <a:solidFill>
+                  <a:srgbClr val="002060"/>
+                </a:solidFill>
                 <a:latin typeface="微軟正黑體" pitchFamily="34" charset="-120"/>
                 <a:ea typeface="微軟正黑體" pitchFamily="34" charset="-120"/>
               </a:rPr>
               <a:t>但這雙手卻甘心為我</a:t>
             </a:r>
             <a:endParaRPr lang="en-US" altLang="zh-TW" sz="4800" b="1" dirty="0">
+              <a:solidFill>
+                <a:srgbClr val="002060"/>
+              </a:solidFill>
               <a:latin typeface="微軟正黑體" pitchFamily="34" charset="-120"/>
               <a:ea typeface="微軟正黑體" pitchFamily="34" charset="-120"/>
             </a:endParaRPr>
@@ -7338,6 +8471,9 @@
             </a:pPr>
             <a:r>
               <a:rPr lang="zh-TW" altLang="en-US" sz="4800" b="1" dirty="0">
+                <a:solidFill>
+                  <a:srgbClr val="002060"/>
+                </a:solidFill>
                 <a:latin typeface="微軟正黑體" pitchFamily="34" charset="-120"/>
                 <a:ea typeface="微軟正黑體" pitchFamily="34" charset="-120"/>
               </a:rPr>
@@ -7390,6 +8526,9 @@
           <a:p>
             <a:r>
               <a:rPr lang="zh-CN" altLang="en-US" b="1" dirty="0">
+                <a:solidFill>
+                  <a:srgbClr val="002060"/>
+                </a:solidFill>
                 <a:latin typeface="微軟正黑體" pitchFamily="34" charset="-120"/>
                 <a:ea typeface="微軟正黑體" pitchFamily="34" charset="-120"/>
               </a:rPr>
@@ -7397,6 +8536,9 @@
             </a:r>
             <a:r>
               <a:rPr lang="zh-TW" altLang="en-US" b="1" dirty="0" smtClean="0">
+                <a:solidFill>
+                  <a:srgbClr val="002060"/>
+                </a:solidFill>
                 <a:latin typeface="微軟正黑體" pitchFamily="34" charset="-120"/>
                 <a:ea typeface="微軟正黑體" pitchFamily="34" charset="-120"/>
               </a:rPr>
@@ -7404,6 +8546,9 @@
             </a:r>
             <a:r>
               <a:rPr lang="zh-TW" altLang="en-US" b="1" dirty="0">
+                <a:solidFill>
+                  <a:srgbClr val="002060"/>
+                </a:solidFill>
                 <a:latin typeface="微軟正黑體" pitchFamily="34" charset="-120"/>
                 <a:ea typeface="微軟正黑體" pitchFamily="34" charset="-120"/>
               </a:rPr>
@@ -7439,6 +8584,9 @@
             </a:pPr>
             <a:r>
               <a:rPr lang="zh-CN" altLang="en-US" sz="4800" b="1" dirty="0">
+                <a:solidFill>
+                  <a:srgbClr val="002060"/>
+                </a:solidFill>
                 <a:latin typeface="微軟正黑體" pitchFamily="34" charset="-120"/>
                 <a:ea typeface="微軟正黑體" pitchFamily="34" charset="-120"/>
               </a:rPr>
@@ -7446,6 +8594,9 @@
             </a:r>
             <a:r>
               <a:rPr lang="zh-TW" altLang="en-US" sz="4800" b="1" dirty="0" smtClean="0">
+                <a:solidFill>
+                  <a:srgbClr val="002060"/>
+                </a:solidFill>
                 <a:latin typeface="微軟正黑體" pitchFamily="34" charset="-120"/>
                 <a:ea typeface="微軟正黑體" pitchFamily="34" charset="-120"/>
               </a:rPr>
@@ -7453,12 +8604,18 @@
             </a:r>
             <a:r>
               <a:rPr lang="zh-TW" altLang="en-US" sz="4800" b="1" dirty="0">
+                <a:solidFill>
+                  <a:srgbClr val="002060"/>
+                </a:solidFill>
                 <a:latin typeface="微軟正黑體" pitchFamily="34" charset="-120"/>
                 <a:ea typeface="微軟正黑體" pitchFamily="34" charset="-120"/>
               </a:rPr>
               <a:t>義審判萬民</a:t>
             </a:r>
             <a:endParaRPr lang="en-US" altLang="zh-TW" sz="4800" b="1" dirty="0">
+              <a:solidFill>
+                <a:srgbClr val="002060"/>
+              </a:solidFill>
               <a:latin typeface="微軟正黑體" pitchFamily="34" charset="-120"/>
               <a:ea typeface="微軟正黑體" pitchFamily="34" charset="-120"/>
             </a:endParaRPr>
@@ -7469,6 +8626,9 @@
             </a:pPr>
             <a:r>
               <a:rPr lang="zh-TW" altLang="en-US" sz="4800" b="1" dirty="0">
+                <a:solidFill>
+                  <a:srgbClr val="002060"/>
+                </a:solidFill>
                 <a:latin typeface="微軟正黑體" pitchFamily="34" charset="-120"/>
                 <a:ea typeface="微軟正黑體" pitchFamily="34" charset="-120"/>
               </a:rPr>
@@ -7476,12 +8636,18 @@
             </a:r>
             <a:r>
               <a:rPr lang="zh-TW" altLang="en-US" sz="4800" b="1" dirty="0" smtClean="0">
+                <a:solidFill>
+                  <a:srgbClr val="002060"/>
+                </a:solidFill>
                 <a:latin typeface="微軟正黑體" pitchFamily="34" charset="-120"/>
                 <a:ea typeface="微軟正黑體" pitchFamily="34" charset="-120"/>
               </a:rPr>
               <a:t>地</a:t>
             </a:r>
             <a:endParaRPr lang="en-US" altLang="zh-TW" sz="4800" b="1" dirty="0" smtClean="0">
+              <a:solidFill>
+                <a:srgbClr val="002060"/>
+              </a:solidFill>
               <a:latin typeface="微軟正黑體" pitchFamily="34" charset="-120"/>
               <a:ea typeface="微軟正黑體" pitchFamily="34" charset="-120"/>
             </a:endParaRPr>
@@ -7492,12 +8658,18 @@
             </a:pPr>
             <a:r>
               <a:rPr lang="zh-TW" altLang="en-US" sz="4800" b="1" dirty="0" smtClean="0">
+                <a:solidFill>
+                  <a:srgbClr val="002060"/>
+                </a:solidFill>
                 <a:latin typeface="微軟正黑體" pitchFamily="34" charset="-120"/>
                 <a:ea typeface="微軟正黑體" pitchFamily="34" charset="-120"/>
               </a:rPr>
               <a:t>但你卻一再賜恩典</a:t>
             </a:r>
             <a:endParaRPr lang="en-US" altLang="zh-TW" sz="4800" b="1" dirty="0" smtClean="0">
+              <a:solidFill>
+                <a:srgbClr val="002060"/>
+              </a:solidFill>
               <a:latin typeface="微軟正黑體" pitchFamily="34" charset="-120"/>
               <a:ea typeface="微軟正黑體" pitchFamily="34" charset="-120"/>
             </a:endParaRPr>
@@ -7508,6 +8680,9 @@
             </a:pPr>
             <a:r>
               <a:rPr lang="zh-TW" altLang="en-US" sz="4800" b="1" dirty="0" smtClean="0">
+                <a:solidFill>
+                  <a:srgbClr val="002060"/>
+                </a:solidFill>
                 <a:latin typeface="微軟正黑體" pitchFamily="34" charset="-120"/>
                 <a:ea typeface="微軟正黑體" pitchFamily="34" charset="-120"/>
               </a:rPr>
@@ -7515,6 +8690,9 @@
             </a:r>
             <a:r>
               <a:rPr lang="zh-TW" altLang="en-US" sz="4800" b="1" dirty="0">
+                <a:solidFill>
+                  <a:srgbClr val="002060"/>
+                </a:solidFill>
                 <a:latin typeface="微軟正黑體" pitchFamily="34" charset="-120"/>
                 <a:ea typeface="微軟正黑體" pitchFamily="34" charset="-120"/>
               </a:rPr>
@@ -7522,6 +8700,9 @@
             </a:r>
             <a:r>
               <a:rPr lang="zh-TW" altLang="en-US" sz="4800" b="1" dirty="0" smtClean="0">
+                <a:solidFill>
+                  <a:srgbClr val="002060"/>
+                </a:solidFill>
                 <a:latin typeface="微軟正黑體" pitchFamily="34" charset="-120"/>
                 <a:ea typeface="微軟正黑體" pitchFamily="34" charset="-120"/>
               </a:rPr>
@@ -7529,6 +8710,9 @@
             </a:r>
             <a:r>
               <a:rPr lang="zh-TW" altLang="en-US" sz="4800" b="1" dirty="0">
+                <a:solidFill>
+                  <a:srgbClr val="002060"/>
+                </a:solidFill>
                 <a:latin typeface="微軟正黑體" pitchFamily="34" charset="-120"/>
                 <a:ea typeface="微軟正黑體" pitchFamily="34" charset="-120"/>
               </a:rPr>
@@ -7536,6 +8720,9 @@
             </a:r>
             <a:r>
               <a:rPr lang="zh-TW" altLang="en-US" sz="4800" b="1" dirty="0" smtClean="0">
+                <a:solidFill>
+                  <a:srgbClr val="002060"/>
+                </a:solidFill>
                 <a:latin typeface="微軟正黑體" pitchFamily="34" charset="-120"/>
                 <a:ea typeface="微軟正黑體" pitchFamily="34" charset="-120"/>
               </a:rPr>
@@ -7543,12 +8730,18 @@
             </a:r>
             <a:r>
               <a:rPr lang="zh-CN" altLang="en-US" sz="4800" b="1" dirty="0">
+                <a:solidFill>
+                  <a:srgbClr val="002060"/>
+                </a:solidFill>
                 <a:latin typeface="微軟正黑體" pitchFamily="34" charset="-120"/>
                 <a:ea typeface="微軟正黑體" pitchFamily="34" charset="-120"/>
               </a:rPr>
               <a:t>袮</a:t>
             </a:r>
             <a:endParaRPr lang="zh-TW" altLang="en-US" sz="4800" b="1" dirty="0">
+              <a:solidFill>
+                <a:srgbClr val="002060"/>
+              </a:solidFill>
               <a:latin typeface="微軟正黑體" pitchFamily="34" charset="-120"/>
               <a:ea typeface="微軟正黑體" pitchFamily="34" charset="-120"/>
             </a:endParaRPr>
